--- a/Conteúdos/Autenticação Stateless e Stateful em Microsserviços.pptx
+++ b/Conteúdos/Autenticação Stateless e Stateful em Microsserviços.pptx
@@ -235,7 +235,7 @@
           <a:p>
             <a:fld id="{1A658991-3A10-4D75-89CC-FE5310122811}" type="datetimeFigureOut">
               <a:rPr lang="pt-BR" smtClean="0"/>
-              <a:t>14/01/2023</a:t>
+              <a:t>19/01/2023</a:t>
             </a:fld>
             <a:endParaRPr lang="pt-BR"/>
           </a:p>
@@ -1657,7 +1657,7 @@
           <a:p>
             <a:fld id="{654E430E-5D4C-4874-960B-D673A28B4FD3}" type="datetimeFigureOut">
               <a:rPr lang="pt-BR" smtClean="0"/>
-              <a:t>14/01/2023</a:t>
+              <a:t>19/01/2023</a:t>
             </a:fld>
             <a:endParaRPr lang="pt-BR"/>
           </a:p>
@@ -1855,7 +1855,7 @@
           <a:p>
             <a:fld id="{654E430E-5D4C-4874-960B-D673A28B4FD3}" type="datetimeFigureOut">
               <a:rPr lang="pt-BR" smtClean="0"/>
-              <a:t>14/01/2023</a:t>
+              <a:t>19/01/2023</a:t>
             </a:fld>
             <a:endParaRPr lang="pt-BR"/>
           </a:p>
@@ -2063,7 +2063,7 @@
           <a:p>
             <a:fld id="{654E430E-5D4C-4874-960B-D673A28B4FD3}" type="datetimeFigureOut">
               <a:rPr lang="pt-BR" smtClean="0"/>
-              <a:t>14/01/2023</a:t>
+              <a:t>19/01/2023</a:t>
             </a:fld>
             <a:endParaRPr lang="pt-BR"/>
           </a:p>
@@ -2261,7 +2261,7 @@
           <a:p>
             <a:fld id="{654E430E-5D4C-4874-960B-D673A28B4FD3}" type="datetimeFigureOut">
               <a:rPr lang="pt-BR" smtClean="0"/>
-              <a:t>14/01/2023</a:t>
+              <a:t>19/01/2023</a:t>
             </a:fld>
             <a:endParaRPr lang="pt-BR"/>
           </a:p>
@@ -2536,7 +2536,7 @@
           <a:p>
             <a:fld id="{654E430E-5D4C-4874-960B-D673A28B4FD3}" type="datetimeFigureOut">
               <a:rPr lang="pt-BR" smtClean="0"/>
-              <a:t>14/01/2023</a:t>
+              <a:t>19/01/2023</a:t>
             </a:fld>
             <a:endParaRPr lang="pt-BR"/>
           </a:p>
@@ -2801,7 +2801,7 @@
           <a:p>
             <a:fld id="{654E430E-5D4C-4874-960B-D673A28B4FD3}" type="datetimeFigureOut">
               <a:rPr lang="pt-BR" smtClean="0"/>
-              <a:t>14/01/2023</a:t>
+              <a:t>19/01/2023</a:t>
             </a:fld>
             <a:endParaRPr lang="pt-BR"/>
           </a:p>
@@ -3213,7 +3213,7 @@
           <a:p>
             <a:fld id="{654E430E-5D4C-4874-960B-D673A28B4FD3}" type="datetimeFigureOut">
               <a:rPr lang="pt-BR" smtClean="0"/>
-              <a:t>14/01/2023</a:t>
+              <a:t>19/01/2023</a:t>
             </a:fld>
             <a:endParaRPr lang="pt-BR"/>
           </a:p>
@@ -3354,7 +3354,7 @@
           <a:p>
             <a:fld id="{654E430E-5D4C-4874-960B-D673A28B4FD3}" type="datetimeFigureOut">
               <a:rPr lang="pt-BR" smtClean="0"/>
-              <a:t>14/01/2023</a:t>
+              <a:t>19/01/2023</a:t>
             </a:fld>
             <a:endParaRPr lang="pt-BR"/>
           </a:p>
@@ -3467,7 +3467,7 @@
           <a:p>
             <a:fld id="{654E430E-5D4C-4874-960B-D673A28B4FD3}" type="datetimeFigureOut">
               <a:rPr lang="pt-BR" smtClean="0"/>
-              <a:t>14/01/2023</a:t>
+              <a:t>19/01/2023</a:t>
             </a:fld>
             <a:endParaRPr lang="pt-BR"/>
           </a:p>
@@ -3778,7 +3778,7 @@
           <a:p>
             <a:fld id="{654E430E-5D4C-4874-960B-D673A28B4FD3}" type="datetimeFigureOut">
               <a:rPr lang="pt-BR" smtClean="0"/>
-              <a:t>14/01/2023</a:t>
+              <a:t>19/01/2023</a:t>
             </a:fld>
             <a:endParaRPr lang="pt-BR"/>
           </a:p>
@@ -4066,7 +4066,7 @@
           <a:p>
             <a:fld id="{654E430E-5D4C-4874-960B-D673A28B4FD3}" type="datetimeFigureOut">
               <a:rPr lang="pt-BR" smtClean="0"/>
-              <a:t>14/01/2023</a:t>
+              <a:t>19/01/2023</a:t>
             </a:fld>
             <a:endParaRPr lang="pt-BR"/>
           </a:p>
@@ -4307,7 +4307,7 @@
           <a:p>
             <a:fld id="{654E430E-5D4C-4874-960B-D673A28B4FD3}" type="datetimeFigureOut">
               <a:rPr lang="pt-BR" smtClean="0"/>
-              <a:t>14/01/2023</a:t>
+              <a:t>19/01/2023</a:t>
             </a:fld>
             <a:endParaRPr lang="pt-BR"/>
           </a:p>
@@ -4751,9 +4751,10 @@
           <a:lstStyle/>
           <a:p>
             <a:r>
-              <a:rPr lang="pt-BR" dirty="0"/>
+              <a:rPr lang="pt-BR"/>
               <a:t>Conceitos, situações em que devem ser utilizadas, vantagens e desvantagens de cada estratégia.</a:t>
             </a:r>
+            <a:endParaRPr lang="pt-BR" dirty="0"/>
           </a:p>
         </p:txBody>
       </p:sp>
@@ -4784,9 +4785,10 @@
           <a:lstStyle/>
           <a:p>
             <a:r>
-              <a:rPr lang="pt-BR" dirty="0"/>
+              <a:rPr lang="pt-BR"/>
               <a:t>Autenticação Stateless e Stateful em Microsserviços</a:t>
             </a:r>
+            <a:endParaRPr lang="pt-BR" dirty="0"/>
           </a:p>
         </p:txBody>
       </p:sp>
@@ -4820,24 +4822,15 @@
           <a:p>
             <a:pPr algn="r"/>
             <a:r>
-              <a:rPr lang="pt-BR" sz="2800" dirty="0"/>
-              <a:t>Victor Hugo </a:t>
-            </a:r>
-            <a:r>
-              <a:rPr lang="pt-BR" sz="2800" dirty="0" err="1"/>
-              <a:t>Negrisoli</a:t>
-            </a:r>
-            <a:endParaRPr lang="pt-BR" sz="2800" dirty="0"/>
+              <a:rPr lang="pt-BR" sz="2800"/>
+              <a:t>Victor Hugo Negrisoli</a:t>
+            </a:r>
           </a:p>
           <a:p>
             <a:pPr algn="r"/>
             <a:r>
-              <a:rPr lang="pt-BR" sz="1900" dirty="0"/>
-              <a:t>Desenvolvedor Back-</a:t>
-            </a:r>
-            <a:r>
-              <a:rPr lang="pt-BR" sz="1900" dirty="0" err="1"/>
-              <a:t>End</a:t>
+              <a:rPr lang="pt-BR" sz="1900"/>
+              <a:t>Desenvolvedor Back-End</a:t>
             </a:r>
             <a:endParaRPr lang="pt-BR" sz="1900" dirty="0"/>
           </a:p>
@@ -7247,10 +7240,10 @@
       </p:grpSpPr>
       <p:pic>
         <p:nvPicPr>
-          <p:cNvPr id="13" name="Imagem 12" descr="Diagrama&#10;&#10;Descrição gerada automaticamente">
-            <a:extLst>
-              <a:ext uri="{FF2B5EF4-FFF2-40B4-BE49-F238E27FC236}">
-                <a16:creationId xmlns:a16="http://schemas.microsoft.com/office/drawing/2014/main" id="{7127D3C0-007C-7156-F8F8-58F23693BFA7}"/>
+          <p:cNvPr id="3" name="Imagem 2" descr="Diagrama&#10;&#10;Descrição gerada automaticamente">
+            <a:extLst>
+              <a:ext uri="{FF2B5EF4-FFF2-40B4-BE49-F238E27FC236}">
+                <a16:creationId xmlns:a16="http://schemas.microsoft.com/office/drawing/2014/main" id="{6AD8D470-362D-B749-6BE1-A194AB88836C}"/>
               </a:ext>
             </a:extLst>
           </p:cNvPr>
@@ -7273,8 +7266,8 @@
         </p:blipFill>
         <p:spPr>
           <a:xfrm>
-            <a:off x="2788674" y="121674"/>
-            <a:ext cx="6614652" cy="6614652"/>
+            <a:off x="1684763" y="542925"/>
+            <a:ext cx="8822473" cy="5772150"/>
           </a:xfrm>
           <a:prstGeom prst="rect">
             <a:avLst/>
@@ -10296,10 +10289,10 @@
       </p:grpSpPr>
       <p:pic>
         <p:nvPicPr>
-          <p:cNvPr id="5" name="Imagem 4" descr="Diagrama&#10;&#10;Descrição gerada automaticamente">
-            <a:extLst>
-              <a:ext uri="{FF2B5EF4-FFF2-40B4-BE49-F238E27FC236}">
-                <a16:creationId xmlns:a16="http://schemas.microsoft.com/office/drawing/2014/main" id="{0C3D8B43-62A4-E013-7DC9-947EC57C3EB2}"/>
+          <p:cNvPr id="3" name="Imagem 2" descr="Diagrama&#10;&#10;Descrição gerada automaticamente">
+            <a:extLst>
+              <a:ext uri="{FF2B5EF4-FFF2-40B4-BE49-F238E27FC236}">
+                <a16:creationId xmlns:a16="http://schemas.microsoft.com/office/drawing/2014/main" id="{4FE60D26-DD44-07E2-43DA-87BDF9E6D51D}"/>
               </a:ext>
             </a:extLst>
           </p:cNvPr>
@@ -10322,8 +10315,8 @@
         </p:blipFill>
         <p:spPr>
           <a:xfrm>
-            <a:off x="446843" y="67593"/>
-            <a:ext cx="11298314" cy="6722814"/>
+            <a:off x="1067246" y="476557"/>
+            <a:ext cx="10057507" cy="5904885"/>
           </a:xfrm>
           <a:prstGeom prst="rect">
             <a:avLst/>

--- a/Conteúdos/Autenticação Stateless e Stateful em Microsserviços.pptx
+++ b/Conteúdos/Autenticação Stateless e Stateful em Microsserviços.pptx
@@ -235,7 +235,7 @@
           <a:p>
             <a:fld id="{1A658991-3A10-4D75-89CC-FE5310122811}" type="datetimeFigureOut">
               <a:rPr lang="pt-BR" smtClean="0"/>
-              <a:t>19/01/2023</a:t>
+              <a:t>23/01/2023</a:t>
             </a:fld>
             <a:endParaRPr lang="pt-BR"/>
           </a:p>
@@ -1657,7 +1657,7 @@
           <a:p>
             <a:fld id="{654E430E-5D4C-4874-960B-D673A28B4FD3}" type="datetimeFigureOut">
               <a:rPr lang="pt-BR" smtClean="0"/>
-              <a:t>19/01/2023</a:t>
+              <a:t>23/01/2023</a:t>
             </a:fld>
             <a:endParaRPr lang="pt-BR"/>
           </a:p>
@@ -1855,7 +1855,7 @@
           <a:p>
             <a:fld id="{654E430E-5D4C-4874-960B-D673A28B4FD3}" type="datetimeFigureOut">
               <a:rPr lang="pt-BR" smtClean="0"/>
-              <a:t>19/01/2023</a:t>
+              <a:t>23/01/2023</a:t>
             </a:fld>
             <a:endParaRPr lang="pt-BR"/>
           </a:p>
@@ -2063,7 +2063,7 @@
           <a:p>
             <a:fld id="{654E430E-5D4C-4874-960B-D673A28B4FD3}" type="datetimeFigureOut">
               <a:rPr lang="pt-BR" smtClean="0"/>
-              <a:t>19/01/2023</a:t>
+              <a:t>23/01/2023</a:t>
             </a:fld>
             <a:endParaRPr lang="pt-BR"/>
           </a:p>
@@ -2261,7 +2261,7 @@
           <a:p>
             <a:fld id="{654E430E-5D4C-4874-960B-D673A28B4FD3}" type="datetimeFigureOut">
               <a:rPr lang="pt-BR" smtClean="0"/>
-              <a:t>19/01/2023</a:t>
+              <a:t>23/01/2023</a:t>
             </a:fld>
             <a:endParaRPr lang="pt-BR"/>
           </a:p>
@@ -2536,7 +2536,7 @@
           <a:p>
             <a:fld id="{654E430E-5D4C-4874-960B-D673A28B4FD3}" type="datetimeFigureOut">
               <a:rPr lang="pt-BR" smtClean="0"/>
-              <a:t>19/01/2023</a:t>
+              <a:t>23/01/2023</a:t>
             </a:fld>
             <a:endParaRPr lang="pt-BR"/>
           </a:p>
@@ -2801,7 +2801,7 @@
           <a:p>
             <a:fld id="{654E430E-5D4C-4874-960B-D673A28B4FD3}" type="datetimeFigureOut">
               <a:rPr lang="pt-BR" smtClean="0"/>
-              <a:t>19/01/2023</a:t>
+              <a:t>23/01/2023</a:t>
             </a:fld>
             <a:endParaRPr lang="pt-BR"/>
           </a:p>
@@ -3213,7 +3213,7 @@
           <a:p>
             <a:fld id="{654E430E-5D4C-4874-960B-D673A28B4FD3}" type="datetimeFigureOut">
               <a:rPr lang="pt-BR" smtClean="0"/>
-              <a:t>19/01/2023</a:t>
+              <a:t>23/01/2023</a:t>
             </a:fld>
             <a:endParaRPr lang="pt-BR"/>
           </a:p>
@@ -3354,7 +3354,7 @@
           <a:p>
             <a:fld id="{654E430E-5D4C-4874-960B-D673A28B4FD3}" type="datetimeFigureOut">
               <a:rPr lang="pt-BR" smtClean="0"/>
-              <a:t>19/01/2023</a:t>
+              <a:t>23/01/2023</a:t>
             </a:fld>
             <a:endParaRPr lang="pt-BR"/>
           </a:p>
@@ -3467,7 +3467,7 @@
           <a:p>
             <a:fld id="{654E430E-5D4C-4874-960B-D673A28B4FD3}" type="datetimeFigureOut">
               <a:rPr lang="pt-BR" smtClean="0"/>
-              <a:t>19/01/2023</a:t>
+              <a:t>23/01/2023</a:t>
             </a:fld>
             <a:endParaRPr lang="pt-BR"/>
           </a:p>
@@ -3778,7 +3778,7 @@
           <a:p>
             <a:fld id="{654E430E-5D4C-4874-960B-D673A28B4FD3}" type="datetimeFigureOut">
               <a:rPr lang="pt-BR" smtClean="0"/>
-              <a:t>19/01/2023</a:t>
+              <a:t>23/01/2023</a:t>
             </a:fld>
             <a:endParaRPr lang="pt-BR"/>
           </a:p>
@@ -4066,7 +4066,7 @@
           <a:p>
             <a:fld id="{654E430E-5D4C-4874-960B-D673A28B4FD3}" type="datetimeFigureOut">
               <a:rPr lang="pt-BR" smtClean="0"/>
-              <a:t>19/01/2023</a:t>
+              <a:t>23/01/2023</a:t>
             </a:fld>
             <a:endParaRPr lang="pt-BR"/>
           </a:p>
@@ -4307,7 +4307,7 @@
           <a:p>
             <a:fld id="{654E430E-5D4C-4874-960B-D673A28B4FD3}" type="datetimeFigureOut">
               <a:rPr lang="pt-BR" smtClean="0"/>
-              <a:t>19/01/2023</a:t>
+              <a:t>23/01/2023</a:t>
             </a:fld>
             <a:endParaRPr lang="pt-BR"/>
           </a:p>
@@ -10483,8 +10483,13 @@
             </a:r>
             <a:r>
               <a:rPr lang="pt-BR" sz="2400" dirty="0"/>
-              <a:t> para subir containers das bases de dados.</a:t>
-            </a:r>
+              <a:t> para subir containers das bases de dados e </a:t>
+            </a:r>
+            <a:r>
+              <a:rPr lang="pt-BR" sz="2400"/>
+              <a:t>das aplicações.</a:t>
+            </a:r>
+            <a:endParaRPr lang="pt-BR" sz="2400" dirty="0"/>
           </a:p>
         </p:txBody>
       </p:sp>

--- a/Conteúdos/Autenticação Stateless e Stateful em Microsserviços.pptx
+++ b/Conteúdos/Autenticação Stateless e Stateful em Microsserviços.pptx
@@ -5,7 +5,7 @@
     <p:sldMasterId id="2147483648" r:id="rId1"/>
   </p:sldMasterIdLst>
   <p:notesMasterIdLst>
-    <p:notesMasterId r:id="rId41"/>
+    <p:notesMasterId r:id="rId42"/>
   </p:notesMasterIdLst>
   <p:sldIdLst>
     <p:sldId id="274" r:id="rId2"/>
@@ -16,37 +16,38 @@
     <p:sldId id="335" r:id="rId7"/>
     <p:sldId id="303" r:id="rId8"/>
     <p:sldId id="337" r:id="rId9"/>
-    <p:sldId id="336" r:id="rId10"/>
-    <p:sldId id="304" r:id="rId11"/>
-    <p:sldId id="340" r:id="rId12"/>
-    <p:sldId id="342" r:id="rId13"/>
-    <p:sldId id="343" r:id="rId14"/>
-    <p:sldId id="307" r:id="rId15"/>
-    <p:sldId id="306" r:id="rId16"/>
-    <p:sldId id="308" r:id="rId17"/>
-    <p:sldId id="309" r:id="rId18"/>
-    <p:sldId id="310" r:id="rId19"/>
-    <p:sldId id="338" r:id="rId20"/>
-    <p:sldId id="312" r:id="rId21"/>
-    <p:sldId id="319" r:id="rId22"/>
-    <p:sldId id="313" r:id="rId23"/>
-    <p:sldId id="344" r:id="rId24"/>
-    <p:sldId id="345" r:id="rId25"/>
-    <p:sldId id="314" r:id="rId26"/>
-    <p:sldId id="320" r:id="rId27"/>
-    <p:sldId id="316" r:id="rId28"/>
-    <p:sldId id="321" r:id="rId29"/>
-    <p:sldId id="311" r:id="rId30"/>
-    <p:sldId id="339" r:id="rId31"/>
-    <p:sldId id="324" r:id="rId32"/>
-    <p:sldId id="326" r:id="rId33"/>
-    <p:sldId id="323" r:id="rId34"/>
-    <p:sldId id="325" r:id="rId35"/>
-    <p:sldId id="327" r:id="rId36"/>
-    <p:sldId id="328" r:id="rId37"/>
-    <p:sldId id="329" r:id="rId38"/>
-    <p:sldId id="330" r:id="rId39"/>
-    <p:sldId id="331" r:id="rId40"/>
+    <p:sldId id="346" r:id="rId10"/>
+    <p:sldId id="336" r:id="rId11"/>
+    <p:sldId id="304" r:id="rId12"/>
+    <p:sldId id="340" r:id="rId13"/>
+    <p:sldId id="342" r:id="rId14"/>
+    <p:sldId id="343" r:id="rId15"/>
+    <p:sldId id="307" r:id="rId16"/>
+    <p:sldId id="306" r:id="rId17"/>
+    <p:sldId id="308" r:id="rId18"/>
+    <p:sldId id="309" r:id="rId19"/>
+    <p:sldId id="310" r:id="rId20"/>
+    <p:sldId id="338" r:id="rId21"/>
+    <p:sldId id="312" r:id="rId22"/>
+    <p:sldId id="319" r:id="rId23"/>
+    <p:sldId id="313" r:id="rId24"/>
+    <p:sldId id="344" r:id="rId25"/>
+    <p:sldId id="345" r:id="rId26"/>
+    <p:sldId id="314" r:id="rId27"/>
+    <p:sldId id="320" r:id="rId28"/>
+    <p:sldId id="316" r:id="rId29"/>
+    <p:sldId id="321" r:id="rId30"/>
+    <p:sldId id="311" r:id="rId31"/>
+    <p:sldId id="339" r:id="rId32"/>
+    <p:sldId id="324" r:id="rId33"/>
+    <p:sldId id="326" r:id="rId34"/>
+    <p:sldId id="323" r:id="rId35"/>
+    <p:sldId id="325" r:id="rId36"/>
+    <p:sldId id="327" r:id="rId37"/>
+    <p:sldId id="328" r:id="rId38"/>
+    <p:sldId id="329" r:id="rId39"/>
+    <p:sldId id="330" r:id="rId40"/>
+    <p:sldId id="331" r:id="rId41"/>
   </p:sldIdLst>
   <p:sldSz cx="12192000" cy="6858000"/>
   <p:notesSz cx="6858000" cy="9144000"/>
@@ -235,7 +236,7 @@
           <a:p>
             <a:fld id="{1A658991-3A10-4D75-89CC-FE5310122811}" type="datetimeFigureOut">
               <a:rPr lang="pt-BR" smtClean="0"/>
-              <a:t>23/01/2023</a:t>
+              <a:t>01/02/2023</a:t>
             </a:fld>
             <a:endParaRPr lang="pt-BR"/>
           </a:p>
@@ -660,7 +661,7 @@
     </p:spTree>
     <p:extLst>
       <p:ext uri="{BB962C8B-B14F-4D97-AF65-F5344CB8AC3E}">
-        <p14:creationId xmlns:p14="http://schemas.microsoft.com/office/powerpoint/2010/main" val="728652409"/>
+        <p14:creationId xmlns:p14="http://schemas.microsoft.com/office/powerpoint/2010/main" val="2876341384"/>
       </p:ext>
     </p:extLst>
   </p:cSld>
@@ -744,7 +745,7 @@
     </p:spTree>
     <p:extLst>
       <p:ext uri="{BB962C8B-B14F-4D97-AF65-F5344CB8AC3E}">
-        <p14:creationId xmlns:p14="http://schemas.microsoft.com/office/powerpoint/2010/main" val="3332445481"/>
+        <p14:creationId xmlns:p14="http://schemas.microsoft.com/office/powerpoint/2010/main" val="728652409"/>
       </p:ext>
     </p:extLst>
   </p:cSld>
@@ -820,6 +821,90 @@
             <a:fld id="{EB5BFA20-7DA4-47B3-BF29-502111A061EB}" type="slidenum">
               <a:rPr lang="pt-BR" smtClean="0"/>
               <a:t>39</a:t>
+            </a:fld>
+            <a:endParaRPr lang="pt-BR"/>
+          </a:p>
+        </p:txBody>
+      </p:sp>
+    </p:spTree>
+    <p:extLst>
+      <p:ext uri="{BB962C8B-B14F-4D97-AF65-F5344CB8AC3E}">
+        <p14:creationId xmlns:p14="http://schemas.microsoft.com/office/powerpoint/2010/main" val="3332445481"/>
+      </p:ext>
+    </p:extLst>
+  </p:cSld>
+  <p:clrMapOvr>
+    <a:masterClrMapping/>
+  </p:clrMapOvr>
+</p:notes>
+</file>
+
+<file path=ppt/notesSlides/notesSlide13.xml><?xml version="1.0" encoding="utf-8"?>
+<p:notes xmlns:a="http://schemas.openxmlformats.org/drawingml/2006/main" xmlns:r="http://schemas.openxmlformats.org/officeDocument/2006/relationships" xmlns:p="http://schemas.openxmlformats.org/presentationml/2006/main">
+  <p:cSld>
+    <p:spTree>
+      <p:nvGrpSpPr>
+        <p:cNvPr id="1" name=""/>
+        <p:cNvGrpSpPr/>
+        <p:nvPr/>
+      </p:nvGrpSpPr>
+      <p:grpSpPr>
+        <a:xfrm>
+          <a:off x="0" y="0"/>
+          <a:ext cx="0" cy="0"/>
+          <a:chOff x="0" y="0"/>
+          <a:chExt cx="0" cy="0"/>
+        </a:xfrm>
+      </p:grpSpPr>
+      <p:sp>
+        <p:nvSpPr>
+          <p:cNvPr id="2" name="Espaço Reservado para Imagem de Slide 1"/>
+          <p:cNvSpPr>
+            <a:spLocks noGrp="1" noRot="1" noChangeAspect="1"/>
+          </p:cNvSpPr>
+          <p:nvPr>
+            <p:ph type="sldImg"/>
+          </p:nvPr>
+        </p:nvSpPr>
+        <p:spPr/>
+      </p:sp>
+      <p:sp>
+        <p:nvSpPr>
+          <p:cNvPr id="3" name="Espaço Reservado para Anotações 2"/>
+          <p:cNvSpPr>
+            <a:spLocks noGrp="1"/>
+          </p:cNvSpPr>
+          <p:nvPr>
+            <p:ph type="body" idx="1"/>
+          </p:nvPr>
+        </p:nvSpPr>
+        <p:spPr/>
+        <p:txBody>
+          <a:bodyPr/>
+          <a:lstStyle/>
+          <a:p>
+            <a:endParaRPr lang="pt-BR" dirty="0"/>
+          </a:p>
+        </p:txBody>
+      </p:sp>
+      <p:sp>
+        <p:nvSpPr>
+          <p:cNvPr id="4" name="Espaço Reservado para Número de Slide 3"/>
+          <p:cNvSpPr>
+            <a:spLocks noGrp="1"/>
+          </p:cNvSpPr>
+          <p:nvPr>
+            <p:ph type="sldNum" sz="quarter" idx="5"/>
+          </p:nvPr>
+        </p:nvSpPr>
+        <p:spPr/>
+        <p:txBody>
+          <a:bodyPr/>
+          <a:lstStyle/>
+          <a:p>
+            <a:fld id="{EB5BFA20-7DA4-47B3-BF29-502111A061EB}" type="slidenum">
+              <a:rPr lang="pt-BR" smtClean="0"/>
+              <a:t>40</a:t>
             </a:fld>
             <a:endParaRPr lang="pt-BR"/>
           </a:p>
@@ -987,7 +1072,7 @@
           <a:p>
             <a:fld id="{EB5BFA20-7DA4-47B3-BF29-502111A061EB}" type="slidenum">
               <a:rPr lang="pt-BR" smtClean="0"/>
-              <a:t>28</a:t>
+              <a:t>8</a:t>
             </a:fld>
             <a:endParaRPr lang="pt-BR"/>
           </a:p>
@@ -996,7 +1081,7 @@
     </p:spTree>
     <p:extLst>
       <p:ext uri="{BB962C8B-B14F-4D97-AF65-F5344CB8AC3E}">
-        <p14:creationId xmlns:p14="http://schemas.microsoft.com/office/powerpoint/2010/main" val="3924594844"/>
+        <p14:creationId xmlns:p14="http://schemas.microsoft.com/office/powerpoint/2010/main" val="955094752"/>
       </p:ext>
     </p:extLst>
   </p:cSld>
@@ -1071,7 +1156,7 @@
           <a:p>
             <a:fld id="{EB5BFA20-7DA4-47B3-BF29-502111A061EB}" type="slidenum">
               <a:rPr lang="pt-BR" smtClean="0"/>
-              <a:t>31</a:t>
+              <a:t>29</a:t>
             </a:fld>
             <a:endParaRPr lang="pt-BR"/>
           </a:p>
@@ -1080,7 +1165,7 @@
     </p:spTree>
     <p:extLst>
       <p:ext uri="{BB962C8B-B14F-4D97-AF65-F5344CB8AC3E}">
-        <p14:creationId xmlns:p14="http://schemas.microsoft.com/office/powerpoint/2010/main" val="1653722301"/>
+        <p14:creationId xmlns:p14="http://schemas.microsoft.com/office/powerpoint/2010/main" val="3924594844"/>
       </p:ext>
     </p:extLst>
   </p:cSld>
@@ -1164,7 +1249,7 @@
     </p:spTree>
     <p:extLst>
       <p:ext uri="{BB962C8B-B14F-4D97-AF65-F5344CB8AC3E}">
-        <p14:creationId xmlns:p14="http://schemas.microsoft.com/office/powerpoint/2010/main" val="1338971981"/>
+        <p14:creationId xmlns:p14="http://schemas.microsoft.com/office/powerpoint/2010/main" val="1653722301"/>
       </p:ext>
     </p:extLst>
   </p:cSld>
@@ -1248,7 +1333,7 @@
     </p:spTree>
     <p:extLst>
       <p:ext uri="{BB962C8B-B14F-4D97-AF65-F5344CB8AC3E}">
-        <p14:creationId xmlns:p14="http://schemas.microsoft.com/office/powerpoint/2010/main" val="1668752477"/>
+        <p14:creationId xmlns:p14="http://schemas.microsoft.com/office/powerpoint/2010/main" val="1338971981"/>
       </p:ext>
     </p:extLst>
   </p:cSld>
@@ -1332,7 +1417,7 @@
     </p:spTree>
     <p:extLst>
       <p:ext uri="{BB962C8B-B14F-4D97-AF65-F5344CB8AC3E}">
-        <p14:creationId xmlns:p14="http://schemas.microsoft.com/office/powerpoint/2010/main" val="4004481764"/>
+        <p14:creationId xmlns:p14="http://schemas.microsoft.com/office/powerpoint/2010/main" val="1668752477"/>
       </p:ext>
     </p:extLst>
   </p:cSld>
@@ -1416,7 +1501,7 @@
     </p:spTree>
     <p:extLst>
       <p:ext uri="{BB962C8B-B14F-4D97-AF65-F5344CB8AC3E}">
-        <p14:creationId xmlns:p14="http://schemas.microsoft.com/office/powerpoint/2010/main" val="1905919711"/>
+        <p14:creationId xmlns:p14="http://schemas.microsoft.com/office/powerpoint/2010/main" val="4004481764"/>
       </p:ext>
     </p:extLst>
   </p:cSld>
@@ -1500,7 +1585,7 @@
     </p:spTree>
     <p:extLst>
       <p:ext uri="{BB962C8B-B14F-4D97-AF65-F5344CB8AC3E}">
-        <p14:creationId xmlns:p14="http://schemas.microsoft.com/office/powerpoint/2010/main" val="2876341384"/>
+        <p14:creationId xmlns:p14="http://schemas.microsoft.com/office/powerpoint/2010/main" val="1905919711"/>
       </p:ext>
     </p:extLst>
   </p:cSld>
@@ -1657,7 +1742,7 @@
           <a:p>
             <a:fld id="{654E430E-5D4C-4874-960B-D673A28B4FD3}" type="datetimeFigureOut">
               <a:rPr lang="pt-BR" smtClean="0"/>
-              <a:t>23/01/2023</a:t>
+              <a:t>01/02/2023</a:t>
             </a:fld>
             <a:endParaRPr lang="pt-BR"/>
           </a:p>
@@ -1855,7 +1940,7 @@
           <a:p>
             <a:fld id="{654E430E-5D4C-4874-960B-D673A28B4FD3}" type="datetimeFigureOut">
               <a:rPr lang="pt-BR" smtClean="0"/>
-              <a:t>23/01/2023</a:t>
+              <a:t>01/02/2023</a:t>
             </a:fld>
             <a:endParaRPr lang="pt-BR"/>
           </a:p>
@@ -2063,7 +2148,7 @@
           <a:p>
             <a:fld id="{654E430E-5D4C-4874-960B-D673A28B4FD3}" type="datetimeFigureOut">
               <a:rPr lang="pt-BR" smtClean="0"/>
-              <a:t>23/01/2023</a:t>
+              <a:t>01/02/2023</a:t>
             </a:fld>
             <a:endParaRPr lang="pt-BR"/>
           </a:p>
@@ -2261,7 +2346,7 @@
           <a:p>
             <a:fld id="{654E430E-5D4C-4874-960B-D673A28B4FD3}" type="datetimeFigureOut">
               <a:rPr lang="pt-BR" smtClean="0"/>
-              <a:t>23/01/2023</a:t>
+              <a:t>01/02/2023</a:t>
             </a:fld>
             <a:endParaRPr lang="pt-BR"/>
           </a:p>
@@ -2536,7 +2621,7 @@
           <a:p>
             <a:fld id="{654E430E-5D4C-4874-960B-D673A28B4FD3}" type="datetimeFigureOut">
               <a:rPr lang="pt-BR" smtClean="0"/>
-              <a:t>23/01/2023</a:t>
+              <a:t>01/02/2023</a:t>
             </a:fld>
             <a:endParaRPr lang="pt-BR"/>
           </a:p>
@@ -2801,7 +2886,7 @@
           <a:p>
             <a:fld id="{654E430E-5D4C-4874-960B-D673A28B4FD3}" type="datetimeFigureOut">
               <a:rPr lang="pt-BR" smtClean="0"/>
-              <a:t>23/01/2023</a:t>
+              <a:t>01/02/2023</a:t>
             </a:fld>
             <a:endParaRPr lang="pt-BR"/>
           </a:p>
@@ -3213,7 +3298,7 @@
           <a:p>
             <a:fld id="{654E430E-5D4C-4874-960B-D673A28B4FD3}" type="datetimeFigureOut">
               <a:rPr lang="pt-BR" smtClean="0"/>
-              <a:t>23/01/2023</a:t>
+              <a:t>01/02/2023</a:t>
             </a:fld>
             <a:endParaRPr lang="pt-BR"/>
           </a:p>
@@ -3354,7 +3439,7 @@
           <a:p>
             <a:fld id="{654E430E-5D4C-4874-960B-D673A28B4FD3}" type="datetimeFigureOut">
               <a:rPr lang="pt-BR" smtClean="0"/>
-              <a:t>23/01/2023</a:t>
+              <a:t>01/02/2023</a:t>
             </a:fld>
             <a:endParaRPr lang="pt-BR"/>
           </a:p>
@@ -3467,7 +3552,7 @@
           <a:p>
             <a:fld id="{654E430E-5D4C-4874-960B-D673A28B4FD3}" type="datetimeFigureOut">
               <a:rPr lang="pt-BR" smtClean="0"/>
-              <a:t>23/01/2023</a:t>
+              <a:t>01/02/2023</a:t>
             </a:fld>
             <a:endParaRPr lang="pt-BR"/>
           </a:p>
@@ -3778,7 +3863,7 @@
           <a:p>
             <a:fld id="{654E430E-5D4C-4874-960B-D673A28B4FD3}" type="datetimeFigureOut">
               <a:rPr lang="pt-BR" smtClean="0"/>
-              <a:t>23/01/2023</a:t>
+              <a:t>01/02/2023</a:t>
             </a:fld>
             <a:endParaRPr lang="pt-BR"/>
           </a:p>
@@ -4066,7 +4151,7 @@
           <a:p>
             <a:fld id="{654E430E-5D4C-4874-960B-D673A28B4FD3}" type="datetimeFigureOut">
               <a:rPr lang="pt-BR" smtClean="0"/>
-              <a:t>23/01/2023</a:t>
+              <a:t>01/02/2023</a:t>
             </a:fld>
             <a:endParaRPr lang="pt-BR"/>
           </a:p>
@@ -4307,7 +4392,7 @@
           <a:p>
             <a:fld id="{654E430E-5D4C-4874-960B-D673A28B4FD3}" type="datetimeFigureOut">
               <a:rPr lang="pt-BR" smtClean="0"/>
-              <a:t>23/01/2023</a:t>
+              <a:t>01/02/2023</a:t>
             </a:fld>
             <a:endParaRPr lang="pt-BR"/>
           </a:p>
@@ -4940,81 +5025,6 @@
       </p:grpSpPr>
       <p:sp>
         <p:nvSpPr>
-          <p:cNvPr id="3" name="Espaço Reservado para Conteúdo 2">
-            <a:extLst>
-              <a:ext uri="{FF2B5EF4-FFF2-40B4-BE49-F238E27FC236}">
-                <a16:creationId xmlns:a16="http://schemas.microsoft.com/office/drawing/2014/main" id="{58FCE168-5451-49F3-82A9-B851BCEF6B1F}"/>
-              </a:ext>
-            </a:extLst>
-          </p:cNvPr>
-          <p:cNvSpPr>
-            <a:spLocks noGrp="1"/>
-          </p:cNvSpPr>
-          <p:nvPr>
-            <p:ph idx="1"/>
-          </p:nvPr>
-        </p:nvSpPr>
-        <p:spPr>
-          <a:xfrm>
-            <a:off x="997974" y="2441701"/>
-            <a:ext cx="10196051" cy="3254777"/>
-          </a:xfrm>
-        </p:spPr>
-        <p:txBody>
-          <a:bodyPr>
-            <a:noAutofit/>
-          </a:bodyPr>
-          <a:lstStyle/>
-          <a:p>
-            <a:pPr algn="just">
-              <a:spcBef>
-                <a:spcPts val="0"/>
-              </a:spcBef>
-            </a:pPr>
-            <a:r>
-              <a:rPr lang="pt-BR" sz="3200" dirty="0">
-                <a:latin typeface="Calibri"/>
-                <a:ea typeface="Calibri"/>
-                <a:cs typeface="Calibri"/>
-                <a:sym typeface="Calibri"/>
-              </a:rPr>
-              <a:t>Os tokens de acesso JSON Web Token (JWT) estão em conformidade, segundo os padrões estabelecidos pelo JWT na RFC-7519, e contém informações sobre uma entidade na forma de declarações. </a:t>
-            </a:r>
-          </a:p>
-          <a:p>
-            <a:pPr algn="just">
-              <a:spcBef>
-                <a:spcPts val="0"/>
-              </a:spcBef>
-            </a:pPr>
-            <a:endParaRPr lang="pt-BR" sz="3200" dirty="0">
-              <a:latin typeface="Calibri"/>
-              <a:ea typeface="Calibri"/>
-              <a:cs typeface="Calibri"/>
-              <a:sym typeface="Calibri"/>
-            </a:endParaRPr>
-          </a:p>
-          <a:p>
-            <a:pPr algn="just">
-              <a:spcBef>
-                <a:spcPts val="0"/>
-              </a:spcBef>
-            </a:pPr>
-            <a:r>
-              <a:rPr lang="pt-BR" sz="3200" dirty="0">
-                <a:latin typeface="Calibri"/>
-                <a:ea typeface="Calibri"/>
-                <a:cs typeface="Calibri"/>
-                <a:sym typeface="Calibri"/>
-              </a:rPr>
-              <a:t>Eles são independentes, portanto, não é necessário que o destinatário chame um servidor para validar o token.</a:t>
-            </a:r>
-            <a:endParaRPr lang="pt-BR" sz="3200" dirty="0"/>
-          </a:p>
-        </p:txBody>
-      </p:sp>
-      <p:sp>
-        <p:nvSpPr>
           <p:cNvPr id="4" name="Título 1">
             <a:extLst>
               <a:ext uri="{FF2B5EF4-FFF2-40B4-BE49-F238E27FC236}">
@@ -5030,7 +5040,7 @@
         <p:spPr>
           <a:xfrm>
             <a:off x="2295832" y="273986"/>
-            <a:ext cx="9178413" cy="1599777"/>
+            <a:ext cx="7600335" cy="1599777"/>
           </a:xfrm>
           <a:prstGeom prst="rect">
             <a:avLst/>
@@ -5061,10 +5071,9 @@
           </a:lstStyle>
           <a:p>
             <a:r>
-              <a:rPr lang="pt-BR" sz="4400" dirty="0"/>
-              <a:t>O Token JWT da Autenticação Stateless</a:t>
-            </a:r>
-            <a:endParaRPr lang="pt-BR" dirty="0"/>
+              <a:rPr lang="pt-BR" dirty="0"/>
+              <a:t>Autenticação Stateless</a:t>
+            </a:r>
           </a:p>
         </p:txBody>
       </p:sp>
@@ -5140,10 +5149,62 @@
           </a:prstGeom>
         </p:spPr>
       </p:pic>
+      <p:sp>
+        <p:nvSpPr>
+          <p:cNvPr id="6" name="Espaço Reservado para Conteúdo 5">
+            <a:extLst>
+              <a:ext uri="{FF2B5EF4-FFF2-40B4-BE49-F238E27FC236}">
+                <a16:creationId xmlns:a16="http://schemas.microsoft.com/office/drawing/2014/main" id="{9307AD5B-1E7D-0262-99B4-CB59AB84E2A5}"/>
+              </a:ext>
+            </a:extLst>
+          </p:cNvPr>
+          <p:cNvSpPr>
+            <a:spLocks noGrp="1"/>
+          </p:cNvSpPr>
+          <p:nvPr>
+            <p:ph idx="1"/>
+          </p:nvPr>
+        </p:nvSpPr>
+        <p:spPr>
+          <a:xfrm>
+            <a:off x="838199" y="2172929"/>
+            <a:ext cx="10515600" cy="3957060"/>
+          </a:xfrm>
+        </p:spPr>
+        <p:txBody>
+          <a:bodyPr>
+            <a:noAutofit/>
+          </a:bodyPr>
+          <a:lstStyle/>
+          <a:p>
+            <a:r>
+              <a:rPr lang="pt-BR" sz="3200" dirty="0"/>
+              <a:t>A autenticação stateless armazena os dados no lado do cliente (navegador). Os dados são assinados por uma chave para garantir a integridade e autoridade dos dados da sessão.</a:t>
+            </a:r>
+          </a:p>
+          <a:p>
+            <a:endParaRPr lang="pt-BR" sz="3200" dirty="0"/>
+          </a:p>
+          <a:p>
+            <a:r>
+              <a:rPr lang="pt-BR" sz="3200" dirty="0"/>
+              <a:t>Como a sessão do usuário é armazenada no lado do cliente, o servidor só tem a capacidade de verificar sua validade verificando se o </a:t>
+            </a:r>
+            <a:r>
+              <a:rPr lang="pt-BR" sz="3200" dirty="0" err="1"/>
+              <a:t>payload</a:t>
+            </a:r>
+            <a:r>
+              <a:rPr lang="pt-BR" sz="3200" dirty="0"/>
+              <a:t> e a assinatura correspondem.</a:t>
+            </a:r>
+          </a:p>
+        </p:txBody>
+      </p:sp>
     </p:spTree>
     <p:extLst>
       <p:ext uri="{BB962C8B-B14F-4D97-AF65-F5344CB8AC3E}">
-        <p14:creationId xmlns:p14="http://schemas.microsoft.com/office/powerpoint/2010/main" val="102709872"/>
+        <p14:creationId xmlns:p14="http://schemas.microsoft.com/office/powerpoint/2010/main" val="2270963523"/>
       </p:ext>
     </p:extLst>
   </p:cSld>
@@ -5188,8 +5249,8 @@
         </p:nvSpPr>
         <p:spPr>
           <a:xfrm>
-            <a:off x="688258" y="2161609"/>
-            <a:ext cx="10491019" cy="4422405"/>
+            <a:off x="997974" y="2441701"/>
+            <a:ext cx="10196051" cy="3254777"/>
           </a:xfrm>
         </p:spPr>
         <p:txBody>
@@ -5204,174 +5265,44 @@
               </a:spcBef>
             </a:pPr>
             <a:r>
-              <a:rPr lang="pt-BR" dirty="0">
+              <a:rPr lang="pt-BR" sz="3200" dirty="0">
                 <a:latin typeface="Calibri"/>
                 <a:ea typeface="Calibri"/>
                 <a:cs typeface="Calibri"/>
                 <a:sym typeface="Calibri"/>
               </a:rPr>
-              <a:t>O Token JWT é uma </a:t>
-            </a:r>
-            <a:r>
-              <a:rPr lang="pt-BR" dirty="0" err="1">
+              <a:t>Os tokens de acesso JSON Web Token (JWT) estão em conformidade, segundo os padrões estabelecidos pelo JWT na RFC-7519, e contém informações sobre uma entidade na forma de declarações. </a:t>
+            </a:r>
+          </a:p>
+          <a:p>
+            <a:pPr algn="just">
+              <a:spcBef>
+                <a:spcPts val="0"/>
+              </a:spcBef>
+            </a:pPr>
+            <a:endParaRPr lang="pt-BR" sz="3200" dirty="0">
+              <a:latin typeface="Calibri"/>
+              <a:ea typeface="Calibri"/>
+              <a:cs typeface="Calibri"/>
+              <a:sym typeface="Calibri"/>
+            </a:endParaRPr>
+          </a:p>
+          <a:p>
+            <a:pPr algn="just">
+              <a:spcBef>
+                <a:spcPts val="0"/>
+              </a:spcBef>
+            </a:pPr>
+            <a:r>
+              <a:rPr lang="pt-BR" sz="3200" dirty="0">
                 <a:latin typeface="Calibri"/>
                 <a:ea typeface="Calibri"/>
                 <a:cs typeface="Calibri"/>
                 <a:sym typeface="Calibri"/>
               </a:rPr>
-              <a:t>String</a:t>
-            </a:r>
-            <a:r>
-              <a:rPr lang="pt-BR" dirty="0">
-                <a:latin typeface="Calibri"/>
-                <a:ea typeface="Calibri"/>
-                <a:cs typeface="Calibri"/>
-                <a:sym typeface="Calibri"/>
-              </a:rPr>
-              <a:t> composta por dois pontos, que a separando em 3 grupos de dados codificados em formato Base 64 por meio de uma chave (</a:t>
-            </a:r>
-            <a:r>
-              <a:rPr lang="pt-BR" b="1" dirty="0" err="1">
-                <a:latin typeface="Calibri"/>
-                <a:ea typeface="Calibri"/>
-                <a:cs typeface="Calibri"/>
-                <a:sym typeface="Calibri"/>
-              </a:rPr>
-              <a:t>secret</a:t>
-            </a:r>
-            <a:r>
-              <a:rPr lang="pt-BR" b="1" dirty="0">
-                <a:latin typeface="Calibri"/>
-                <a:ea typeface="Calibri"/>
-                <a:cs typeface="Calibri"/>
-                <a:sym typeface="Calibri"/>
-              </a:rPr>
-              <a:t> </a:t>
-            </a:r>
-            <a:r>
-              <a:rPr lang="pt-BR" b="1" dirty="0" err="1">
-                <a:latin typeface="Calibri"/>
-                <a:ea typeface="Calibri"/>
-                <a:cs typeface="Calibri"/>
-                <a:sym typeface="Calibri"/>
-              </a:rPr>
-              <a:t>key</a:t>
-            </a:r>
-            <a:r>
-              <a:rPr lang="pt-BR" dirty="0">
-                <a:latin typeface="Calibri"/>
-                <a:ea typeface="Calibri"/>
-                <a:cs typeface="Calibri"/>
-                <a:sym typeface="Calibri"/>
-              </a:rPr>
-              <a:t>).</a:t>
-            </a:r>
-          </a:p>
-          <a:p>
-            <a:pPr algn="just">
-              <a:spcBef>
-                <a:spcPts val="0"/>
-              </a:spcBef>
-            </a:pPr>
-            <a:endParaRPr lang="pt-BR" dirty="0">
-              <a:latin typeface="Calibri"/>
-              <a:ea typeface="Calibri"/>
-              <a:cs typeface="Calibri"/>
-              <a:sym typeface="Calibri"/>
-            </a:endParaRPr>
-          </a:p>
-          <a:p>
-            <a:pPr algn="just">
-              <a:spcBef>
-                <a:spcPts val="0"/>
-              </a:spcBef>
-            </a:pPr>
-            <a:r>
-              <a:rPr lang="pt-BR" dirty="0">
-                <a:latin typeface="Calibri"/>
-                <a:ea typeface="Calibri"/>
-                <a:cs typeface="Calibri"/>
-                <a:sym typeface="Calibri"/>
-              </a:rPr>
-              <a:t>Exemplo de um Token JWT:</a:t>
-            </a:r>
-          </a:p>
-          <a:p>
-            <a:pPr algn="just">
-              <a:spcBef>
-                <a:spcPts val="0"/>
-              </a:spcBef>
-            </a:pPr>
-            <a:endParaRPr lang="pt-BR" dirty="0">
-              <a:latin typeface="Calibri"/>
-              <a:ea typeface="Calibri"/>
-              <a:cs typeface="Calibri"/>
-              <a:sym typeface="Calibri"/>
-            </a:endParaRPr>
-          </a:p>
-          <a:p>
-            <a:pPr marL="0" indent="0" algn="just">
-              <a:spcBef>
-                <a:spcPts val="0"/>
-              </a:spcBef>
-              <a:buNone/>
-            </a:pPr>
-            <a:r>
-              <a:rPr lang="pt-BR" dirty="0">
-                <a:solidFill>
-                  <a:srgbClr val="FF0000"/>
-                </a:solidFill>
-                <a:latin typeface="Calibri"/>
-                <a:ea typeface="Calibri"/>
-                <a:cs typeface="Calibri"/>
-                <a:sym typeface="Calibri"/>
-              </a:rPr>
-              <a:t>eyJhbGciOiJIUzI1NiIsInR5cCI6IkpXVCJ9</a:t>
-            </a:r>
-            <a:r>
-              <a:rPr lang="pt-BR" dirty="0">
-                <a:latin typeface="Calibri"/>
-                <a:ea typeface="Calibri"/>
-                <a:cs typeface="Calibri"/>
-                <a:sym typeface="Calibri"/>
-              </a:rPr>
-              <a:t>.</a:t>
-            </a:r>
-            <a:r>
-              <a:rPr lang="pt-BR" dirty="0">
-                <a:solidFill>
-                  <a:schemeClr val="accent4">
-                    <a:lumMod val="50000"/>
-                  </a:schemeClr>
-                </a:solidFill>
-                <a:latin typeface="Calibri"/>
-                <a:ea typeface="Calibri"/>
-                <a:cs typeface="Calibri"/>
-                <a:sym typeface="Calibri"/>
-              </a:rPr>
-              <a:t>eyJzdWIiOiIxMjM0NTY3ODkwIiwibmFtZSI6IkpvaG4gRG9lIiwiaWF0IjoxNTE2MjM5MDIyfQ</a:t>
-            </a:r>
-            <a:r>
-              <a:rPr lang="pt-BR" dirty="0">
-                <a:latin typeface="Calibri"/>
-                <a:ea typeface="Calibri"/>
-                <a:cs typeface="Calibri"/>
-                <a:sym typeface="Calibri"/>
-              </a:rPr>
-              <a:t>.</a:t>
-            </a:r>
-            <a:r>
-              <a:rPr lang="pt-BR" dirty="0">
-                <a:solidFill>
-                  <a:srgbClr val="00B050"/>
-                </a:solidFill>
-                <a:latin typeface="Calibri"/>
-                <a:ea typeface="Calibri"/>
-                <a:cs typeface="Calibri"/>
-                <a:sym typeface="Calibri"/>
-              </a:rPr>
-              <a:t>SflKxwRJSMeKKF2QT4fwpMeJf36POk6yJV_adQssw5c</a:t>
-            </a:r>
+              <a:t>Eles são independentes, portanto, não é necessário que o destinatário chame um servidor para validar o token.</a:t>
+            </a:r>
+            <a:endParaRPr lang="pt-BR" sz="3200" dirty="0"/>
           </a:p>
         </p:txBody>
       </p:sp>
@@ -5392,7 +5323,7 @@
         <p:spPr>
           <a:xfrm>
             <a:off x="2295832" y="273986"/>
-            <a:ext cx="9119420" cy="1599777"/>
+            <a:ext cx="9178413" cy="1599777"/>
           </a:xfrm>
           <a:prstGeom prst="rect">
             <a:avLst/>
@@ -5424,7 +5355,7 @@
           <a:p>
             <a:r>
               <a:rPr lang="pt-BR" sz="4400" dirty="0"/>
-              <a:t>Como funciona um Token JWT?</a:t>
+              <a:t>O Token JWT da Autenticação Stateless</a:t>
             </a:r>
             <a:endParaRPr lang="pt-BR" dirty="0"/>
           </a:p>
@@ -5505,7 +5436,7 @@
     </p:spTree>
     <p:extLst>
       <p:ext uri="{BB962C8B-B14F-4D97-AF65-F5344CB8AC3E}">
-        <p14:creationId xmlns:p14="http://schemas.microsoft.com/office/powerpoint/2010/main" val="2105082842"/>
+        <p14:creationId xmlns:p14="http://schemas.microsoft.com/office/powerpoint/2010/main" val="102709872"/>
       </p:ext>
     </p:extLst>
   </p:cSld>
@@ -5566,36 +5497,76 @@
               </a:spcBef>
             </a:pPr>
             <a:r>
-              <a:rPr lang="pt-BR" sz="2400" dirty="0">
+              <a:rPr lang="pt-BR" dirty="0">
                 <a:latin typeface="Calibri"/>
                 <a:ea typeface="Calibri"/>
                 <a:cs typeface="Calibri"/>
                 <a:sym typeface="Calibri"/>
               </a:rPr>
-              <a:t>O primeiro grupo refere-se ao </a:t>
-            </a:r>
-            <a:r>
-              <a:rPr lang="pt-BR" sz="2400" b="1" dirty="0">
+              <a:t>O Token JWT é uma </a:t>
+            </a:r>
+            <a:r>
+              <a:rPr lang="pt-BR" dirty="0" err="1">
                 <a:latin typeface="Calibri"/>
                 <a:ea typeface="Calibri"/>
                 <a:cs typeface="Calibri"/>
                 <a:sym typeface="Calibri"/>
               </a:rPr>
-              <a:t>Header </a:t>
-            </a:r>
-            <a:r>
-              <a:rPr lang="pt-BR" sz="2400" dirty="0">
+              <a:t>String</a:t>
+            </a:r>
+            <a:r>
+              <a:rPr lang="pt-BR" dirty="0">
                 <a:latin typeface="Calibri"/>
                 <a:ea typeface="Calibri"/>
                 <a:cs typeface="Calibri"/>
                 <a:sym typeface="Calibri"/>
               </a:rPr>
-              <a:t>do JWT, ou seja, o cabeçalho que informa à biblioteca do JWT qual será o algoritmo utilizado para a codificação do Token.</a:t>
-            </a:r>
-            <a:endParaRPr lang="pt-BR" sz="2400" dirty="0">
-              <a:solidFill>
-                <a:srgbClr val="00B050"/>
-              </a:solidFill>
+              <a:t> composta por dois pontos, que a separando em 3 grupos de dados codificados em formato Base 64 por meio de uma chave (</a:t>
+            </a:r>
+            <a:r>
+              <a:rPr lang="pt-BR" b="1" dirty="0" err="1">
+                <a:latin typeface="Calibri"/>
+                <a:ea typeface="Calibri"/>
+                <a:cs typeface="Calibri"/>
+                <a:sym typeface="Calibri"/>
+              </a:rPr>
+              <a:t>secret</a:t>
+            </a:r>
+            <a:r>
+              <a:rPr lang="pt-BR" b="1" dirty="0">
+                <a:latin typeface="Calibri"/>
+                <a:ea typeface="Calibri"/>
+                <a:cs typeface="Calibri"/>
+                <a:sym typeface="Calibri"/>
+              </a:rPr>
+              <a:t> </a:t>
+            </a:r>
+            <a:r>
+              <a:rPr lang="pt-BR" b="1" dirty="0" err="1">
+                <a:latin typeface="Calibri"/>
+                <a:ea typeface="Calibri"/>
+                <a:cs typeface="Calibri"/>
+                <a:sym typeface="Calibri"/>
+              </a:rPr>
+              <a:t>key</a:t>
+            </a:r>
+            <a:r>
+              <a:rPr lang="pt-BR" dirty="0">
+                <a:latin typeface="Calibri"/>
+                <a:ea typeface="Calibri"/>
+                <a:cs typeface="Calibri"/>
+                <a:sym typeface="Calibri"/>
+              </a:rPr>
+              <a:t>).</a:t>
+            </a:r>
+          </a:p>
+          <a:p>
+            <a:pPr algn="just">
+              <a:spcBef>
+                <a:spcPts val="0"/>
+              </a:spcBef>
+            </a:pPr>
+            <a:endParaRPr lang="pt-BR" dirty="0">
               <a:latin typeface="Calibri"/>
               <a:ea typeface="Calibri"/>
               <a:cs typeface="Calibri"/>
@@ -5608,10 +5579,23 @@
                 <a:spcPts val="0"/>
               </a:spcBef>
             </a:pPr>
-            <a:endParaRPr lang="pt-BR" sz="2400" dirty="0">
-              <a:solidFill>
-                <a:srgbClr val="00B050"/>
-              </a:solidFill>
+            <a:r>
+              <a:rPr lang="pt-BR" dirty="0">
+                <a:latin typeface="Calibri"/>
+                <a:ea typeface="Calibri"/>
+                <a:cs typeface="Calibri"/>
+                <a:sym typeface="Calibri"/>
+              </a:rPr>
+              <a:t>Exemplo de um Token JWT:</a:t>
+            </a:r>
+          </a:p>
+          <a:p>
+            <a:pPr algn="just">
+              <a:spcBef>
+                <a:spcPts val="0"/>
+              </a:spcBef>
+            </a:pPr>
+            <a:endParaRPr lang="pt-BR" dirty="0">
               <a:latin typeface="Calibri"/>
               <a:ea typeface="Calibri"/>
               <a:cs typeface="Calibri"/>
@@ -5619,118 +5603,68 @@
             </a:endParaRPr>
           </a:p>
           <a:p>
-            <a:pPr algn="just">
+            <a:pPr marL="0" indent="0" algn="just">
               <a:spcBef>
                 <a:spcPts val="0"/>
               </a:spcBef>
+              <a:buNone/>
             </a:pPr>
             <a:r>
-              <a:rPr lang="pt-BR" sz="2400" dirty="0">
+              <a:rPr lang="pt-BR" dirty="0">
+                <a:solidFill>
+                  <a:srgbClr val="FF0000"/>
+                </a:solidFill>
                 <a:latin typeface="Calibri"/>
                 <a:ea typeface="Calibri"/>
                 <a:cs typeface="Calibri"/>
                 <a:sym typeface="Calibri"/>
               </a:rPr>
-              <a:t>O segundo grupo refere-se ao </a:t>
-            </a:r>
-            <a:r>
-              <a:rPr lang="pt-BR" sz="2400" b="1" dirty="0" err="1">
+              <a:t>eyJhbGciOiJIUzI1NiIsInR5cCI6IkpXVCJ9</a:t>
+            </a:r>
+            <a:r>
+              <a:rPr lang="pt-BR" dirty="0">
                 <a:latin typeface="Calibri"/>
                 <a:ea typeface="Calibri"/>
                 <a:cs typeface="Calibri"/>
                 <a:sym typeface="Calibri"/>
               </a:rPr>
-              <a:t>Payload</a:t>
-            </a:r>
-            <a:r>
-              <a:rPr lang="pt-BR" sz="2400" dirty="0">
+              <a:t>.</a:t>
+            </a:r>
+            <a:r>
+              <a:rPr lang="pt-BR" dirty="0">
+                <a:solidFill>
+                  <a:schemeClr val="accent4">
+                    <a:lumMod val="50000"/>
+                  </a:schemeClr>
+                </a:solidFill>
                 <a:latin typeface="Calibri"/>
                 <a:ea typeface="Calibri"/>
                 <a:cs typeface="Calibri"/>
                 <a:sym typeface="Calibri"/>
               </a:rPr>
-              <a:t>, ou seja, os dados do token quando decodificado, é aqui que teremos os dados do usuário. Você pode guardar quaisquer dados que desejar dentro do </a:t>
-            </a:r>
-            <a:r>
-              <a:rPr lang="pt-BR" sz="2400" dirty="0" err="1">
+              <a:t>eyJzdWIiOiIxMjM0NTY3ODkwIiwibmFtZSI6IkpvaG4gRG9lIiwiaWF0IjoxNTE2MjM5MDIyfQ</a:t>
+            </a:r>
+            <a:r>
+              <a:rPr lang="pt-BR" dirty="0">
                 <a:latin typeface="Calibri"/>
                 <a:ea typeface="Calibri"/>
                 <a:cs typeface="Calibri"/>
                 <a:sym typeface="Calibri"/>
               </a:rPr>
-              <a:t>payload</a:t>
-            </a:r>
-            <a:r>
-              <a:rPr lang="pt-BR" sz="2400" dirty="0">
+              <a:t>.</a:t>
+            </a:r>
+            <a:r>
+              <a:rPr lang="pt-BR" dirty="0">
+                <a:solidFill>
+                  <a:srgbClr val="00B050"/>
+                </a:solidFill>
                 <a:latin typeface="Calibri"/>
                 <a:ea typeface="Calibri"/>
                 <a:cs typeface="Calibri"/>
                 <a:sym typeface="Calibri"/>
               </a:rPr>
-              <a:t>, porém, recomenda-se que grave apenas Ids e dados que não sensíveis.</a:t>
-            </a:r>
-          </a:p>
-          <a:p>
-            <a:pPr algn="just">
-              <a:spcBef>
-                <a:spcPts val="0"/>
-              </a:spcBef>
-            </a:pPr>
-            <a:endParaRPr lang="pt-BR" sz="2400" dirty="0">
-              <a:latin typeface="Calibri"/>
-              <a:ea typeface="Calibri"/>
-              <a:cs typeface="Calibri"/>
-              <a:sym typeface="Calibri"/>
-            </a:endParaRPr>
-          </a:p>
-          <a:p>
-            <a:pPr algn="just">
-              <a:spcBef>
-                <a:spcPts val="0"/>
-              </a:spcBef>
-            </a:pPr>
-            <a:r>
-              <a:rPr lang="pt-BR" sz="2400" dirty="0">
-                <a:latin typeface="Calibri"/>
-                <a:ea typeface="Calibri"/>
-                <a:cs typeface="Calibri"/>
-                <a:sym typeface="Calibri"/>
-              </a:rPr>
-              <a:t>O terceiro grupo refere-se ao </a:t>
-            </a:r>
-            <a:r>
-              <a:rPr lang="pt-BR" sz="2400" b="1" dirty="0" err="1">
-                <a:latin typeface="Calibri"/>
-                <a:ea typeface="Calibri"/>
-                <a:cs typeface="Calibri"/>
-                <a:sym typeface="Calibri"/>
-              </a:rPr>
-              <a:t>Signature</a:t>
-            </a:r>
-            <a:r>
-              <a:rPr lang="pt-BR" sz="2400" dirty="0">
-                <a:latin typeface="Calibri"/>
-                <a:ea typeface="Calibri"/>
-                <a:cs typeface="Calibri"/>
-                <a:sym typeface="Calibri"/>
-              </a:rPr>
-              <a:t>, ou seja, a assinatura do Token e o algoritmo utilizado para realizar essa assinatura com a chave englobando os 3 grupos. É o que especifica a forma do token: </a:t>
-            </a:r>
-            <a:r>
-              <a:rPr lang="pt-BR" sz="2400" dirty="0" err="1">
-                <a:latin typeface="Calibri"/>
-                <a:ea typeface="Calibri"/>
-                <a:cs typeface="Calibri"/>
-                <a:sym typeface="Calibri"/>
-              </a:rPr>
-              <a:t>xxx.yyy.zzz</a:t>
-            </a:r>
-            <a:endParaRPr lang="pt-BR" sz="2400" dirty="0">
-              <a:latin typeface="Calibri"/>
-              <a:ea typeface="Calibri"/>
-              <a:cs typeface="Calibri"/>
-              <a:sym typeface="Calibri"/>
-            </a:endParaRPr>
+              <a:t>SflKxwRJSMeKKF2QT4fwpMeJf36POk6yJV_adQssw5c</a:t>
+            </a:r>
           </a:p>
         </p:txBody>
       </p:sp>
@@ -5864,7 +5798,7 @@
     </p:spTree>
     <p:extLst>
       <p:ext uri="{BB962C8B-B14F-4D97-AF65-F5344CB8AC3E}">
-        <p14:creationId xmlns:p14="http://schemas.microsoft.com/office/powerpoint/2010/main" val="3209443429"/>
+        <p14:creationId xmlns:p14="http://schemas.microsoft.com/office/powerpoint/2010/main" val="2105082842"/>
       </p:ext>
     </p:extLst>
   </p:cSld>
@@ -5891,35 +5825,6 @@
           <a:chExt cx="0" cy="0"/>
         </a:xfrm>
       </p:grpSpPr>
-      <p:pic>
-        <p:nvPicPr>
-          <p:cNvPr id="9" name="Imagem 8">
-            <a:extLst>
-              <a:ext uri="{FF2B5EF4-FFF2-40B4-BE49-F238E27FC236}">
-                <a16:creationId xmlns:a16="http://schemas.microsoft.com/office/drawing/2014/main" id="{AD35A6F8-3563-A4C6-D312-1C47685155F2}"/>
-              </a:ext>
-            </a:extLst>
-          </p:cNvPr>
-          <p:cNvPicPr>
-            <a:picLocks noChangeAspect="1"/>
-          </p:cNvPicPr>
-          <p:nvPr/>
-        </p:nvPicPr>
-        <p:blipFill rotWithShape="1">
-          <a:blip r:embed="rId2"/>
-          <a:srcRect r="858"/>
-          <a:stretch/>
-        </p:blipFill>
-        <p:spPr>
-          <a:xfrm>
-            <a:off x="1424590" y="1637121"/>
-            <a:ext cx="9342818" cy="4498208"/>
-          </a:xfrm>
-          <a:prstGeom prst="rect">
-            <a:avLst/>
-          </a:prstGeom>
-        </p:spPr>
-      </p:pic>
       <p:sp>
         <p:nvSpPr>
           <p:cNvPr id="3" name="Espaço Reservado para Conteúdo 2">
@@ -5938,8 +5843,8 @@
         </p:nvSpPr>
         <p:spPr>
           <a:xfrm>
-            <a:off x="3296264" y="6411206"/>
-            <a:ext cx="5599471" cy="345616"/>
+            <a:off x="688258" y="2161609"/>
+            <a:ext cx="10491019" cy="4422405"/>
           </a:xfrm>
         </p:spPr>
         <p:txBody>
@@ -5948,21 +5853,177 @@
           </a:bodyPr>
           <a:lstStyle/>
           <a:p>
-            <a:pPr marL="0" indent="0" algn="just">
+            <a:pPr algn="just">
               <a:spcBef>
                 <a:spcPts val="0"/>
               </a:spcBef>
-              <a:buNone/>
             </a:pPr>
             <a:r>
-              <a:rPr lang="pt-BR" sz="1600" dirty="0">
+              <a:rPr lang="pt-BR" sz="2400" dirty="0">
                 <a:latin typeface="Calibri"/>
                 <a:ea typeface="Calibri"/>
                 <a:cs typeface="Calibri"/>
                 <a:sym typeface="Calibri"/>
               </a:rPr>
-              <a:t>Imagem retirada do site oficial do JSON Web Token: https://jwt.io</a:t>
-            </a:r>
+              <a:t>O primeiro grupo refere-se ao </a:t>
+            </a:r>
+            <a:r>
+              <a:rPr lang="pt-BR" sz="2400" b="1" dirty="0">
+                <a:latin typeface="Calibri"/>
+                <a:ea typeface="Calibri"/>
+                <a:cs typeface="Calibri"/>
+                <a:sym typeface="Calibri"/>
+              </a:rPr>
+              <a:t>Header </a:t>
+            </a:r>
+            <a:r>
+              <a:rPr lang="pt-BR" sz="2400" dirty="0">
+                <a:latin typeface="Calibri"/>
+                <a:ea typeface="Calibri"/>
+                <a:cs typeface="Calibri"/>
+                <a:sym typeface="Calibri"/>
+              </a:rPr>
+              <a:t>do JWT, ou seja, o cabeçalho que informa à biblioteca do JWT qual será o algoritmo utilizado para a codificação do Token.</a:t>
+            </a:r>
+            <a:endParaRPr lang="pt-BR" sz="2400" dirty="0">
+              <a:solidFill>
+                <a:srgbClr val="00B050"/>
+              </a:solidFill>
+              <a:latin typeface="Calibri"/>
+              <a:ea typeface="Calibri"/>
+              <a:cs typeface="Calibri"/>
+              <a:sym typeface="Calibri"/>
+            </a:endParaRPr>
+          </a:p>
+          <a:p>
+            <a:pPr algn="just">
+              <a:spcBef>
+                <a:spcPts val="0"/>
+              </a:spcBef>
+            </a:pPr>
+            <a:endParaRPr lang="pt-BR" sz="2400" dirty="0">
+              <a:solidFill>
+                <a:srgbClr val="00B050"/>
+              </a:solidFill>
+              <a:latin typeface="Calibri"/>
+              <a:ea typeface="Calibri"/>
+              <a:cs typeface="Calibri"/>
+              <a:sym typeface="Calibri"/>
+            </a:endParaRPr>
+          </a:p>
+          <a:p>
+            <a:pPr algn="just">
+              <a:spcBef>
+                <a:spcPts val="0"/>
+              </a:spcBef>
+            </a:pPr>
+            <a:r>
+              <a:rPr lang="pt-BR" sz="2400" dirty="0">
+                <a:latin typeface="Calibri"/>
+                <a:ea typeface="Calibri"/>
+                <a:cs typeface="Calibri"/>
+                <a:sym typeface="Calibri"/>
+              </a:rPr>
+              <a:t>O segundo grupo refere-se ao </a:t>
+            </a:r>
+            <a:r>
+              <a:rPr lang="pt-BR" sz="2400" b="1" dirty="0" err="1">
+                <a:latin typeface="Calibri"/>
+                <a:ea typeface="Calibri"/>
+                <a:cs typeface="Calibri"/>
+                <a:sym typeface="Calibri"/>
+              </a:rPr>
+              <a:t>Payload</a:t>
+            </a:r>
+            <a:r>
+              <a:rPr lang="pt-BR" sz="2400" dirty="0">
+                <a:latin typeface="Calibri"/>
+                <a:ea typeface="Calibri"/>
+                <a:cs typeface="Calibri"/>
+                <a:sym typeface="Calibri"/>
+              </a:rPr>
+              <a:t>, ou seja, os dados do token quando decodificado, é aqui que teremos os dados do usuário. Você pode guardar quaisquer dados que desejar dentro do </a:t>
+            </a:r>
+            <a:r>
+              <a:rPr lang="pt-BR" sz="2400" dirty="0" err="1">
+                <a:latin typeface="Calibri"/>
+                <a:ea typeface="Calibri"/>
+                <a:cs typeface="Calibri"/>
+                <a:sym typeface="Calibri"/>
+              </a:rPr>
+              <a:t>payload</a:t>
+            </a:r>
+            <a:r>
+              <a:rPr lang="pt-BR" sz="2400" dirty="0">
+                <a:latin typeface="Calibri"/>
+                <a:ea typeface="Calibri"/>
+                <a:cs typeface="Calibri"/>
+                <a:sym typeface="Calibri"/>
+              </a:rPr>
+              <a:t>, porém, recomenda-se que grave apenas Ids e dados que não sensíveis.</a:t>
+            </a:r>
+          </a:p>
+          <a:p>
+            <a:pPr algn="just">
+              <a:spcBef>
+                <a:spcPts val="0"/>
+              </a:spcBef>
+            </a:pPr>
+            <a:endParaRPr lang="pt-BR" sz="2400" dirty="0">
+              <a:latin typeface="Calibri"/>
+              <a:ea typeface="Calibri"/>
+              <a:cs typeface="Calibri"/>
+              <a:sym typeface="Calibri"/>
+            </a:endParaRPr>
+          </a:p>
+          <a:p>
+            <a:pPr algn="just">
+              <a:spcBef>
+                <a:spcPts val="0"/>
+              </a:spcBef>
+            </a:pPr>
+            <a:r>
+              <a:rPr lang="pt-BR" sz="2400" dirty="0">
+                <a:latin typeface="Calibri"/>
+                <a:ea typeface="Calibri"/>
+                <a:cs typeface="Calibri"/>
+                <a:sym typeface="Calibri"/>
+              </a:rPr>
+              <a:t>O terceiro grupo refere-se ao </a:t>
+            </a:r>
+            <a:r>
+              <a:rPr lang="pt-BR" sz="2400" b="1" dirty="0" err="1">
+                <a:latin typeface="Calibri"/>
+                <a:ea typeface="Calibri"/>
+                <a:cs typeface="Calibri"/>
+                <a:sym typeface="Calibri"/>
+              </a:rPr>
+              <a:t>Signature</a:t>
+            </a:r>
+            <a:r>
+              <a:rPr lang="pt-BR" sz="2400" dirty="0">
+                <a:latin typeface="Calibri"/>
+                <a:ea typeface="Calibri"/>
+                <a:cs typeface="Calibri"/>
+                <a:sym typeface="Calibri"/>
+              </a:rPr>
+              <a:t>, ou seja, a assinatura do Token e o algoritmo utilizado para realizar essa assinatura com a chave englobando os 3 grupos. É o que especifica a forma do token: </a:t>
+            </a:r>
+            <a:r>
+              <a:rPr lang="pt-BR" sz="2400" dirty="0" err="1">
+                <a:latin typeface="Calibri"/>
+                <a:ea typeface="Calibri"/>
+                <a:cs typeface="Calibri"/>
+                <a:sym typeface="Calibri"/>
+              </a:rPr>
+              <a:t>xxx.yyy.zzz</a:t>
+            </a:r>
+            <a:endParaRPr lang="pt-BR" sz="2400" dirty="0">
+              <a:latin typeface="Calibri"/>
+              <a:ea typeface="Calibri"/>
+              <a:cs typeface="Calibri"/>
+              <a:sym typeface="Calibri"/>
+            </a:endParaRPr>
           </a:p>
         </p:txBody>
       </p:sp>
@@ -6036,7 +6097,7 @@
           <p:nvPr/>
         </p:nvPicPr>
         <p:blipFill>
-          <a:blip r:embed="rId3">
+          <a:blip r:embed="rId2">
             <a:extLst>
               <a:ext uri="{28A0092B-C50C-407E-A947-70E740481C1C}">
                 <a14:useLocalDpi xmlns:a14="http://schemas.microsoft.com/office/drawing/2010/main" val="0"/>
@@ -6057,10 +6118,46 @@
           </a:prstGeom>
         </p:spPr>
       </p:pic>
+      <p:pic>
+        <p:nvPicPr>
+          <p:cNvPr id="7" name="Imagem 6" descr="Forma&#10;&#10;Descrição gerada automaticamente com confiança baixa">
+            <a:extLst>
+              <a:ext uri="{FF2B5EF4-FFF2-40B4-BE49-F238E27FC236}">
+                <a16:creationId xmlns:a16="http://schemas.microsoft.com/office/drawing/2014/main" id="{56D4DA1E-DED0-0DA1-F916-1A54444988B1}"/>
+              </a:ext>
+            </a:extLst>
+          </p:cNvPr>
+          <p:cNvPicPr>
+            <a:picLocks noChangeAspect="1"/>
+          </p:cNvPicPr>
+          <p:nvPr/>
+        </p:nvPicPr>
+        <p:blipFill>
+          <a:blip r:embed="rId3">
+            <a:extLst>
+              <a:ext uri="{28A0092B-C50C-407E-A947-70E740481C1C}">
+                <a14:useLocalDpi xmlns:a14="http://schemas.microsoft.com/office/drawing/2010/main" val="0"/>
+              </a:ext>
+            </a:extLst>
+          </a:blip>
+          <a:stretch>
+            <a:fillRect/>
+          </a:stretch>
+        </p:blipFill>
+        <p:spPr>
+          <a:xfrm>
+            <a:off x="10731312" y="5397312"/>
+            <a:ext cx="1460688" cy="1460688"/>
+          </a:xfrm>
+          <a:prstGeom prst="rect">
+            <a:avLst/>
+          </a:prstGeom>
+        </p:spPr>
+      </p:pic>
     </p:spTree>
     <p:extLst>
       <p:ext uri="{BB962C8B-B14F-4D97-AF65-F5344CB8AC3E}">
-        <p14:creationId xmlns:p14="http://schemas.microsoft.com/office/powerpoint/2010/main" val="100628328"/>
+        <p14:creationId xmlns:p14="http://schemas.microsoft.com/office/powerpoint/2010/main" val="3209443429"/>
       </p:ext>
     </p:extLst>
   </p:cSld>
@@ -6087,6 +6184,35 @@
           <a:chExt cx="0" cy="0"/>
         </a:xfrm>
       </p:grpSpPr>
+      <p:pic>
+        <p:nvPicPr>
+          <p:cNvPr id="9" name="Imagem 8">
+            <a:extLst>
+              <a:ext uri="{FF2B5EF4-FFF2-40B4-BE49-F238E27FC236}">
+                <a16:creationId xmlns:a16="http://schemas.microsoft.com/office/drawing/2014/main" id="{AD35A6F8-3563-A4C6-D312-1C47685155F2}"/>
+              </a:ext>
+            </a:extLst>
+          </p:cNvPr>
+          <p:cNvPicPr>
+            <a:picLocks noChangeAspect="1"/>
+          </p:cNvPicPr>
+          <p:nvPr/>
+        </p:nvPicPr>
+        <p:blipFill rotWithShape="1">
+          <a:blip r:embed="rId2"/>
+          <a:srcRect r="858"/>
+          <a:stretch/>
+        </p:blipFill>
+        <p:spPr>
+          <a:xfrm>
+            <a:off x="1424590" y="1637121"/>
+            <a:ext cx="9342818" cy="4498208"/>
+          </a:xfrm>
+          <a:prstGeom prst="rect">
+            <a:avLst/>
+          </a:prstGeom>
+        </p:spPr>
+      </p:pic>
       <p:sp>
         <p:nvSpPr>
           <p:cNvPr id="3" name="Espaço Reservado para Conteúdo 2">
@@ -6105,169 +6231,31 @@
         </p:nvSpPr>
         <p:spPr>
           <a:xfrm>
-            <a:off x="1159608" y="2172929"/>
-            <a:ext cx="9571704" cy="4100051"/>
+            <a:off x="3296264" y="6411206"/>
+            <a:ext cx="5599471" cy="345616"/>
           </a:xfrm>
         </p:spPr>
         <p:txBody>
           <a:bodyPr>
-            <a:normAutofit/>
+            <a:noAutofit/>
           </a:bodyPr>
           <a:lstStyle/>
           <a:p>
-            <a:pPr algn="just">
+            <a:pPr marL="0" indent="0" algn="just">
               <a:spcBef>
                 <a:spcPts val="0"/>
               </a:spcBef>
+              <a:buNone/>
             </a:pPr>
             <a:r>
-              <a:rPr lang="pt-BR" sz="3200" dirty="0">
+              <a:rPr lang="pt-BR" sz="1600" dirty="0">
                 <a:latin typeface="Calibri"/>
                 <a:ea typeface="Calibri"/>
                 <a:cs typeface="Calibri"/>
                 <a:sym typeface="Calibri"/>
               </a:rPr>
-              <a:t>Baixo consumo de memória do servidor.</a:t>
-            </a:r>
-          </a:p>
-          <a:p>
-            <a:pPr algn="just">
-              <a:spcBef>
-                <a:spcPts val="0"/>
-              </a:spcBef>
-            </a:pPr>
-            <a:endParaRPr lang="pt-BR" sz="3200" dirty="0">
-              <a:latin typeface="Calibri"/>
-              <a:ea typeface="Calibri"/>
-              <a:cs typeface="Calibri"/>
-              <a:sym typeface="Calibri"/>
-            </a:endParaRPr>
-          </a:p>
-          <a:p>
-            <a:pPr algn="just">
-              <a:spcBef>
-                <a:spcPts val="0"/>
-              </a:spcBef>
-            </a:pPr>
-            <a:r>
-              <a:rPr lang="pt-BR" sz="3200" dirty="0">
-                <a:latin typeface="Calibri"/>
-                <a:ea typeface="Calibri"/>
-                <a:cs typeface="Calibri"/>
-                <a:sym typeface="Calibri"/>
-              </a:rPr>
-              <a:t>Excelente no quesito escalabilidade.</a:t>
-            </a:r>
-          </a:p>
-          <a:p>
-            <a:pPr algn="just">
-              <a:spcBef>
-                <a:spcPts val="0"/>
-              </a:spcBef>
-            </a:pPr>
-            <a:endParaRPr lang="pt-BR" sz="3200" dirty="0">
-              <a:latin typeface="Calibri"/>
-              <a:ea typeface="Calibri"/>
-              <a:cs typeface="Calibri"/>
-              <a:sym typeface="Calibri"/>
-            </a:endParaRPr>
-          </a:p>
-          <a:p>
-            <a:pPr algn="just">
-              <a:spcBef>
-                <a:spcPts val="0"/>
-              </a:spcBef>
-            </a:pPr>
-            <a:r>
-              <a:rPr lang="pt-BR" sz="3200" dirty="0">
-                <a:latin typeface="Calibri"/>
-                <a:ea typeface="Calibri"/>
-                <a:cs typeface="Calibri"/>
-                <a:sym typeface="Calibri"/>
-              </a:rPr>
-              <a:t>Excelente para aplicações distribuídas, APIs, microsserviços.</a:t>
-            </a:r>
-          </a:p>
-          <a:p>
-            <a:pPr algn="just">
-              <a:spcBef>
-                <a:spcPts val="0"/>
-              </a:spcBef>
-            </a:pPr>
-            <a:endParaRPr lang="pt-BR" sz="3200" dirty="0">
-              <a:latin typeface="Calibri"/>
-              <a:ea typeface="Calibri"/>
-              <a:cs typeface="Calibri"/>
-              <a:sym typeface="Calibri"/>
-            </a:endParaRPr>
-          </a:p>
-          <a:p>
-            <a:pPr algn="just">
-              <a:spcBef>
-                <a:spcPts val="0"/>
-              </a:spcBef>
-            </a:pPr>
-            <a:r>
-              <a:rPr lang="pt-BR" sz="3200" dirty="0">
-                <a:latin typeface="Calibri"/>
-                <a:ea typeface="Calibri"/>
-                <a:cs typeface="Calibri"/>
-                <a:sym typeface="Calibri"/>
-              </a:rPr>
-              <a:t>Maior facilidade para uso da aplicação por integrações de sistemas terceiros.</a:t>
-            </a:r>
-          </a:p>
-          <a:p>
-            <a:pPr algn="just">
-              <a:spcBef>
-                <a:spcPts val="0"/>
-              </a:spcBef>
-            </a:pPr>
-            <a:endParaRPr lang="pt-BR" sz="3200" dirty="0">
-              <a:latin typeface="Calibri"/>
-              <a:ea typeface="Calibri"/>
-              <a:cs typeface="Calibri"/>
-              <a:sym typeface="Calibri"/>
-            </a:endParaRPr>
-          </a:p>
-          <a:p>
-            <a:pPr algn="just">
-              <a:spcBef>
-                <a:spcPts val="0"/>
-              </a:spcBef>
-            </a:pPr>
-            <a:endParaRPr lang="pt-BR" sz="3200" dirty="0">
-              <a:latin typeface="Calibri"/>
-              <a:ea typeface="Calibri"/>
-              <a:cs typeface="Calibri"/>
-              <a:sym typeface="Calibri"/>
-            </a:endParaRPr>
-          </a:p>
-          <a:p>
-            <a:pPr algn="just">
-              <a:spcBef>
-                <a:spcPts val="0"/>
-              </a:spcBef>
-            </a:pPr>
-            <a:endParaRPr lang="pt-BR" sz="3200" dirty="0">
-              <a:latin typeface="Calibri"/>
-              <a:ea typeface="Calibri"/>
-              <a:cs typeface="Calibri"/>
-              <a:sym typeface="Calibri"/>
-            </a:endParaRPr>
-          </a:p>
-          <a:p>
-            <a:pPr algn="just">
-              <a:spcBef>
-                <a:spcPts val="0"/>
-              </a:spcBef>
-            </a:pPr>
-            <a:endParaRPr lang="pt-BR" sz="3200" dirty="0">
-              <a:latin typeface="Calibri"/>
-              <a:ea typeface="Calibri"/>
-              <a:cs typeface="Calibri"/>
-              <a:sym typeface="Calibri"/>
-            </a:endParaRPr>
+              <a:t>Imagem retirada do site oficial do JSON Web Token: https://jwt.io</a:t>
+            </a:r>
           </a:p>
         </p:txBody>
       </p:sp>
@@ -6288,7 +6276,7 @@
         <p:spPr>
           <a:xfrm>
             <a:off x="2295832" y="273986"/>
-            <a:ext cx="8435480" cy="1599777"/>
+            <a:ext cx="9119420" cy="1599777"/>
           </a:xfrm>
           <a:prstGeom prst="rect">
             <a:avLst/>
@@ -6320,7 +6308,7 @@
           <a:p>
             <a:r>
               <a:rPr lang="pt-BR" sz="4400" dirty="0"/>
-              <a:t>Vantagens do uso de um Token JWT</a:t>
+              <a:t>Como funciona um Token JWT?</a:t>
             </a:r>
             <a:endParaRPr lang="pt-BR" dirty="0"/>
           </a:p>
@@ -6332,42 +6320,6 @@
             <a:extLst>
               <a:ext uri="{FF2B5EF4-FFF2-40B4-BE49-F238E27FC236}">
                 <a16:creationId xmlns:a16="http://schemas.microsoft.com/office/drawing/2014/main" id="{CD1F6E78-A466-CE50-938A-1D5BBA02C6AB}"/>
-              </a:ext>
-            </a:extLst>
-          </p:cNvPr>
-          <p:cNvPicPr>
-            <a:picLocks noChangeAspect="1"/>
-          </p:cNvPicPr>
-          <p:nvPr/>
-        </p:nvPicPr>
-        <p:blipFill>
-          <a:blip r:embed="rId2">
-            <a:extLst>
-              <a:ext uri="{28A0092B-C50C-407E-A947-70E740481C1C}">
-                <a14:useLocalDpi xmlns:a14="http://schemas.microsoft.com/office/drawing/2010/main" val="0"/>
-              </a:ext>
-            </a:extLst>
-          </a:blip>
-          <a:stretch>
-            <a:fillRect/>
-          </a:stretch>
-        </p:blipFill>
-        <p:spPr>
-          <a:xfrm>
-            <a:off x="0" y="22840"/>
-            <a:ext cx="2866785" cy="2150089"/>
-          </a:xfrm>
-          <a:prstGeom prst="rect">
-            <a:avLst/>
-          </a:prstGeom>
-        </p:spPr>
-      </p:pic>
-      <p:pic>
-        <p:nvPicPr>
-          <p:cNvPr id="7" name="Imagem 6" descr="Forma&#10;&#10;Descrição gerada automaticamente com confiança baixa">
-            <a:extLst>
-              <a:ext uri="{FF2B5EF4-FFF2-40B4-BE49-F238E27FC236}">
-                <a16:creationId xmlns:a16="http://schemas.microsoft.com/office/drawing/2014/main" id="{56D4DA1E-DED0-0DA1-F916-1A54444988B1}"/>
               </a:ext>
             </a:extLst>
           </p:cNvPr>
@@ -6390,8 +6342,8 @@
         </p:blipFill>
         <p:spPr>
           <a:xfrm>
-            <a:off x="10731312" y="5397312"/>
-            <a:ext cx="1460688" cy="1460688"/>
+            <a:off x="0" y="22840"/>
+            <a:ext cx="2866785" cy="2150089"/>
           </a:xfrm>
           <a:prstGeom prst="rect">
             <a:avLst/>
@@ -6401,7 +6353,7 @@
     </p:spTree>
     <p:extLst>
       <p:ext uri="{BB962C8B-B14F-4D97-AF65-F5344CB8AC3E}">
-        <p14:creationId xmlns:p14="http://schemas.microsoft.com/office/powerpoint/2010/main" val="2319871752"/>
+        <p14:creationId xmlns:p14="http://schemas.microsoft.com/office/powerpoint/2010/main" val="100628328"/>
       </p:ext>
     </p:extLst>
   </p:cSld>
@@ -6446,8 +6398,8 @@
         </p:nvSpPr>
         <p:spPr>
           <a:xfrm>
-            <a:off x="776747" y="2172929"/>
-            <a:ext cx="10854813" cy="4100051"/>
+            <a:off x="1159608" y="2172929"/>
+            <a:ext cx="9571704" cy="4100051"/>
           </a:xfrm>
         </p:spPr>
         <p:txBody>
@@ -6468,7 +6420,7 @@
                 <a:cs typeface="Calibri"/>
                 <a:sym typeface="Calibri"/>
               </a:rPr>
-              <a:t>A geração e distribuição de tokens fica em uma aplicação isolada, que não é uma dependência de outras aplicações ao validar este token.</a:t>
+              <a:t>Baixo consumo de memória do servidor.</a:t>
             </a:r>
           </a:p>
           <a:p>
@@ -6497,7 +6449,65 @@
                 <a:cs typeface="Calibri"/>
                 <a:sym typeface="Calibri"/>
               </a:rPr>
-              <a:t>Facilidade de validação dos dados do usuário pertencente ao token em cada aplicação, não necessitando um cliente com a API de autenticação ou de implementação de um servidor de armazenamento em cada aplicação para recuperar os dados do usuário.</a:t>
+              <a:t>Excelente no quesito escalabilidade.</a:t>
+            </a:r>
+          </a:p>
+          <a:p>
+            <a:pPr algn="just">
+              <a:spcBef>
+                <a:spcPts val="0"/>
+              </a:spcBef>
+            </a:pPr>
+            <a:endParaRPr lang="pt-BR" sz="3200" dirty="0">
+              <a:latin typeface="Calibri"/>
+              <a:ea typeface="Calibri"/>
+              <a:cs typeface="Calibri"/>
+              <a:sym typeface="Calibri"/>
+            </a:endParaRPr>
+          </a:p>
+          <a:p>
+            <a:pPr algn="just">
+              <a:spcBef>
+                <a:spcPts val="0"/>
+              </a:spcBef>
+            </a:pPr>
+            <a:r>
+              <a:rPr lang="pt-BR" sz="3200" dirty="0">
+                <a:latin typeface="Calibri"/>
+                <a:ea typeface="Calibri"/>
+                <a:cs typeface="Calibri"/>
+                <a:sym typeface="Calibri"/>
+              </a:rPr>
+              <a:t>Excelente para aplicações distribuídas, APIs, microsserviços.</a:t>
+            </a:r>
+          </a:p>
+          <a:p>
+            <a:pPr algn="just">
+              <a:spcBef>
+                <a:spcPts val="0"/>
+              </a:spcBef>
+            </a:pPr>
+            <a:endParaRPr lang="pt-BR" sz="3200" dirty="0">
+              <a:latin typeface="Calibri"/>
+              <a:ea typeface="Calibri"/>
+              <a:cs typeface="Calibri"/>
+              <a:sym typeface="Calibri"/>
+            </a:endParaRPr>
+          </a:p>
+          <a:p>
+            <a:pPr algn="just">
+              <a:spcBef>
+                <a:spcPts val="0"/>
+              </a:spcBef>
+            </a:pPr>
+            <a:r>
+              <a:rPr lang="pt-BR" sz="3200" dirty="0">
+                <a:latin typeface="Calibri"/>
+                <a:ea typeface="Calibri"/>
+                <a:cs typeface="Calibri"/>
+                <a:sym typeface="Calibri"/>
+              </a:rPr>
+              <a:t>Maior facilidade para uso da aplicação por integrações de sistemas terceiros.</a:t>
             </a:r>
           </a:p>
           <a:p>
@@ -6684,7 +6694,7 @@
     </p:spTree>
     <p:extLst>
       <p:ext uri="{BB962C8B-B14F-4D97-AF65-F5344CB8AC3E}">
-        <p14:creationId xmlns:p14="http://schemas.microsoft.com/office/powerpoint/2010/main" val="4264199113"/>
+        <p14:creationId xmlns:p14="http://schemas.microsoft.com/office/powerpoint/2010/main" val="2319871752"/>
       </p:ext>
     </p:extLst>
   </p:cSld>
@@ -6729,13 +6739,13 @@
         </p:nvSpPr>
         <p:spPr>
           <a:xfrm>
-            <a:off x="599768" y="2424075"/>
-            <a:ext cx="10131544" cy="3755804"/>
+            <a:off x="776747" y="2172929"/>
+            <a:ext cx="10854813" cy="4100051"/>
           </a:xfrm>
         </p:spPr>
         <p:txBody>
           <a:bodyPr>
-            <a:noAutofit/>
+            <a:normAutofit/>
           </a:bodyPr>
           <a:lstStyle/>
           <a:p>
@@ -6751,7 +6761,7 @@
                 <a:cs typeface="Calibri"/>
                 <a:sym typeface="Calibri"/>
               </a:rPr>
-              <a:t>Dificuldade de controle de acessos.</a:t>
+              <a:t>A geração e distribuição de tokens fica em uma aplicação isolada, que não é uma dependência de outras aplicações ao validar este token.</a:t>
             </a:r>
           </a:p>
           <a:p>
@@ -6780,7 +6790,7 @@
                 <a:cs typeface="Calibri"/>
                 <a:sym typeface="Calibri"/>
               </a:rPr>
-              <a:t>Não é possível revogar o token com facilidade ou a qualquer momento.</a:t>
+              <a:t>Facilidade de validação dos dados do usuário pertencente ao token em cada aplicação, não necessitando um cliente com a API de autenticação ou de implementação de um servidor de armazenamento em cada aplicação para recuperar os dados do usuário.</a:t>
             </a:r>
           </a:p>
           <a:p>
@@ -6802,51 +6812,38 @@
                 <a:spcPts val="0"/>
               </a:spcBef>
             </a:pPr>
-            <a:r>
-              <a:rPr lang="pt-BR" sz="3200" dirty="0">
-                <a:latin typeface="Calibri"/>
-                <a:ea typeface="Calibri"/>
-                <a:cs typeface="Calibri"/>
-                <a:sym typeface="Calibri"/>
-              </a:rPr>
-              <a:t>Pode tornar mais fácil a entrada de terceiros mal-intencionados caso alguém tenha contato com o token, </a:t>
-            </a:r>
-            <a:r>
-              <a:rPr lang="pt-BR" sz="3200" dirty="0" err="1">
-                <a:latin typeface="Calibri"/>
-                <a:ea typeface="Calibri"/>
-                <a:cs typeface="Calibri"/>
-                <a:sym typeface="Calibri"/>
-              </a:rPr>
-              <a:t>ex</a:t>
-            </a:r>
-            <a:r>
-              <a:rPr lang="pt-BR" sz="3200" dirty="0">
-                <a:latin typeface="Calibri"/>
-                <a:ea typeface="Calibri"/>
-                <a:cs typeface="Calibri"/>
-                <a:sym typeface="Calibri"/>
-              </a:rPr>
-              <a:t>: manter dados sensíveis no </a:t>
-            </a:r>
-            <a:r>
-              <a:rPr lang="pt-BR" sz="3200" dirty="0" err="1">
-                <a:latin typeface="Calibri"/>
-                <a:ea typeface="Calibri"/>
-                <a:cs typeface="Calibri"/>
-                <a:sym typeface="Calibri"/>
-              </a:rPr>
-              <a:t>payload</a:t>
-            </a:r>
-            <a:r>
-              <a:rPr lang="pt-BR" sz="3200" dirty="0">
-                <a:latin typeface="Calibri"/>
-                <a:ea typeface="Calibri"/>
-                <a:cs typeface="Calibri"/>
-                <a:sym typeface="Calibri"/>
-              </a:rPr>
-              <a:t> do token.</a:t>
-            </a:r>
+            <a:endParaRPr lang="pt-BR" sz="3200" dirty="0">
+              <a:latin typeface="Calibri"/>
+              <a:ea typeface="Calibri"/>
+              <a:cs typeface="Calibri"/>
+              <a:sym typeface="Calibri"/>
+            </a:endParaRPr>
+          </a:p>
+          <a:p>
+            <a:pPr algn="just">
+              <a:spcBef>
+                <a:spcPts val="0"/>
+              </a:spcBef>
+            </a:pPr>
+            <a:endParaRPr lang="pt-BR" sz="3200" dirty="0">
+              <a:latin typeface="Calibri"/>
+              <a:ea typeface="Calibri"/>
+              <a:cs typeface="Calibri"/>
+              <a:sym typeface="Calibri"/>
+            </a:endParaRPr>
+          </a:p>
+          <a:p>
+            <a:pPr algn="just">
+              <a:spcBef>
+                <a:spcPts val="0"/>
+              </a:spcBef>
+            </a:pPr>
+            <a:endParaRPr lang="pt-BR" sz="3200" dirty="0">
+              <a:latin typeface="Calibri"/>
+              <a:ea typeface="Calibri"/>
+              <a:cs typeface="Calibri"/>
+              <a:sym typeface="Calibri"/>
+            </a:endParaRPr>
           </a:p>
         </p:txBody>
       </p:sp>
@@ -6867,7 +6864,7 @@
         <p:spPr>
           <a:xfrm>
             <a:off x="2295832" y="273986"/>
-            <a:ext cx="9119420" cy="1599777"/>
+            <a:ext cx="8435480" cy="1599777"/>
           </a:xfrm>
           <a:prstGeom prst="rect">
             <a:avLst/>
@@ -6899,7 +6896,7 @@
           <a:p>
             <a:r>
               <a:rPr lang="pt-BR" sz="4400" dirty="0"/>
-              <a:t>Desvantagens do uso de um Token JWT</a:t>
+              <a:t>Vantagens do uso de um Token JWT</a:t>
             </a:r>
             <a:endParaRPr lang="pt-BR" dirty="0"/>
           </a:p>
@@ -6980,7 +6977,7 @@
     </p:spTree>
     <p:extLst>
       <p:ext uri="{BB962C8B-B14F-4D97-AF65-F5344CB8AC3E}">
-        <p14:creationId xmlns:p14="http://schemas.microsoft.com/office/powerpoint/2010/main" val="634494727"/>
+        <p14:creationId xmlns:p14="http://schemas.microsoft.com/office/powerpoint/2010/main" val="4264199113"/>
       </p:ext>
     </p:extLst>
   </p:cSld>
@@ -7025,8 +7022,8 @@
         </p:nvSpPr>
         <p:spPr>
           <a:xfrm>
-            <a:off x="1012722" y="2676485"/>
-            <a:ext cx="10166555" cy="3003929"/>
+            <a:off x="599768" y="2424075"/>
+            <a:ext cx="10131544" cy="3755804"/>
           </a:xfrm>
         </p:spPr>
         <p:txBody>
@@ -7047,7 +7044,7 @@
                 <a:cs typeface="Calibri"/>
                 <a:sym typeface="Calibri"/>
               </a:rPr>
-              <a:t>A sessão não pode ser alterada até o fim de seu tempo de expiração. Em caso de um vazamento do token, não será possível proibir o acesso até que ele fique inválido.</a:t>
+              <a:t>Dificuldade de controle de acessos.</a:t>
             </a:r>
           </a:p>
           <a:p>
@@ -7076,7 +7073,72 @@
                 <a:cs typeface="Calibri"/>
                 <a:sym typeface="Calibri"/>
               </a:rPr>
-              <a:t>Mais complexo e desnecessário de se implementar para aplicações centralizadas como MVC ou monolíticas.</a:t>
+              <a:t>Não é possível revogar o token com facilidade ou a qualquer momento.</a:t>
+            </a:r>
+          </a:p>
+          <a:p>
+            <a:pPr algn="just">
+              <a:spcBef>
+                <a:spcPts val="0"/>
+              </a:spcBef>
+            </a:pPr>
+            <a:endParaRPr lang="pt-BR" sz="3200" dirty="0">
+              <a:latin typeface="Calibri"/>
+              <a:ea typeface="Calibri"/>
+              <a:cs typeface="Calibri"/>
+              <a:sym typeface="Calibri"/>
+            </a:endParaRPr>
+          </a:p>
+          <a:p>
+            <a:pPr algn="just">
+              <a:spcBef>
+                <a:spcPts val="0"/>
+              </a:spcBef>
+            </a:pPr>
+            <a:r>
+              <a:rPr lang="pt-BR" sz="3200" dirty="0">
+                <a:latin typeface="Calibri"/>
+                <a:ea typeface="Calibri"/>
+                <a:cs typeface="Calibri"/>
+                <a:sym typeface="Calibri"/>
+              </a:rPr>
+              <a:t>Pode tornar mais fácil a entrada de terceiros mal-intencionados caso alguém tenha contato com o token, </a:t>
+            </a:r>
+            <a:r>
+              <a:rPr lang="pt-BR" sz="3200" dirty="0" err="1">
+                <a:latin typeface="Calibri"/>
+                <a:ea typeface="Calibri"/>
+                <a:cs typeface="Calibri"/>
+                <a:sym typeface="Calibri"/>
+              </a:rPr>
+              <a:t>ex</a:t>
+            </a:r>
+            <a:r>
+              <a:rPr lang="pt-BR" sz="3200" dirty="0">
+                <a:latin typeface="Calibri"/>
+                <a:ea typeface="Calibri"/>
+                <a:cs typeface="Calibri"/>
+                <a:sym typeface="Calibri"/>
+              </a:rPr>
+              <a:t>: manter dados sensíveis no </a:t>
+            </a:r>
+            <a:r>
+              <a:rPr lang="pt-BR" sz="3200" dirty="0" err="1">
+                <a:latin typeface="Calibri"/>
+                <a:ea typeface="Calibri"/>
+                <a:cs typeface="Calibri"/>
+                <a:sym typeface="Calibri"/>
+              </a:rPr>
+              <a:t>payload</a:t>
+            </a:r>
+            <a:r>
+              <a:rPr lang="pt-BR" sz="3200" dirty="0">
+                <a:latin typeface="Calibri"/>
+                <a:ea typeface="Calibri"/>
+                <a:cs typeface="Calibri"/>
+                <a:sym typeface="Calibri"/>
+              </a:rPr>
+              <a:t> do token.</a:t>
             </a:r>
           </a:p>
         </p:txBody>
@@ -7211,7 +7273,7 @@
     </p:spTree>
     <p:extLst>
       <p:ext uri="{BB962C8B-B14F-4D97-AF65-F5344CB8AC3E}">
-        <p14:creationId xmlns:p14="http://schemas.microsoft.com/office/powerpoint/2010/main" val="17443154"/>
+        <p14:creationId xmlns:p14="http://schemas.microsoft.com/office/powerpoint/2010/main" val="634494727"/>
       </p:ext>
     </p:extLst>
   </p:cSld>
@@ -7238,12 +7300,141 @@
           <a:chExt cx="0" cy="0"/>
         </a:xfrm>
       </p:grpSpPr>
+      <p:sp>
+        <p:nvSpPr>
+          <p:cNvPr id="3" name="Espaço Reservado para Conteúdo 2">
+            <a:extLst>
+              <a:ext uri="{FF2B5EF4-FFF2-40B4-BE49-F238E27FC236}">
+                <a16:creationId xmlns:a16="http://schemas.microsoft.com/office/drawing/2014/main" id="{58FCE168-5451-49F3-82A9-B851BCEF6B1F}"/>
+              </a:ext>
+            </a:extLst>
+          </p:cNvPr>
+          <p:cNvSpPr>
+            <a:spLocks noGrp="1"/>
+          </p:cNvSpPr>
+          <p:nvPr>
+            <p:ph idx="1"/>
+          </p:nvPr>
+        </p:nvSpPr>
+        <p:spPr>
+          <a:xfrm>
+            <a:off x="1012722" y="2676485"/>
+            <a:ext cx="10166555" cy="3003929"/>
+          </a:xfrm>
+        </p:spPr>
+        <p:txBody>
+          <a:bodyPr>
+            <a:noAutofit/>
+          </a:bodyPr>
+          <a:lstStyle/>
+          <a:p>
+            <a:pPr algn="just">
+              <a:spcBef>
+                <a:spcPts val="0"/>
+              </a:spcBef>
+            </a:pPr>
+            <a:r>
+              <a:rPr lang="pt-BR" sz="3200" dirty="0">
+                <a:latin typeface="Calibri"/>
+                <a:ea typeface="Calibri"/>
+                <a:cs typeface="Calibri"/>
+                <a:sym typeface="Calibri"/>
+              </a:rPr>
+              <a:t>A sessão não pode ser alterada até o fim de seu tempo de expiração. Em caso de um vazamento do token, não será possível proibir o acesso até que ele fique inválido.</a:t>
+            </a:r>
+          </a:p>
+          <a:p>
+            <a:pPr algn="just">
+              <a:spcBef>
+                <a:spcPts val="0"/>
+              </a:spcBef>
+            </a:pPr>
+            <a:endParaRPr lang="pt-BR" sz="3200" dirty="0">
+              <a:latin typeface="Calibri"/>
+              <a:ea typeface="Calibri"/>
+              <a:cs typeface="Calibri"/>
+              <a:sym typeface="Calibri"/>
+            </a:endParaRPr>
+          </a:p>
+          <a:p>
+            <a:pPr algn="just">
+              <a:spcBef>
+                <a:spcPts val="0"/>
+              </a:spcBef>
+            </a:pPr>
+            <a:r>
+              <a:rPr lang="pt-BR" sz="3200" dirty="0">
+                <a:latin typeface="Calibri"/>
+                <a:ea typeface="Calibri"/>
+                <a:cs typeface="Calibri"/>
+                <a:sym typeface="Calibri"/>
+              </a:rPr>
+              <a:t>Mais complexo e desnecessário de se implementar para aplicações centralizadas como MVC ou monolíticas.</a:t>
+            </a:r>
+          </a:p>
+        </p:txBody>
+      </p:sp>
+      <p:sp>
+        <p:nvSpPr>
+          <p:cNvPr id="4" name="Título 1">
+            <a:extLst>
+              <a:ext uri="{FF2B5EF4-FFF2-40B4-BE49-F238E27FC236}">
+                <a16:creationId xmlns:a16="http://schemas.microsoft.com/office/drawing/2014/main" id="{22290A63-5ECE-488C-8F5A-240217BA6E32}"/>
+              </a:ext>
+            </a:extLst>
+          </p:cNvPr>
+          <p:cNvSpPr txBox="1">
+            <a:spLocks/>
+          </p:cNvSpPr>
+          <p:nvPr/>
+        </p:nvSpPr>
+        <p:spPr>
+          <a:xfrm>
+            <a:off x="2295832" y="273986"/>
+            <a:ext cx="9119420" cy="1599777"/>
+          </a:xfrm>
+          <a:prstGeom prst="rect">
+            <a:avLst/>
+          </a:prstGeom>
+        </p:spPr>
+        <p:txBody>
+          <a:bodyPr vert="horz" lIns="91440" tIns="45720" rIns="91440" bIns="45720" rtlCol="0" anchor="ctr">
+            <a:normAutofit/>
+          </a:bodyPr>
+          <a:lstStyle>
+            <a:lvl1pPr algn="l" defTabSz="914400" rtl="0" eaLnBrk="1" latinLnBrk="0" hangingPunct="1">
+              <a:lnSpc>
+                <a:spcPct val="90000"/>
+              </a:lnSpc>
+              <a:spcBef>
+                <a:spcPct val="0"/>
+              </a:spcBef>
+              <a:buNone/>
+              <a:defRPr sz="4400" kern="1200">
+                <a:solidFill>
+                  <a:schemeClr val="tx1"/>
+                </a:solidFill>
+                <a:latin typeface="+mj-lt"/>
+                <a:ea typeface="+mj-ea"/>
+                <a:cs typeface="+mj-cs"/>
+              </a:defRPr>
+            </a:lvl1pPr>
+          </a:lstStyle>
+          <a:p>
+            <a:r>
+              <a:rPr lang="pt-BR" sz="4400" dirty="0"/>
+              <a:t>Desvantagens do uso de um Token JWT</a:t>
+            </a:r>
+            <a:endParaRPr lang="pt-BR" dirty="0"/>
+          </a:p>
+        </p:txBody>
+      </p:sp>
       <p:pic>
         <p:nvPicPr>
-          <p:cNvPr id="3" name="Imagem 2" descr="Diagrama&#10;&#10;Descrição gerada automaticamente">
-            <a:extLst>
-              <a:ext uri="{FF2B5EF4-FFF2-40B4-BE49-F238E27FC236}">
-                <a16:creationId xmlns:a16="http://schemas.microsoft.com/office/drawing/2014/main" id="{6AD8D470-362D-B749-6BE1-A194AB88836C}"/>
+          <p:cNvPr id="2" name="Imagem 1" descr="Celular com tela ligada&#10;&#10;Descrição gerada automaticamente">
+            <a:extLst>
+              <a:ext uri="{FF2B5EF4-FFF2-40B4-BE49-F238E27FC236}">
+                <a16:creationId xmlns:a16="http://schemas.microsoft.com/office/drawing/2014/main" id="{CD1F6E78-A466-CE50-938A-1D5BBA02C6AB}"/>
               </a:ext>
             </a:extLst>
           </p:cNvPr>
@@ -7266,8 +7457,44 @@
         </p:blipFill>
         <p:spPr>
           <a:xfrm>
-            <a:off x="1684763" y="542925"/>
-            <a:ext cx="8822473" cy="5772150"/>
+            <a:off x="0" y="22840"/>
+            <a:ext cx="2866785" cy="2150089"/>
+          </a:xfrm>
+          <a:prstGeom prst="rect">
+            <a:avLst/>
+          </a:prstGeom>
+        </p:spPr>
+      </p:pic>
+      <p:pic>
+        <p:nvPicPr>
+          <p:cNvPr id="7" name="Imagem 6" descr="Forma&#10;&#10;Descrição gerada automaticamente com confiança baixa">
+            <a:extLst>
+              <a:ext uri="{FF2B5EF4-FFF2-40B4-BE49-F238E27FC236}">
+                <a16:creationId xmlns:a16="http://schemas.microsoft.com/office/drawing/2014/main" id="{56D4DA1E-DED0-0DA1-F916-1A54444988B1}"/>
+              </a:ext>
+            </a:extLst>
+          </p:cNvPr>
+          <p:cNvPicPr>
+            <a:picLocks noChangeAspect="1"/>
+          </p:cNvPicPr>
+          <p:nvPr/>
+        </p:nvPicPr>
+        <p:blipFill>
+          <a:blip r:embed="rId3">
+            <a:extLst>
+              <a:ext uri="{28A0092B-C50C-407E-A947-70E740481C1C}">
+                <a14:useLocalDpi xmlns:a14="http://schemas.microsoft.com/office/drawing/2010/main" val="0"/>
+              </a:ext>
+            </a:extLst>
+          </a:blip>
+          <a:stretch>
+            <a:fillRect/>
+          </a:stretch>
+        </p:blipFill>
+        <p:spPr>
+          <a:xfrm>
+            <a:off x="10731312" y="5397312"/>
+            <a:ext cx="1460688" cy="1460688"/>
           </a:xfrm>
           <a:prstGeom prst="rect">
             <a:avLst/>
@@ -7277,7 +7504,7 @@
     </p:spTree>
     <p:extLst>
       <p:ext uri="{BB962C8B-B14F-4D97-AF65-F5344CB8AC3E}">
-        <p14:creationId xmlns:p14="http://schemas.microsoft.com/office/powerpoint/2010/main" val="2562085748"/>
+        <p14:creationId xmlns:p14="http://schemas.microsoft.com/office/powerpoint/2010/main" val="17443154"/>
       </p:ext>
     </p:extLst>
   </p:cSld>
@@ -7304,50 +7531,12 @@
           <a:chExt cx="0" cy="0"/>
         </a:xfrm>
       </p:grpSpPr>
-      <p:sp>
-        <p:nvSpPr>
-          <p:cNvPr id="3" name="Espaço Reservado para Conteúdo 2">
-            <a:extLst>
-              <a:ext uri="{FF2B5EF4-FFF2-40B4-BE49-F238E27FC236}">
-                <a16:creationId xmlns:a16="http://schemas.microsoft.com/office/drawing/2014/main" id="{58FCE168-5451-49F3-82A9-B851BCEF6B1F}"/>
-              </a:ext>
-            </a:extLst>
-          </p:cNvPr>
-          <p:cNvSpPr>
-            <a:spLocks noGrp="1"/>
-          </p:cNvSpPr>
-          <p:nvPr>
-            <p:ph idx="1"/>
-          </p:nvPr>
-        </p:nvSpPr>
-        <p:spPr>
-          <a:xfrm>
-            <a:off x="1677479" y="2892813"/>
-            <a:ext cx="8837041" cy="1072373"/>
-          </a:xfrm>
-        </p:spPr>
-        <p:txBody>
-          <a:bodyPr>
-            <a:noAutofit/>
-          </a:bodyPr>
-          <a:lstStyle/>
-          <a:p>
-            <a:pPr marL="0" indent="0">
-              <a:buNone/>
-            </a:pPr>
-            <a:r>
-              <a:rPr lang="pt-BR" sz="7200" dirty="0"/>
-              <a:t>Autenticação Stateful</a:t>
-            </a:r>
-          </a:p>
-        </p:txBody>
-      </p:sp>
       <p:pic>
         <p:nvPicPr>
-          <p:cNvPr id="2" name="Imagem 1" descr="Celular com tela ligada&#10;&#10;Descrição gerada automaticamente">
-            <a:extLst>
-              <a:ext uri="{FF2B5EF4-FFF2-40B4-BE49-F238E27FC236}">
-                <a16:creationId xmlns:a16="http://schemas.microsoft.com/office/drawing/2014/main" id="{CD1F6E78-A466-CE50-938A-1D5BBA02C6AB}"/>
+          <p:cNvPr id="3" name="Imagem 2" descr="Diagrama&#10;&#10;Descrição gerada automaticamente">
+            <a:extLst>
+              <a:ext uri="{FF2B5EF4-FFF2-40B4-BE49-F238E27FC236}">
+                <a16:creationId xmlns:a16="http://schemas.microsoft.com/office/drawing/2014/main" id="{6AD8D470-362D-B749-6BE1-A194AB88836C}"/>
               </a:ext>
             </a:extLst>
           </p:cNvPr>
@@ -7370,105 +7559,18 @@
         </p:blipFill>
         <p:spPr>
           <a:xfrm>
-            <a:off x="0" y="22840"/>
-            <a:ext cx="2866785" cy="2150089"/>
+            <a:off x="1684763" y="542925"/>
+            <a:ext cx="8822473" cy="5772150"/>
           </a:xfrm>
           <a:prstGeom prst="rect">
             <a:avLst/>
           </a:prstGeom>
         </p:spPr>
       </p:pic>
-      <p:pic>
-        <p:nvPicPr>
-          <p:cNvPr id="7" name="Imagem 6" descr="Forma&#10;&#10;Descrição gerada automaticamente com confiança baixa">
-            <a:extLst>
-              <a:ext uri="{FF2B5EF4-FFF2-40B4-BE49-F238E27FC236}">
-                <a16:creationId xmlns:a16="http://schemas.microsoft.com/office/drawing/2014/main" id="{56D4DA1E-DED0-0DA1-F916-1A54444988B1}"/>
-              </a:ext>
-            </a:extLst>
-          </p:cNvPr>
-          <p:cNvPicPr>
-            <a:picLocks noChangeAspect="1"/>
-          </p:cNvPicPr>
-          <p:nvPr/>
-        </p:nvPicPr>
-        <p:blipFill>
-          <a:blip r:embed="rId3">
-            <a:extLst>
-              <a:ext uri="{28A0092B-C50C-407E-A947-70E740481C1C}">
-                <a14:useLocalDpi xmlns:a14="http://schemas.microsoft.com/office/drawing/2010/main" val="0"/>
-              </a:ext>
-            </a:extLst>
-          </a:blip>
-          <a:stretch>
-            <a:fillRect/>
-          </a:stretch>
-        </p:blipFill>
-        <p:spPr>
-          <a:xfrm>
-            <a:off x="10731312" y="5397312"/>
-            <a:ext cx="1460688" cy="1460688"/>
-          </a:xfrm>
-          <a:prstGeom prst="rect">
-            <a:avLst/>
-          </a:prstGeom>
-        </p:spPr>
-      </p:pic>
-      <p:sp>
-        <p:nvSpPr>
-          <p:cNvPr id="4" name="CaixaDeTexto 3">
-            <a:extLst>
-              <a:ext uri="{FF2B5EF4-FFF2-40B4-BE49-F238E27FC236}">
-                <a16:creationId xmlns:a16="http://schemas.microsoft.com/office/drawing/2014/main" id="{B5D95128-3BFD-6050-34FD-4F2E56B704FC}"/>
-              </a:ext>
-            </a:extLst>
-          </p:cNvPr>
-          <p:cNvSpPr txBox="1"/>
-          <p:nvPr/>
-        </p:nvSpPr>
-        <p:spPr>
-          <a:xfrm>
-            <a:off x="196646" y="5855139"/>
-            <a:ext cx="4596580" cy="815608"/>
-          </a:xfrm>
-          <a:prstGeom prst="rect">
-            <a:avLst/>
-          </a:prstGeom>
-          <a:noFill/>
-        </p:spPr>
-        <p:txBody>
-          <a:bodyPr wrap="square" rtlCol="0">
-            <a:spAutoFit/>
-          </a:bodyPr>
-          <a:lstStyle/>
-          <a:p>
-            <a:r>
-              <a:rPr lang="pt-BR" sz="2800" dirty="0"/>
-              <a:t>Victor Hugo </a:t>
-            </a:r>
-            <a:r>
-              <a:rPr lang="pt-BR" sz="2800" dirty="0" err="1"/>
-              <a:t>Negrisoli</a:t>
-            </a:r>
-            <a:endParaRPr lang="pt-BR" sz="2800" dirty="0"/>
-          </a:p>
-          <a:p>
-            <a:r>
-              <a:rPr lang="pt-BR" sz="1900" dirty="0"/>
-              <a:t>Desenvolvedor Back-</a:t>
-            </a:r>
-            <a:r>
-              <a:rPr lang="pt-BR" sz="1900" dirty="0" err="1"/>
-              <a:t>End</a:t>
-            </a:r>
-            <a:endParaRPr lang="pt-BR" sz="1900" dirty="0"/>
-          </a:p>
-        </p:txBody>
-      </p:sp>
     </p:spTree>
     <p:extLst>
       <p:ext uri="{BB962C8B-B14F-4D97-AF65-F5344CB8AC3E}">
-        <p14:creationId xmlns:p14="http://schemas.microsoft.com/office/powerpoint/2010/main" val="2850989471"/>
+        <p14:creationId xmlns:p14="http://schemas.microsoft.com/office/powerpoint/2010/main" val="2562085748"/>
       </p:ext>
     </p:extLst>
   </p:cSld>
@@ -7854,53 +7956,37 @@
       </p:grpSpPr>
       <p:sp>
         <p:nvSpPr>
-          <p:cNvPr id="4" name="Título 1">
-            <a:extLst>
-              <a:ext uri="{FF2B5EF4-FFF2-40B4-BE49-F238E27FC236}">
-                <a16:creationId xmlns:a16="http://schemas.microsoft.com/office/drawing/2014/main" id="{22290A63-5ECE-488C-8F5A-240217BA6E32}"/>
-              </a:ext>
-            </a:extLst>
-          </p:cNvPr>
-          <p:cNvSpPr txBox="1">
-            <a:spLocks/>
-          </p:cNvSpPr>
-          <p:nvPr/>
-        </p:nvSpPr>
-        <p:spPr>
-          <a:xfrm>
-            <a:off x="2295832" y="273986"/>
-            <a:ext cx="7600335" cy="1599777"/>
-          </a:xfrm>
-          <a:prstGeom prst="rect">
-            <a:avLst/>
-          </a:prstGeom>
-        </p:spPr>
-        <p:txBody>
-          <a:bodyPr vert="horz" lIns="91440" tIns="45720" rIns="91440" bIns="45720" rtlCol="0" anchor="ctr">
-            <a:normAutofit/>
+          <p:cNvPr id="3" name="Espaço Reservado para Conteúdo 2">
+            <a:extLst>
+              <a:ext uri="{FF2B5EF4-FFF2-40B4-BE49-F238E27FC236}">
+                <a16:creationId xmlns:a16="http://schemas.microsoft.com/office/drawing/2014/main" id="{58FCE168-5451-49F3-82A9-B851BCEF6B1F}"/>
+              </a:ext>
+            </a:extLst>
+          </p:cNvPr>
+          <p:cNvSpPr>
+            <a:spLocks noGrp="1"/>
+          </p:cNvSpPr>
+          <p:nvPr>
+            <p:ph idx="1"/>
+          </p:nvPr>
+        </p:nvSpPr>
+        <p:spPr>
+          <a:xfrm>
+            <a:off x="1677479" y="2892813"/>
+            <a:ext cx="8837041" cy="1072373"/>
+          </a:xfrm>
+        </p:spPr>
+        <p:txBody>
+          <a:bodyPr>
+            <a:noAutofit/>
           </a:bodyPr>
-          <a:lstStyle>
-            <a:lvl1pPr algn="l" defTabSz="914400" rtl="0" eaLnBrk="1" latinLnBrk="0" hangingPunct="1">
-              <a:lnSpc>
-                <a:spcPct val="90000"/>
-              </a:lnSpc>
-              <a:spcBef>
-                <a:spcPct val="0"/>
-              </a:spcBef>
+          <a:lstStyle/>
+          <a:p>
+            <a:pPr marL="0" indent="0">
               <a:buNone/>
-              <a:defRPr sz="4400" kern="1200">
-                <a:solidFill>
-                  <a:schemeClr val="tx1"/>
-                </a:solidFill>
-                <a:latin typeface="+mj-lt"/>
-                <a:ea typeface="+mj-ea"/>
-                <a:cs typeface="+mj-cs"/>
-              </a:defRPr>
-            </a:lvl1pPr>
-          </a:lstStyle>
-          <a:p>
-            <a:r>
-              <a:rPr lang="pt-BR" dirty="0"/>
+            </a:pPr>
+            <a:r>
+              <a:rPr lang="pt-BR" sz="7200" dirty="0"/>
               <a:t>Autenticação Stateful</a:t>
             </a:r>
           </a:p>
@@ -7980,63 +8066,59 @@
       </p:pic>
       <p:sp>
         <p:nvSpPr>
-          <p:cNvPr id="6" name="Espaço Reservado para Conteúdo 5">
-            <a:extLst>
-              <a:ext uri="{FF2B5EF4-FFF2-40B4-BE49-F238E27FC236}">
-                <a16:creationId xmlns:a16="http://schemas.microsoft.com/office/drawing/2014/main" id="{9307AD5B-1E7D-0262-99B4-CB59AB84E2A5}"/>
-              </a:ext>
-            </a:extLst>
-          </p:cNvPr>
-          <p:cNvSpPr>
-            <a:spLocks noGrp="1"/>
-          </p:cNvSpPr>
-          <p:nvPr>
-            <p:ph idx="1"/>
-          </p:nvPr>
-        </p:nvSpPr>
-        <p:spPr>
-          <a:xfrm>
-            <a:off x="838199" y="2374316"/>
-            <a:ext cx="10515600" cy="3224383"/>
-          </a:xfrm>
-        </p:spPr>
-        <p:txBody>
-          <a:bodyPr>
-            <a:noAutofit/>
+          <p:cNvPr id="4" name="CaixaDeTexto 3">
+            <a:extLst>
+              <a:ext uri="{FF2B5EF4-FFF2-40B4-BE49-F238E27FC236}">
+                <a16:creationId xmlns:a16="http://schemas.microsoft.com/office/drawing/2014/main" id="{B5D95128-3BFD-6050-34FD-4F2E56B704FC}"/>
+              </a:ext>
+            </a:extLst>
+          </p:cNvPr>
+          <p:cNvSpPr txBox="1"/>
+          <p:nvPr/>
+        </p:nvSpPr>
+        <p:spPr>
+          <a:xfrm>
+            <a:off x="196646" y="5855139"/>
+            <a:ext cx="4596580" cy="815608"/>
+          </a:xfrm>
+          <a:prstGeom prst="rect">
+            <a:avLst/>
+          </a:prstGeom>
+          <a:noFill/>
+        </p:spPr>
+        <p:txBody>
+          <a:bodyPr wrap="square" rtlCol="0">
+            <a:spAutoFit/>
           </a:bodyPr>
           <a:lstStyle/>
           <a:p>
-            <a:pPr algn="just"/>
-            <a:r>
-              <a:rPr lang="pt-BR" sz="3200" dirty="0"/>
-              <a:t>A autenticação stateful é comumente usada em muitas aplicações, especialmente para as que não exigem muita escalabilidade.</a:t>
-            </a:r>
-          </a:p>
-          <a:p>
-            <a:pPr algn="just"/>
-            <a:endParaRPr lang="pt-BR" sz="3200" dirty="0"/>
-          </a:p>
-          <a:p>
-            <a:pPr algn="just"/>
-            <a:r>
-              <a:rPr lang="pt-BR" sz="3200" dirty="0"/>
-              <a:t>A sessão com estado é criada no lado do </a:t>
-            </a:r>
-            <a:r>
-              <a:rPr lang="pt-BR" sz="3200" dirty="0" err="1"/>
-              <a:t>back-end</a:t>
-            </a:r>
-            <a:r>
-              <a:rPr lang="pt-BR" sz="3200" dirty="0"/>
-              <a:t> e a ID de referência da sessão correspondente é enviada ao cliente. </a:t>
-            </a:r>
+            <a:r>
+              <a:rPr lang="pt-BR" sz="2800" dirty="0"/>
+              <a:t>Victor Hugo </a:t>
+            </a:r>
+            <a:r>
+              <a:rPr lang="pt-BR" sz="2800" dirty="0" err="1"/>
+              <a:t>Negrisoli</a:t>
+            </a:r>
+            <a:endParaRPr lang="pt-BR" sz="2800" dirty="0"/>
+          </a:p>
+          <a:p>
+            <a:r>
+              <a:rPr lang="pt-BR" sz="1900" dirty="0"/>
+              <a:t>Desenvolvedor Back-</a:t>
+            </a:r>
+            <a:r>
+              <a:rPr lang="pt-BR" sz="1900" dirty="0" err="1"/>
+              <a:t>End</a:t>
+            </a:r>
+            <a:endParaRPr lang="pt-BR" sz="1900" dirty="0"/>
           </a:p>
         </p:txBody>
       </p:sp>
     </p:spTree>
     <p:extLst>
       <p:ext uri="{BB962C8B-B14F-4D97-AF65-F5344CB8AC3E}">
-        <p14:creationId xmlns:p14="http://schemas.microsoft.com/office/powerpoint/2010/main" val="2423187644"/>
+        <p14:creationId xmlns:p14="http://schemas.microsoft.com/office/powerpoint/2010/main" val="2850989471"/>
       </p:ext>
     </p:extLst>
   </p:cSld>
@@ -8207,8 +8289,8 @@
         </p:nvSpPr>
         <p:spPr>
           <a:xfrm>
-            <a:off x="838199" y="2172928"/>
-            <a:ext cx="9977285" cy="4411085"/>
+            <a:off x="838199" y="2374316"/>
+            <a:ext cx="10515600" cy="3224383"/>
           </a:xfrm>
         </p:spPr>
         <p:txBody>
@@ -8220,7 +8302,7 @@
             <a:pPr algn="just"/>
             <a:r>
               <a:rPr lang="pt-BR" sz="3200" dirty="0"/>
-              <a:t>Cada vez que o cliente faz uma solicitação ao servidor, o servidor localiza a memória da sessão usando o ID de referência do cliente e encontra as informações de autenticação.</a:t>
+              <a:t>A autenticação stateful é comumente usada em muitas aplicações, especialmente para as que não exigem muita escalabilidade.</a:t>
             </a:r>
           </a:p>
           <a:p>
@@ -8231,7 +8313,7 @@
             <a:pPr algn="just"/>
             <a:r>
               <a:rPr lang="pt-BR" sz="3200" dirty="0"/>
-              <a:t>Nesse modelo, você pode facilmente imaginar que se a memória da sessão for excluída no lado do </a:t>
+              <a:t>A sessão com estado é criada no lado do </a:t>
             </a:r>
             <a:r>
               <a:rPr lang="pt-BR" sz="3200" dirty="0" err="1"/>
@@ -8239,7 +8321,7 @@
             </a:r>
             <a:r>
               <a:rPr lang="pt-BR" sz="3200" dirty="0"/>
-              <a:t>, o ID de referência da sessão que o cliente está segurando não terá mais sentido, bloqueando seu acesso. </a:t>
+              <a:t> e a ID de referência da sessão correspondente é enviada ao cliente. </a:t>
             </a:r>
           </a:p>
         </p:txBody>
@@ -8247,7 +8329,7 @@
     </p:spTree>
     <p:extLst>
       <p:ext uri="{BB962C8B-B14F-4D97-AF65-F5344CB8AC3E}">
-        <p14:creationId xmlns:p14="http://schemas.microsoft.com/office/powerpoint/2010/main" val="1258930430"/>
+        <p14:creationId xmlns:p14="http://schemas.microsoft.com/office/powerpoint/2010/main" val="2423187644"/>
       </p:ext>
     </p:extLst>
   </p:cSld>
@@ -8276,127 +8358,6 @@
       </p:grpSpPr>
       <p:sp>
         <p:nvSpPr>
-          <p:cNvPr id="3" name="Espaço Reservado para Conteúdo 2">
-            <a:extLst>
-              <a:ext uri="{FF2B5EF4-FFF2-40B4-BE49-F238E27FC236}">
-                <a16:creationId xmlns:a16="http://schemas.microsoft.com/office/drawing/2014/main" id="{58FCE168-5451-49F3-82A9-B851BCEF6B1F}"/>
-              </a:ext>
-            </a:extLst>
-          </p:cNvPr>
-          <p:cNvSpPr>
-            <a:spLocks noGrp="1"/>
-          </p:cNvSpPr>
-          <p:nvPr>
-            <p:ph idx="1"/>
-          </p:nvPr>
-        </p:nvSpPr>
-        <p:spPr>
-          <a:xfrm>
-            <a:off x="1054509" y="2124909"/>
-            <a:ext cx="9866672" cy="4149213"/>
-          </a:xfrm>
-        </p:spPr>
-        <p:txBody>
-          <a:bodyPr>
-            <a:noAutofit/>
-          </a:bodyPr>
-          <a:lstStyle/>
-          <a:p>
-            <a:pPr algn="just">
-              <a:spcBef>
-                <a:spcPts val="0"/>
-              </a:spcBef>
-            </a:pPr>
-            <a:r>
-              <a:rPr lang="pt-BR" sz="2600" dirty="0">
-                <a:latin typeface="Calibri"/>
-                <a:ea typeface="Calibri"/>
-                <a:cs typeface="Calibri"/>
-                <a:sym typeface="Calibri"/>
-              </a:rPr>
-              <a:t>Os tokens de acesso opacos são tokens em um formato proprietário, em que não é possível acessar, e, normalmente, contêm algum identificador para acessar informações persistidas em algum servidor de armazenamento.</a:t>
-            </a:r>
-          </a:p>
-          <a:p>
-            <a:pPr algn="just">
-              <a:spcBef>
-                <a:spcPts val="0"/>
-              </a:spcBef>
-            </a:pPr>
-            <a:endParaRPr lang="pt-BR" sz="2600" dirty="0">
-              <a:latin typeface="Calibri"/>
-              <a:ea typeface="Calibri"/>
-              <a:cs typeface="Calibri"/>
-              <a:sym typeface="Calibri"/>
-            </a:endParaRPr>
-          </a:p>
-          <a:p>
-            <a:pPr algn="just">
-              <a:spcBef>
-                <a:spcPts val="0"/>
-              </a:spcBef>
-            </a:pPr>
-            <a:r>
-              <a:rPr lang="pt-BR" sz="2600" dirty="0">
-                <a:latin typeface="Calibri"/>
-                <a:ea typeface="Calibri"/>
-                <a:cs typeface="Calibri"/>
-                <a:sym typeface="Calibri"/>
-              </a:rPr>
-              <a:t> Para validar um token opaco, o destinatário do token precisa chamar o servidor que emitiu o token através de uma chamada HTTP.</a:t>
-            </a:r>
-          </a:p>
-          <a:p>
-            <a:pPr algn="just">
-              <a:spcBef>
-                <a:spcPts val="0"/>
-              </a:spcBef>
-            </a:pPr>
-            <a:endParaRPr lang="pt-BR" sz="2600" dirty="0">
-              <a:latin typeface="Calibri"/>
-              <a:ea typeface="Calibri"/>
-              <a:cs typeface="Calibri"/>
-              <a:sym typeface="Calibri"/>
-            </a:endParaRPr>
-          </a:p>
-          <a:p>
-            <a:pPr algn="just">
-              <a:spcBef>
-                <a:spcPts val="0"/>
-              </a:spcBef>
-            </a:pPr>
-            <a:r>
-              <a:rPr lang="pt-BR" sz="2600" dirty="0">
-                <a:latin typeface="Calibri"/>
-                <a:ea typeface="Calibri"/>
-                <a:cs typeface="Calibri"/>
-                <a:sym typeface="Calibri"/>
-              </a:rPr>
-              <a:t>Exemplo de um token opaco: </a:t>
-            </a:r>
-            <a:r>
-              <a:rPr lang="pt-BR" sz="2600" b="1" dirty="0">
-                <a:latin typeface="Calibri"/>
-                <a:ea typeface="Calibri"/>
-                <a:cs typeface="Calibri"/>
-                <a:sym typeface="Calibri"/>
-              </a:rPr>
-              <a:t>851636fe-e214-4237-abff-e765832de4ea</a:t>
-            </a:r>
-            <a:r>
-              <a:rPr lang="pt-BR" sz="2600" dirty="0">
-                <a:latin typeface="Calibri"/>
-                <a:ea typeface="Calibri"/>
-                <a:cs typeface="Calibri"/>
-                <a:sym typeface="Calibri"/>
-              </a:rPr>
-              <a:t> (apenas um UUID simples que representa uma sessão de usuário)</a:t>
-            </a:r>
-          </a:p>
-        </p:txBody>
-      </p:sp>
-      <p:sp>
-        <p:nvSpPr>
           <p:cNvPr id="4" name="Título 1">
             <a:extLst>
               <a:ext uri="{FF2B5EF4-FFF2-40B4-BE49-F238E27FC236}">
@@ -8412,7 +8373,7 @@
         <p:spPr>
           <a:xfrm>
             <a:off x="2295832" y="273986"/>
-            <a:ext cx="9178413" cy="1599777"/>
+            <a:ext cx="7600335" cy="1599777"/>
           </a:xfrm>
           <a:prstGeom prst="rect">
             <a:avLst/>
@@ -8443,10 +8404,9 @@
           </a:lstStyle>
           <a:p>
             <a:r>
-              <a:rPr lang="pt-BR" sz="4400" dirty="0"/>
-              <a:t>O Token Opaco da Autenticação Stateful</a:t>
-            </a:r>
-            <a:endParaRPr lang="pt-BR" dirty="0"/>
+              <a:rPr lang="pt-BR" dirty="0"/>
+              <a:t>Autenticação Stateful</a:t>
+            </a:r>
           </a:p>
         </p:txBody>
       </p:sp>
@@ -8522,10 +8482,65 @@
           </a:prstGeom>
         </p:spPr>
       </p:pic>
+      <p:sp>
+        <p:nvSpPr>
+          <p:cNvPr id="6" name="Espaço Reservado para Conteúdo 5">
+            <a:extLst>
+              <a:ext uri="{FF2B5EF4-FFF2-40B4-BE49-F238E27FC236}">
+                <a16:creationId xmlns:a16="http://schemas.microsoft.com/office/drawing/2014/main" id="{9307AD5B-1E7D-0262-99B4-CB59AB84E2A5}"/>
+              </a:ext>
+            </a:extLst>
+          </p:cNvPr>
+          <p:cNvSpPr>
+            <a:spLocks noGrp="1"/>
+          </p:cNvSpPr>
+          <p:nvPr>
+            <p:ph idx="1"/>
+          </p:nvPr>
+        </p:nvSpPr>
+        <p:spPr>
+          <a:xfrm>
+            <a:off x="838199" y="2172928"/>
+            <a:ext cx="9977285" cy="4411085"/>
+          </a:xfrm>
+        </p:spPr>
+        <p:txBody>
+          <a:bodyPr>
+            <a:noAutofit/>
+          </a:bodyPr>
+          <a:lstStyle/>
+          <a:p>
+            <a:pPr algn="just"/>
+            <a:r>
+              <a:rPr lang="pt-BR" sz="3200" dirty="0"/>
+              <a:t>Cada vez que o cliente faz uma solicitação ao servidor, o servidor localiza a memória da sessão usando o ID de referência do cliente e encontra as informações de autenticação.</a:t>
+            </a:r>
+          </a:p>
+          <a:p>
+            <a:pPr algn="just"/>
+            <a:endParaRPr lang="pt-BR" sz="3200" dirty="0"/>
+          </a:p>
+          <a:p>
+            <a:pPr algn="just"/>
+            <a:r>
+              <a:rPr lang="pt-BR" sz="3200" dirty="0"/>
+              <a:t>Nesse modelo, você pode facilmente imaginar que se a memória da sessão for excluída no lado do </a:t>
+            </a:r>
+            <a:r>
+              <a:rPr lang="pt-BR" sz="3200" dirty="0" err="1"/>
+              <a:t>back-end</a:t>
+            </a:r>
+            <a:r>
+              <a:rPr lang="pt-BR" sz="3200" dirty="0"/>
+              <a:t>, o ID de referência da sessão que o cliente está segurando não terá mais sentido, bloqueando seu acesso. </a:t>
+            </a:r>
+          </a:p>
+        </p:txBody>
+      </p:sp>
     </p:spTree>
     <p:extLst>
       <p:ext uri="{BB962C8B-B14F-4D97-AF65-F5344CB8AC3E}">
-        <p14:creationId xmlns:p14="http://schemas.microsoft.com/office/powerpoint/2010/main" val="3808055776"/>
+        <p14:creationId xmlns:p14="http://schemas.microsoft.com/office/powerpoint/2010/main" val="1258930430"/>
       </p:ext>
     </p:extLst>
   </p:cSld>
@@ -8570,8 +8585,8 @@
         </p:nvSpPr>
         <p:spPr>
           <a:xfrm>
-            <a:off x="1007806" y="2172929"/>
-            <a:ext cx="10176387" cy="3796739"/>
+            <a:off x="1054509" y="2124909"/>
+            <a:ext cx="9866672" cy="4149213"/>
           </a:xfrm>
         </p:spPr>
         <p:txBody>
@@ -8586,47 +8601,13 @@
               </a:spcBef>
             </a:pPr>
             <a:r>
-              <a:rPr lang="pt-BR" sz="2400" dirty="0">
+              <a:rPr lang="pt-BR" sz="2600" dirty="0">
                 <a:latin typeface="Calibri"/>
                 <a:ea typeface="Calibri"/>
                 <a:cs typeface="Calibri"/>
                 <a:sym typeface="Calibri"/>
               </a:rPr>
-              <a:t>Um </a:t>
-            </a:r>
-            <a:r>
-              <a:rPr lang="pt-BR" sz="2400" dirty="0"/>
-              <a:t>Token Opaco </a:t>
-            </a:r>
-            <a:r>
-              <a:rPr lang="pt-BR" sz="2400" dirty="0">
-                <a:sym typeface="Calibri"/>
-              </a:rPr>
-              <a:t>é nada mais, nada menos, que uma </a:t>
-            </a:r>
-            <a:r>
-              <a:rPr lang="pt-BR" sz="2400" dirty="0" err="1">
-                <a:sym typeface="Calibri"/>
-              </a:rPr>
-              <a:t>String</a:t>
-            </a:r>
-            <a:r>
-              <a:rPr lang="pt-BR" sz="2400" dirty="0">
-                <a:sym typeface="Calibri"/>
-              </a:rPr>
-              <a:t> simples que não possui um significado legível e que não possui nenhuma maneira de obter seus dados a partir da própria </a:t>
-            </a:r>
-            <a:r>
-              <a:rPr lang="pt-BR" sz="2400" dirty="0" err="1">
-                <a:sym typeface="Calibri"/>
-              </a:rPr>
-              <a:t>String</a:t>
-            </a:r>
-            <a:r>
-              <a:rPr lang="pt-BR" sz="2400" dirty="0">
-                <a:sym typeface="Calibri"/>
-              </a:rPr>
-              <a:t>, por isto o nome opaco.</a:t>
+              <a:t>Os tokens de acesso opacos são tokens em um formato proprietário, em que não é possível acessar, e, normalmente, contêm algum identificador para acessar informações persistidas em algum servidor de armazenamento.</a:t>
             </a:r>
           </a:p>
           <a:p>
@@ -8635,10 +8616,7 @@
                 <a:spcPts val="0"/>
               </a:spcBef>
             </a:pPr>
-            <a:endParaRPr lang="pt-BR" sz="2400" dirty="0">
-              <a:solidFill>
-                <a:srgbClr val="00B050"/>
-              </a:solidFill>
+            <a:endParaRPr lang="pt-BR" sz="2600" dirty="0">
               <a:latin typeface="Calibri"/>
               <a:ea typeface="Calibri"/>
               <a:cs typeface="Calibri"/>
@@ -8652,13 +8630,13 @@
               </a:spcBef>
             </a:pPr>
             <a:r>
-              <a:rPr lang="pt-BR" sz="2400" dirty="0">
+              <a:rPr lang="pt-BR" sz="2600" dirty="0">
                 <a:latin typeface="Calibri"/>
                 <a:ea typeface="Calibri"/>
                 <a:cs typeface="Calibri"/>
                 <a:sym typeface="Calibri"/>
               </a:rPr>
-              <a:t>Pode ser entendido como um ID, geralmente no formato UUID.</a:t>
+              <a:t> Para validar um token opaco, o destinatário do token precisa chamar o servidor que emitiu o token através de uma chamada HTTP.</a:t>
             </a:r>
           </a:p>
           <a:p>
@@ -8667,7 +8645,7 @@
                 <a:spcPts val="0"/>
               </a:spcBef>
             </a:pPr>
-            <a:endParaRPr lang="pt-BR" sz="2400" dirty="0">
+            <a:endParaRPr lang="pt-BR" sz="2600" dirty="0">
               <a:latin typeface="Calibri"/>
               <a:ea typeface="Calibri"/>
               <a:cs typeface="Calibri"/>
@@ -8681,42 +8659,31 @@
               </a:spcBef>
             </a:pPr>
             <a:r>
-              <a:rPr lang="pt-BR" sz="2400" dirty="0">
+              <a:rPr lang="pt-BR" sz="2600" dirty="0">
                 <a:latin typeface="Calibri"/>
                 <a:ea typeface="Calibri"/>
                 <a:cs typeface="Calibri"/>
                 <a:sym typeface="Calibri"/>
               </a:rPr>
-              <a:t>O usuário envia ao servidor de autenticação seus dados de acesso, e, caso estejam corretos, o servidor gera um ID de identificação (o próprio token).</a:t>
-            </a:r>
-          </a:p>
-          <a:p>
-            <a:pPr algn="just">
-              <a:spcBef>
-                <a:spcPts val="0"/>
-              </a:spcBef>
-            </a:pPr>
-            <a:endParaRPr lang="pt-BR" sz="2400" dirty="0">
-              <a:latin typeface="Calibri"/>
-              <a:ea typeface="Calibri"/>
-              <a:cs typeface="Calibri"/>
-              <a:sym typeface="Calibri"/>
-            </a:endParaRPr>
-          </a:p>
-          <a:p>
-            <a:pPr algn="just">
-              <a:spcBef>
-                <a:spcPts val="0"/>
-              </a:spcBef>
-            </a:pPr>
-            <a:r>
-              <a:rPr lang="pt-BR" sz="2400" dirty="0">
+              <a:t>Exemplo de um token opaco: </a:t>
+            </a:r>
+            <a:r>
+              <a:rPr lang="pt-BR" sz="2600" b="1" dirty="0">
                 <a:latin typeface="Calibri"/>
                 <a:ea typeface="Calibri"/>
                 <a:cs typeface="Calibri"/>
                 <a:sym typeface="Calibri"/>
               </a:rPr>
-              <a:t>Esse ID é armazenado em alguma base de dados junto ao usuário dono do token.</a:t>
+              <a:t>851636fe-e214-4237-abff-e765832de4ea</a:t>
+            </a:r>
+            <a:r>
+              <a:rPr lang="pt-BR" sz="2600" dirty="0">
+                <a:latin typeface="Calibri"/>
+                <a:ea typeface="Calibri"/>
+                <a:cs typeface="Calibri"/>
+                <a:sym typeface="Calibri"/>
+              </a:rPr>
+              <a:t> (apenas um UUID simples que representa uma sessão de usuário)</a:t>
             </a:r>
           </a:p>
         </p:txBody>
@@ -8738,7 +8705,7 @@
         <p:spPr>
           <a:xfrm>
             <a:off x="2295832" y="273986"/>
-            <a:ext cx="9119420" cy="1599777"/>
+            <a:ext cx="9178413" cy="1599777"/>
           </a:xfrm>
           <a:prstGeom prst="rect">
             <a:avLst/>
@@ -8770,7 +8737,7 @@
           <a:p>
             <a:r>
               <a:rPr lang="pt-BR" sz="4400" dirty="0"/>
-              <a:t>Como funciona um Token Opaco?</a:t>
+              <a:t>O Token Opaco da Autenticação Stateful</a:t>
             </a:r>
             <a:endParaRPr lang="pt-BR" dirty="0"/>
           </a:p>
@@ -8851,7 +8818,7 @@
     </p:spTree>
     <p:extLst>
       <p:ext uri="{BB962C8B-B14F-4D97-AF65-F5344CB8AC3E}">
-        <p14:creationId xmlns:p14="http://schemas.microsoft.com/office/powerpoint/2010/main" val="1168679010"/>
+        <p14:creationId xmlns:p14="http://schemas.microsoft.com/office/powerpoint/2010/main" val="3808055776"/>
       </p:ext>
     </p:extLst>
   </p:cSld>
@@ -8896,8 +8863,8 @@
         </p:nvSpPr>
         <p:spPr>
           <a:xfrm>
-            <a:off x="1037303" y="2172929"/>
-            <a:ext cx="10117394" cy="3698417"/>
+            <a:off x="1007806" y="2172929"/>
+            <a:ext cx="10176387" cy="3796739"/>
           </a:xfrm>
         </p:spPr>
         <p:txBody>
@@ -8918,17 +8885,65 @@
                 <a:cs typeface="Calibri"/>
                 <a:sym typeface="Calibri"/>
               </a:rPr>
-              <a:t>Recomenda-se a utilização do Redis (banco </a:t>
-            </a:r>
-            <a:r>
-              <a:rPr lang="pt-BR" sz="2400" dirty="0" err="1">
-                <a:latin typeface="Calibri"/>
-                <a:ea typeface="Calibri"/>
-                <a:cs typeface="Calibri"/>
+              <a:t>Um </a:t>
+            </a:r>
+            <a:r>
+              <a:rPr lang="pt-BR" sz="2400" dirty="0"/>
+              <a:t>Token Opaco </a:t>
+            </a:r>
+            <a:r>
+              <a:rPr lang="pt-BR" sz="2400" dirty="0">
                 <a:sym typeface="Calibri"/>
               </a:rPr>
-              <a:t>NoSQL</a:t>
-            </a:r>
+              <a:t>é nada mais, nada menos, que uma </a:t>
+            </a:r>
+            <a:r>
+              <a:rPr lang="pt-BR" sz="2400" dirty="0" err="1">
+                <a:sym typeface="Calibri"/>
+              </a:rPr>
+              <a:t>String</a:t>
+            </a:r>
+            <a:r>
+              <a:rPr lang="pt-BR" sz="2400" dirty="0">
+                <a:sym typeface="Calibri"/>
+              </a:rPr>
+              <a:t> simples que não possui um significado legível e que não possui nenhuma maneira de obter seus dados a partir da própria </a:t>
+            </a:r>
+            <a:r>
+              <a:rPr lang="pt-BR" sz="2400" dirty="0" err="1">
+                <a:sym typeface="Calibri"/>
+              </a:rPr>
+              <a:t>String</a:t>
+            </a:r>
+            <a:r>
+              <a:rPr lang="pt-BR" sz="2400" dirty="0">
+                <a:sym typeface="Calibri"/>
+              </a:rPr>
+              <a:t>, por isto o nome opaco.</a:t>
+            </a:r>
+          </a:p>
+          <a:p>
+            <a:pPr algn="just">
+              <a:spcBef>
+                <a:spcPts val="0"/>
+              </a:spcBef>
+            </a:pPr>
+            <a:endParaRPr lang="pt-BR" sz="2400" dirty="0">
+              <a:solidFill>
+                <a:srgbClr val="00B050"/>
+              </a:solidFill>
+              <a:latin typeface="Calibri"/>
+              <a:ea typeface="Calibri"/>
+              <a:cs typeface="Calibri"/>
+              <a:sym typeface="Calibri"/>
+            </a:endParaRPr>
+          </a:p>
+          <a:p>
+            <a:pPr algn="just">
+              <a:spcBef>
+                <a:spcPts val="0"/>
+              </a:spcBef>
+            </a:pPr>
             <a:r>
               <a:rPr lang="pt-BR" sz="2400" dirty="0">
                 <a:latin typeface="Calibri"/>
@@ -8936,7 +8951,7 @@
                 <a:cs typeface="Calibri"/>
                 <a:sym typeface="Calibri"/>
               </a:rPr>
-              <a:t> chave/valor) por ser extremamente performático para este tipo de consulta. Porém, é possível também armazenar em memória, embora não seja recomendado para aplicações grandes e com muitos usuários.</a:t>
+              <a:t>Pode ser entendido como um ID, geralmente no formato UUID.</a:t>
             </a:r>
           </a:p>
           <a:p>
@@ -8965,7 +8980,7 @@
                 <a:cs typeface="Calibri"/>
                 <a:sym typeface="Calibri"/>
               </a:rPr>
-              <a:t>Para cada requisição que o usuário fizer ao servidor, deve ser enviado um token no header da aplicação.</a:t>
+              <a:t>O usuário envia ao servidor de autenticação seus dados de acesso, e, caso estejam corretos, o servidor gera um ID de identificação (o próprio token).</a:t>
             </a:r>
           </a:p>
           <a:p>
@@ -8994,7 +9009,7 @@
                 <a:cs typeface="Calibri"/>
                 <a:sym typeface="Calibri"/>
               </a:rPr>
-              <a:t>O servidor irá buscar esse token no Redis ou qualquer outra base de dados salva, e esse token estará vinculado ao usuário responsável pelo token, possibilitando assim a identificação do usuário autenticado.</a:t>
+              <a:t>Esse ID é armazenado em alguma base de dados junto ao usuário dono do token.</a:t>
             </a:r>
           </a:p>
         </p:txBody>
@@ -9129,7 +9144,7 @@
     </p:spTree>
     <p:extLst>
       <p:ext uri="{BB962C8B-B14F-4D97-AF65-F5344CB8AC3E}">
-        <p14:creationId xmlns:p14="http://schemas.microsoft.com/office/powerpoint/2010/main" val="237264457"/>
+        <p14:creationId xmlns:p14="http://schemas.microsoft.com/office/powerpoint/2010/main" val="1168679010"/>
       </p:ext>
     </p:extLst>
   </p:cSld>
@@ -9174,13 +9189,13 @@
         </p:nvSpPr>
         <p:spPr>
           <a:xfrm>
-            <a:off x="1159608" y="2172929"/>
-            <a:ext cx="9571704" cy="4100051"/>
+            <a:off x="1037303" y="2172929"/>
+            <a:ext cx="10117394" cy="3698417"/>
           </a:xfrm>
         </p:spPr>
         <p:txBody>
           <a:bodyPr>
-            <a:normAutofit fontScale="92500" lnSpcReduction="20000"/>
+            <a:noAutofit/>
           </a:bodyPr>
           <a:lstStyle/>
           <a:p>
@@ -9190,13 +9205,31 @@
               </a:spcBef>
             </a:pPr>
             <a:r>
-              <a:rPr lang="pt-BR" sz="3200" dirty="0">
+              <a:rPr lang="pt-BR" sz="2400" dirty="0">
                 <a:latin typeface="Calibri"/>
                 <a:ea typeface="Calibri"/>
                 <a:cs typeface="Calibri"/>
                 <a:sym typeface="Calibri"/>
               </a:rPr>
-              <a:t>Lógica de implementação apenas em um local.</a:t>
+              <a:t>Recomenda-se a utilização do Redis (banco </a:t>
+            </a:r>
+            <a:r>
+              <a:rPr lang="pt-BR" sz="2400" dirty="0" err="1">
+                <a:latin typeface="Calibri"/>
+                <a:ea typeface="Calibri"/>
+                <a:cs typeface="Calibri"/>
+                <a:sym typeface="Calibri"/>
+              </a:rPr>
+              <a:t>NoSQL</a:t>
+            </a:r>
+            <a:r>
+              <a:rPr lang="pt-BR" sz="2400" dirty="0">
+                <a:latin typeface="Calibri"/>
+                <a:ea typeface="Calibri"/>
+                <a:cs typeface="Calibri"/>
+                <a:sym typeface="Calibri"/>
+              </a:rPr>
+              <a:t> chave/valor) por ser extremamente performático para este tipo de consulta. Porém, é possível também armazenar em memória, embora não seja recomendado para aplicações grandes e com muitos usuários.</a:t>
             </a:r>
           </a:p>
           <a:p>
@@ -9205,7 +9238,7 @@
                 <a:spcPts val="0"/>
               </a:spcBef>
             </a:pPr>
-            <a:endParaRPr lang="pt-BR" sz="3200" dirty="0">
+            <a:endParaRPr lang="pt-BR" sz="2400" dirty="0">
               <a:latin typeface="Calibri"/>
               <a:ea typeface="Calibri"/>
               <a:cs typeface="Calibri"/>
@@ -9219,13 +9252,13 @@
               </a:spcBef>
             </a:pPr>
             <a:r>
-              <a:rPr lang="pt-BR" sz="3200" dirty="0">
+              <a:rPr lang="pt-BR" sz="2400" dirty="0">
                 <a:latin typeface="Calibri"/>
                 <a:ea typeface="Calibri"/>
                 <a:cs typeface="Calibri"/>
                 <a:sym typeface="Calibri"/>
               </a:rPr>
-              <a:t>Gestão e controle de acessos simplificados.</a:t>
+              <a:t>Para cada requisição que o usuário fizer ao servidor, deve ser enviado um token no header da aplicação.</a:t>
             </a:r>
           </a:p>
           <a:p>
@@ -9234,7 +9267,7 @@
                 <a:spcPts val="0"/>
               </a:spcBef>
             </a:pPr>
-            <a:endParaRPr lang="pt-BR" sz="3200" dirty="0">
+            <a:endParaRPr lang="pt-BR" sz="2400" dirty="0">
               <a:latin typeface="Calibri"/>
               <a:ea typeface="Calibri"/>
               <a:cs typeface="Calibri"/>
@@ -9248,71 +9281,13 @@
               </a:spcBef>
             </a:pPr>
             <a:r>
-              <a:rPr lang="pt-BR" sz="3200" dirty="0">
+              <a:rPr lang="pt-BR" sz="2400" dirty="0">
                 <a:latin typeface="Calibri"/>
                 <a:ea typeface="Calibri"/>
                 <a:cs typeface="Calibri"/>
                 <a:sym typeface="Calibri"/>
               </a:rPr>
-              <a:t>Excelente para aplicações MVC, monolíticas, processos internos.</a:t>
-            </a:r>
-          </a:p>
-          <a:p>
-            <a:pPr algn="just">
-              <a:spcBef>
-                <a:spcPts val="0"/>
-              </a:spcBef>
-            </a:pPr>
-            <a:endParaRPr lang="pt-BR" sz="3200" dirty="0">
-              <a:latin typeface="Calibri"/>
-              <a:ea typeface="Calibri"/>
-              <a:cs typeface="Calibri"/>
-              <a:sym typeface="Calibri"/>
-            </a:endParaRPr>
-          </a:p>
-          <a:p>
-            <a:pPr algn="just">
-              <a:spcBef>
-                <a:spcPts val="0"/>
-              </a:spcBef>
-            </a:pPr>
-            <a:r>
-              <a:rPr lang="pt-BR" sz="3200" dirty="0">
-                <a:latin typeface="Calibri"/>
-                <a:ea typeface="Calibri"/>
-                <a:cs typeface="Calibri"/>
-                <a:sym typeface="Calibri"/>
-              </a:rPr>
-              <a:t>Maior complexidade de tentativas de autenticação por fora da aplicação.</a:t>
-            </a:r>
-          </a:p>
-          <a:p>
-            <a:pPr algn="just">
-              <a:spcBef>
-                <a:spcPts val="0"/>
-              </a:spcBef>
-            </a:pPr>
-            <a:endParaRPr lang="pt-BR" sz="3200" dirty="0">
-              <a:latin typeface="Calibri"/>
-              <a:ea typeface="Calibri"/>
-              <a:cs typeface="Calibri"/>
-              <a:sym typeface="Calibri"/>
-            </a:endParaRPr>
-          </a:p>
-          <a:p>
-            <a:pPr algn="just">
-              <a:spcBef>
-                <a:spcPts val="0"/>
-              </a:spcBef>
-            </a:pPr>
-            <a:r>
-              <a:rPr lang="pt-BR" sz="3200" dirty="0">
-                <a:latin typeface="Calibri"/>
-                <a:ea typeface="Calibri"/>
-                <a:cs typeface="Calibri"/>
-                <a:sym typeface="Calibri"/>
-              </a:rPr>
-              <a:t>Terceiros mal-intencionados possuem maior dificuldade para encontrar brechas de segurança.</a:t>
+              <a:t>O servidor irá buscar esse token no Redis ou qualquer outra base de dados salva, e esse token estará vinculado ao usuário responsável pelo token, possibilitando assim a identificação do usuário autenticado.</a:t>
             </a:r>
           </a:p>
         </p:txBody>
@@ -9333,8 +9308,8 @@
         </p:nvSpPr>
         <p:spPr>
           <a:xfrm>
-            <a:off x="2295831" y="273986"/>
-            <a:ext cx="8962103" cy="1599777"/>
+            <a:off x="2295832" y="273986"/>
+            <a:ext cx="9119420" cy="1599777"/>
           </a:xfrm>
           <a:prstGeom prst="rect">
             <a:avLst/>
@@ -9366,7 +9341,7 @@
           <a:p>
             <a:r>
               <a:rPr lang="pt-BR" sz="4400" dirty="0"/>
-              <a:t>Vantagens do uso de um Token Opaco</a:t>
+              <a:t>Como funciona um Token Opaco?</a:t>
             </a:r>
             <a:endParaRPr lang="pt-BR" dirty="0"/>
           </a:p>
@@ -9447,7 +9422,7 @@
     </p:spTree>
     <p:extLst>
       <p:ext uri="{BB962C8B-B14F-4D97-AF65-F5344CB8AC3E}">
-        <p14:creationId xmlns:p14="http://schemas.microsoft.com/office/powerpoint/2010/main" val="1314314096"/>
+        <p14:creationId xmlns:p14="http://schemas.microsoft.com/office/powerpoint/2010/main" val="237264457"/>
       </p:ext>
     </p:extLst>
   </p:cSld>
@@ -9492,21 +9467,20 @@
         </p:nvSpPr>
         <p:spPr>
           <a:xfrm>
-            <a:off x="1080950" y="2678632"/>
-            <a:ext cx="9571704" cy="2512143"/>
+            <a:off x="1159608" y="2172929"/>
+            <a:ext cx="9571704" cy="4100051"/>
           </a:xfrm>
         </p:spPr>
         <p:txBody>
           <a:bodyPr>
-            <a:normAutofit/>
+            <a:normAutofit fontScale="92500" lnSpcReduction="20000"/>
           </a:bodyPr>
           <a:lstStyle/>
           <a:p>
-            <a:pPr marL="0" indent="0" algn="just">
+            <a:pPr algn="just">
               <a:spcBef>
                 <a:spcPts val="0"/>
               </a:spcBef>
-              <a:buNone/>
             </a:pPr>
             <a:r>
               <a:rPr lang="pt-BR" sz="3200" dirty="0">
@@ -9515,17 +9489,28 @@
                 <a:cs typeface="Calibri"/>
                 <a:sym typeface="Calibri"/>
               </a:rPr>
-              <a:t>A facilidade em controlar acessos é definida pelo pressuposto de que os dados do usuário estão em algum sistema de armazenamento (</a:t>
-            </a:r>
-            <a:r>
-              <a:rPr lang="pt-BR" sz="3200" dirty="0" err="1">
-                <a:latin typeface="Calibri"/>
-                <a:ea typeface="Calibri"/>
-                <a:cs typeface="Calibri"/>
-                <a:sym typeface="Calibri"/>
-              </a:rPr>
-              <a:t>ex</a:t>
-            </a:r>
+              <a:t>Lógica de implementação apenas em um local.</a:t>
+            </a:r>
+          </a:p>
+          <a:p>
+            <a:pPr algn="just">
+              <a:spcBef>
+                <a:spcPts val="0"/>
+              </a:spcBef>
+            </a:pPr>
+            <a:endParaRPr lang="pt-BR" sz="3200" dirty="0">
+              <a:latin typeface="Calibri"/>
+              <a:ea typeface="Calibri"/>
+              <a:cs typeface="Calibri"/>
+              <a:sym typeface="Calibri"/>
+            </a:endParaRPr>
+          </a:p>
+          <a:p>
+            <a:pPr algn="just">
+              <a:spcBef>
+                <a:spcPts val="0"/>
+              </a:spcBef>
+            </a:pPr>
             <a:r>
               <a:rPr lang="pt-BR" sz="3200" dirty="0">
                 <a:latin typeface="Calibri"/>
@@ -9533,17 +9518,28 @@
                 <a:cs typeface="Calibri"/>
                 <a:sym typeface="Calibri"/>
               </a:rPr>
-              <a:t>: Redis, </a:t>
-            </a:r>
-            <a:r>
-              <a:rPr lang="pt-BR" sz="3200" dirty="0" err="1">
-                <a:latin typeface="Calibri"/>
-                <a:ea typeface="Calibri"/>
-                <a:cs typeface="Calibri"/>
-                <a:sym typeface="Calibri"/>
-              </a:rPr>
-              <a:t>MongoDB</a:t>
-            </a:r>
+              <a:t>Gestão e controle de acessos simplificados.</a:t>
+            </a:r>
+          </a:p>
+          <a:p>
+            <a:pPr algn="just">
+              <a:spcBef>
+                <a:spcPts val="0"/>
+              </a:spcBef>
+            </a:pPr>
+            <a:endParaRPr lang="pt-BR" sz="3200" dirty="0">
+              <a:latin typeface="Calibri"/>
+              <a:ea typeface="Calibri"/>
+              <a:cs typeface="Calibri"/>
+              <a:sym typeface="Calibri"/>
+            </a:endParaRPr>
+          </a:p>
+          <a:p>
+            <a:pPr algn="just">
+              <a:spcBef>
+                <a:spcPts val="0"/>
+              </a:spcBef>
+            </a:pPr>
             <a:r>
               <a:rPr lang="pt-BR" sz="3200" dirty="0">
                 <a:latin typeface="Calibri"/>
@@ -9551,17 +9547,28 @@
                 <a:cs typeface="Calibri"/>
                 <a:sym typeface="Calibri"/>
               </a:rPr>
-              <a:t>, </a:t>
-            </a:r>
-            <a:r>
-              <a:rPr lang="pt-BR" sz="3200" dirty="0" err="1">
-                <a:latin typeface="Calibri"/>
-                <a:ea typeface="Calibri"/>
-                <a:cs typeface="Calibri"/>
-                <a:sym typeface="Calibri"/>
-              </a:rPr>
-              <a:t>SGBDs</a:t>
-            </a:r>
+              <a:t>Excelente para aplicações MVC, monolíticas, processos internos.</a:t>
+            </a:r>
+          </a:p>
+          <a:p>
+            <a:pPr algn="just">
+              <a:spcBef>
+                <a:spcPts val="0"/>
+              </a:spcBef>
+            </a:pPr>
+            <a:endParaRPr lang="pt-BR" sz="3200" dirty="0">
+              <a:latin typeface="Calibri"/>
+              <a:ea typeface="Calibri"/>
+              <a:cs typeface="Calibri"/>
+              <a:sym typeface="Calibri"/>
+            </a:endParaRPr>
+          </a:p>
+          <a:p>
+            <a:pPr algn="just">
+              <a:spcBef>
+                <a:spcPts val="0"/>
+              </a:spcBef>
+            </a:pPr>
             <a:r>
               <a:rPr lang="pt-BR" sz="3200" dirty="0">
                 <a:latin typeface="Calibri"/>
@@ -9569,17 +9576,28 @@
                 <a:cs typeface="Calibri"/>
                 <a:sym typeface="Calibri"/>
               </a:rPr>
-              <a:t>, </a:t>
-            </a:r>
-            <a:r>
-              <a:rPr lang="pt-BR" sz="3200" dirty="0" err="1">
-                <a:latin typeface="Calibri"/>
-                <a:ea typeface="Calibri"/>
-                <a:cs typeface="Calibri"/>
-                <a:sym typeface="Calibri"/>
-              </a:rPr>
-              <a:t>etc</a:t>
-            </a:r>
+              <a:t>Maior complexidade de tentativas de autenticação por fora da aplicação.</a:t>
+            </a:r>
+          </a:p>
+          <a:p>
+            <a:pPr algn="just">
+              <a:spcBef>
+                <a:spcPts val="0"/>
+              </a:spcBef>
+            </a:pPr>
+            <a:endParaRPr lang="pt-BR" sz="3200" dirty="0">
+              <a:latin typeface="Calibri"/>
+              <a:ea typeface="Calibri"/>
+              <a:cs typeface="Calibri"/>
+              <a:sym typeface="Calibri"/>
+            </a:endParaRPr>
+          </a:p>
+          <a:p>
+            <a:pPr algn="just">
+              <a:spcBef>
+                <a:spcPts val="0"/>
+              </a:spcBef>
+            </a:pPr>
             <a:r>
               <a:rPr lang="pt-BR" sz="3200" dirty="0">
                 <a:latin typeface="Calibri"/>
@@ -9587,7 +9605,7 @@
                 <a:cs typeface="Calibri"/>
                 <a:sym typeface="Calibri"/>
               </a:rPr>
-              <a:t>), e não codificados no token. Neste modelo, o token é apenas um identificador.</a:t>
+              <a:t>Terceiros mal-intencionados possuem maior dificuldade para encontrar brechas de segurança.</a:t>
             </a:r>
           </a:p>
         </p:txBody>
@@ -9722,7 +9740,7 @@
     </p:spTree>
     <p:extLst>
       <p:ext uri="{BB962C8B-B14F-4D97-AF65-F5344CB8AC3E}">
-        <p14:creationId xmlns:p14="http://schemas.microsoft.com/office/powerpoint/2010/main" val="3483676463"/>
+        <p14:creationId xmlns:p14="http://schemas.microsoft.com/office/powerpoint/2010/main" val="1314314096"/>
       </p:ext>
     </p:extLst>
   </p:cSld>
@@ -9767,8 +9785,8 @@
         </p:nvSpPr>
         <p:spPr>
           <a:xfrm>
-            <a:off x="894734" y="2172929"/>
-            <a:ext cx="9954565" cy="4100051"/>
+            <a:off x="1080950" y="2678632"/>
+            <a:ext cx="9571704" cy="2512143"/>
           </a:xfrm>
         </p:spPr>
         <p:txBody>
@@ -9777,10 +9795,11 @@
           </a:bodyPr>
           <a:lstStyle/>
           <a:p>
-            <a:pPr algn="just">
+            <a:pPr marL="0" indent="0" algn="just">
               <a:spcBef>
                 <a:spcPts val="0"/>
               </a:spcBef>
+              <a:buNone/>
             </a:pPr>
             <a:r>
               <a:rPr lang="pt-BR" sz="3200" dirty="0">
@@ -9789,28 +9808,17 @@
                 <a:cs typeface="Calibri"/>
                 <a:sym typeface="Calibri"/>
               </a:rPr>
-              <a:t>Pode ocorrer estresse da API responsável por realizar a validação do token dependendo do número de serviços que necessitam validação.</a:t>
-            </a:r>
-          </a:p>
-          <a:p>
-            <a:pPr algn="just">
-              <a:spcBef>
-                <a:spcPts val="0"/>
-              </a:spcBef>
-            </a:pPr>
-            <a:endParaRPr lang="pt-BR" sz="3200" dirty="0">
-              <a:latin typeface="Calibri"/>
-              <a:ea typeface="Calibri"/>
-              <a:cs typeface="Calibri"/>
-              <a:sym typeface="Calibri"/>
-            </a:endParaRPr>
-          </a:p>
-          <a:p>
-            <a:pPr algn="just">
-              <a:spcBef>
-                <a:spcPts val="0"/>
-              </a:spcBef>
-            </a:pPr>
+              <a:t>A facilidade em controlar acessos é definida pelo pressuposto de que os dados do usuário estão em algum sistema de armazenamento (</a:t>
+            </a:r>
+            <a:r>
+              <a:rPr lang="pt-BR" sz="3200" dirty="0" err="1">
+                <a:latin typeface="Calibri"/>
+                <a:ea typeface="Calibri"/>
+                <a:cs typeface="Calibri"/>
+                <a:sym typeface="Calibri"/>
+              </a:rPr>
+              <a:t>ex</a:t>
+            </a:r>
             <a:r>
               <a:rPr lang="pt-BR" sz="3200" dirty="0">
                 <a:latin typeface="Calibri"/>
@@ -9818,28 +9826,17 @@
                 <a:cs typeface="Calibri"/>
                 <a:sym typeface="Calibri"/>
               </a:rPr>
-              <a:t>Falha no quesito escalabilidade. </a:t>
-            </a:r>
-          </a:p>
-          <a:p>
-            <a:pPr algn="just">
-              <a:spcBef>
-                <a:spcPts val="0"/>
-              </a:spcBef>
-            </a:pPr>
-            <a:endParaRPr lang="pt-BR" sz="3200" dirty="0">
-              <a:latin typeface="Calibri"/>
-              <a:ea typeface="Calibri"/>
-              <a:cs typeface="Calibri"/>
-              <a:sym typeface="Calibri"/>
-            </a:endParaRPr>
-          </a:p>
-          <a:p>
-            <a:pPr algn="just">
-              <a:spcBef>
-                <a:spcPts val="0"/>
-              </a:spcBef>
-            </a:pPr>
+              <a:t>: Redis, </a:t>
+            </a:r>
+            <a:r>
+              <a:rPr lang="pt-BR" sz="3200" dirty="0" err="1">
+                <a:latin typeface="Calibri"/>
+                <a:ea typeface="Calibri"/>
+                <a:cs typeface="Calibri"/>
+                <a:sym typeface="Calibri"/>
+              </a:rPr>
+              <a:t>MongoDB</a:t>
+            </a:r>
             <a:r>
               <a:rPr lang="pt-BR" sz="3200" dirty="0">
                 <a:latin typeface="Calibri"/>
@@ -9847,7 +9844,43 @@
                 <a:cs typeface="Calibri"/>
                 <a:sym typeface="Calibri"/>
               </a:rPr>
-              <a:t>Maior dificuldade ao distribuir a autenticação entre microsserviços.</a:t>
+              <a:t>, </a:t>
+            </a:r>
+            <a:r>
+              <a:rPr lang="pt-BR" sz="3200" dirty="0" err="1">
+                <a:latin typeface="Calibri"/>
+                <a:ea typeface="Calibri"/>
+                <a:cs typeface="Calibri"/>
+                <a:sym typeface="Calibri"/>
+              </a:rPr>
+              <a:t>SGBDs</a:t>
+            </a:r>
+            <a:r>
+              <a:rPr lang="pt-BR" sz="3200" dirty="0">
+                <a:latin typeface="Calibri"/>
+                <a:ea typeface="Calibri"/>
+                <a:cs typeface="Calibri"/>
+                <a:sym typeface="Calibri"/>
+              </a:rPr>
+              <a:t>, </a:t>
+            </a:r>
+            <a:r>
+              <a:rPr lang="pt-BR" sz="3200" dirty="0" err="1">
+                <a:latin typeface="Calibri"/>
+                <a:ea typeface="Calibri"/>
+                <a:cs typeface="Calibri"/>
+                <a:sym typeface="Calibri"/>
+              </a:rPr>
+              <a:t>etc</a:t>
+            </a:r>
+            <a:r>
+              <a:rPr lang="pt-BR" sz="3200" dirty="0">
+                <a:latin typeface="Calibri"/>
+                <a:ea typeface="Calibri"/>
+                <a:cs typeface="Calibri"/>
+                <a:sym typeface="Calibri"/>
+              </a:rPr>
+              <a:t>), e não codificados no token. Neste modelo, o token é apenas um identificador.</a:t>
             </a:r>
           </a:p>
         </p:txBody>
@@ -9868,8 +9901,8 @@
         </p:nvSpPr>
         <p:spPr>
           <a:xfrm>
-            <a:off x="2295832" y="273986"/>
-            <a:ext cx="9601200" cy="1599777"/>
+            <a:off x="2295831" y="273986"/>
+            <a:ext cx="8962103" cy="1599777"/>
           </a:xfrm>
           <a:prstGeom prst="rect">
             <a:avLst/>
@@ -9901,7 +9934,7 @@
           <a:p>
             <a:r>
               <a:rPr lang="pt-BR" sz="4400" dirty="0"/>
-              <a:t>Desvantagens do uso de um Token Opaco</a:t>
+              <a:t>Vantagens do uso de um Token Opaco</a:t>
             </a:r>
             <a:endParaRPr lang="pt-BR" dirty="0"/>
           </a:p>
@@ -9982,7 +10015,7 @@
     </p:spTree>
     <p:extLst>
       <p:ext uri="{BB962C8B-B14F-4D97-AF65-F5344CB8AC3E}">
-        <p14:creationId xmlns:p14="http://schemas.microsoft.com/office/powerpoint/2010/main" val="2319564044"/>
+        <p14:creationId xmlns:p14="http://schemas.microsoft.com/office/powerpoint/2010/main" val="3483676463"/>
       </p:ext>
     </p:extLst>
   </p:cSld>
@@ -10027,8 +10060,8 @@
         </p:nvSpPr>
         <p:spPr>
           <a:xfrm>
-            <a:off x="865239" y="2172929"/>
-            <a:ext cx="10196052" cy="3814916"/>
+            <a:off x="894734" y="2172929"/>
+            <a:ext cx="9954565" cy="4100051"/>
           </a:xfrm>
         </p:spPr>
         <p:txBody>
@@ -10049,7 +10082,7 @@
                 <a:cs typeface="Calibri"/>
                 <a:sym typeface="Calibri"/>
               </a:rPr>
-              <a:t>Em uma aplicação distribuída, se a API de autenticação cai, todos os serviços ficam indisponíveis.</a:t>
+              <a:t>Pode ocorrer estresse da API responsável por realizar a validação do token dependendo do número de serviços que necessitam validação.</a:t>
             </a:r>
           </a:p>
           <a:p>
@@ -10078,25 +10111,7 @@
                 <a:cs typeface="Calibri"/>
                 <a:sym typeface="Calibri"/>
               </a:rPr>
-              <a:t>Maior complexidade de implementação, pois exige, além da lógica de segurança e validação do token, um servidor de armazenamento para os dados (</a:t>
-            </a:r>
-            <a:r>
-              <a:rPr lang="pt-BR" sz="3200" dirty="0" err="1">
-                <a:latin typeface="Calibri"/>
-                <a:ea typeface="Calibri"/>
-                <a:cs typeface="Calibri"/>
-                <a:sym typeface="Calibri"/>
-              </a:rPr>
-              <a:t>ex</a:t>
-            </a:r>
-            <a:r>
-              <a:rPr lang="pt-BR" sz="3200" dirty="0">
-                <a:latin typeface="Calibri"/>
-                <a:ea typeface="Calibri"/>
-                <a:cs typeface="Calibri"/>
-                <a:sym typeface="Calibri"/>
-              </a:rPr>
-              <a:t>: Redis).</a:t>
+              <a:t>Falha no quesito escalabilidade. </a:t>
             </a:r>
           </a:p>
           <a:p>
@@ -10125,7 +10140,7 @@
                 <a:cs typeface="Calibri"/>
                 <a:sym typeface="Calibri"/>
               </a:rPr>
-              <a:t>Maior complexidade de integração com sistemas terceiros.</a:t>
+              <a:t>Maior dificuldade ao distribuir a autenticação entre microsserviços.</a:t>
             </a:r>
           </a:p>
         </p:txBody>
@@ -10200,7 +10215,7 @@
           <p:nvPr/>
         </p:nvPicPr>
         <p:blipFill>
-          <a:blip r:embed="rId3">
+          <a:blip r:embed="rId2">
             <a:extLst>
               <a:ext uri="{28A0092B-C50C-407E-A947-70E740481C1C}">
                 <a14:useLocalDpi xmlns:a14="http://schemas.microsoft.com/office/drawing/2010/main" val="0"/>
@@ -10236,7 +10251,7 @@
           <p:nvPr/>
         </p:nvPicPr>
         <p:blipFill>
-          <a:blip r:embed="rId4">
+          <a:blip r:embed="rId3">
             <a:extLst>
               <a:ext uri="{28A0092B-C50C-407E-A947-70E740481C1C}">
                 <a14:useLocalDpi xmlns:a14="http://schemas.microsoft.com/office/drawing/2010/main" val="0"/>
@@ -10260,7 +10275,7 @@
     </p:spTree>
     <p:extLst>
       <p:ext uri="{BB962C8B-B14F-4D97-AF65-F5344CB8AC3E}">
-        <p14:creationId xmlns:p14="http://schemas.microsoft.com/office/powerpoint/2010/main" val="3735771082"/>
+        <p14:creationId xmlns:p14="http://schemas.microsoft.com/office/powerpoint/2010/main" val="2319564044"/>
       </p:ext>
     </p:extLst>
   </p:cSld>
@@ -10287,12 +10302,188 @@
           <a:chExt cx="0" cy="0"/>
         </a:xfrm>
       </p:grpSpPr>
+      <p:sp>
+        <p:nvSpPr>
+          <p:cNvPr id="3" name="Espaço Reservado para Conteúdo 2">
+            <a:extLst>
+              <a:ext uri="{FF2B5EF4-FFF2-40B4-BE49-F238E27FC236}">
+                <a16:creationId xmlns:a16="http://schemas.microsoft.com/office/drawing/2014/main" id="{58FCE168-5451-49F3-82A9-B851BCEF6B1F}"/>
+              </a:ext>
+            </a:extLst>
+          </p:cNvPr>
+          <p:cNvSpPr>
+            <a:spLocks noGrp="1"/>
+          </p:cNvSpPr>
+          <p:nvPr>
+            <p:ph idx="1"/>
+          </p:nvPr>
+        </p:nvSpPr>
+        <p:spPr>
+          <a:xfrm>
+            <a:off x="865239" y="2172929"/>
+            <a:ext cx="10196052" cy="3814916"/>
+          </a:xfrm>
+        </p:spPr>
+        <p:txBody>
+          <a:bodyPr>
+            <a:normAutofit/>
+          </a:bodyPr>
+          <a:lstStyle/>
+          <a:p>
+            <a:pPr algn="just">
+              <a:spcBef>
+                <a:spcPts val="0"/>
+              </a:spcBef>
+            </a:pPr>
+            <a:r>
+              <a:rPr lang="pt-BR" sz="3200" dirty="0">
+                <a:latin typeface="Calibri"/>
+                <a:ea typeface="Calibri"/>
+                <a:cs typeface="Calibri"/>
+                <a:sym typeface="Calibri"/>
+              </a:rPr>
+              <a:t>Em uma aplicação distribuída, se a API de autenticação cai, todos os serviços ficam indisponíveis.</a:t>
+            </a:r>
+          </a:p>
+          <a:p>
+            <a:pPr algn="just">
+              <a:spcBef>
+                <a:spcPts val="0"/>
+              </a:spcBef>
+            </a:pPr>
+            <a:endParaRPr lang="pt-BR" sz="3200" dirty="0">
+              <a:latin typeface="Calibri"/>
+              <a:ea typeface="Calibri"/>
+              <a:cs typeface="Calibri"/>
+              <a:sym typeface="Calibri"/>
+            </a:endParaRPr>
+          </a:p>
+          <a:p>
+            <a:pPr algn="just">
+              <a:spcBef>
+                <a:spcPts val="0"/>
+              </a:spcBef>
+            </a:pPr>
+            <a:r>
+              <a:rPr lang="pt-BR" sz="3200" dirty="0">
+                <a:latin typeface="Calibri"/>
+                <a:ea typeface="Calibri"/>
+                <a:cs typeface="Calibri"/>
+                <a:sym typeface="Calibri"/>
+              </a:rPr>
+              <a:t>Maior complexidade de implementação, pois exige, além da lógica de segurança e validação do token, um servidor de armazenamento para os dados (</a:t>
+            </a:r>
+            <a:r>
+              <a:rPr lang="pt-BR" sz="3200" dirty="0" err="1">
+                <a:latin typeface="Calibri"/>
+                <a:ea typeface="Calibri"/>
+                <a:cs typeface="Calibri"/>
+                <a:sym typeface="Calibri"/>
+              </a:rPr>
+              <a:t>ex</a:t>
+            </a:r>
+            <a:r>
+              <a:rPr lang="pt-BR" sz="3200" dirty="0">
+                <a:latin typeface="Calibri"/>
+                <a:ea typeface="Calibri"/>
+                <a:cs typeface="Calibri"/>
+                <a:sym typeface="Calibri"/>
+              </a:rPr>
+              <a:t>: Redis).</a:t>
+            </a:r>
+          </a:p>
+          <a:p>
+            <a:pPr algn="just">
+              <a:spcBef>
+                <a:spcPts val="0"/>
+              </a:spcBef>
+            </a:pPr>
+            <a:endParaRPr lang="pt-BR" sz="3200" dirty="0">
+              <a:latin typeface="Calibri"/>
+              <a:ea typeface="Calibri"/>
+              <a:cs typeface="Calibri"/>
+              <a:sym typeface="Calibri"/>
+            </a:endParaRPr>
+          </a:p>
+          <a:p>
+            <a:pPr algn="just">
+              <a:spcBef>
+                <a:spcPts val="0"/>
+              </a:spcBef>
+            </a:pPr>
+            <a:r>
+              <a:rPr lang="pt-BR" sz="3200" dirty="0">
+                <a:latin typeface="Calibri"/>
+                <a:ea typeface="Calibri"/>
+                <a:cs typeface="Calibri"/>
+                <a:sym typeface="Calibri"/>
+              </a:rPr>
+              <a:t>Maior complexidade de integração com sistemas terceiros.</a:t>
+            </a:r>
+          </a:p>
+        </p:txBody>
+      </p:sp>
+      <p:sp>
+        <p:nvSpPr>
+          <p:cNvPr id="4" name="Título 1">
+            <a:extLst>
+              <a:ext uri="{FF2B5EF4-FFF2-40B4-BE49-F238E27FC236}">
+                <a16:creationId xmlns:a16="http://schemas.microsoft.com/office/drawing/2014/main" id="{22290A63-5ECE-488C-8F5A-240217BA6E32}"/>
+              </a:ext>
+            </a:extLst>
+          </p:cNvPr>
+          <p:cNvSpPr txBox="1">
+            <a:spLocks/>
+          </p:cNvSpPr>
+          <p:nvPr/>
+        </p:nvSpPr>
+        <p:spPr>
+          <a:xfrm>
+            <a:off x="2295832" y="273986"/>
+            <a:ext cx="9601200" cy="1599777"/>
+          </a:xfrm>
+          <a:prstGeom prst="rect">
+            <a:avLst/>
+          </a:prstGeom>
+        </p:spPr>
+        <p:txBody>
+          <a:bodyPr vert="horz" lIns="91440" tIns="45720" rIns="91440" bIns="45720" rtlCol="0" anchor="ctr">
+            <a:normAutofit/>
+          </a:bodyPr>
+          <a:lstStyle>
+            <a:lvl1pPr algn="l" defTabSz="914400" rtl="0" eaLnBrk="1" latinLnBrk="0" hangingPunct="1">
+              <a:lnSpc>
+                <a:spcPct val="90000"/>
+              </a:lnSpc>
+              <a:spcBef>
+                <a:spcPct val="0"/>
+              </a:spcBef>
+              <a:buNone/>
+              <a:defRPr sz="4400" kern="1200">
+                <a:solidFill>
+                  <a:schemeClr val="tx1"/>
+                </a:solidFill>
+                <a:latin typeface="+mj-lt"/>
+                <a:ea typeface="+mj-ea"/>
+                <a:cs typeface="+mj-cs"/>
+              </a:defRPr>
+            </a:lvl1pPr>
+          </a:lstStyle>
+          <a:p>
+            <a:r>
+              <a:rPr lang="pt-BR" sz="4400" dirty="0"/>
+              <a:t>Desvantagens do uso de um Token Opaco</a:t>
+            </a:r>
+            <a:endParaRPr lang="pt-BR" dirty="0"/>
+          </a:p>
+        </p:txBody>
+      </p:sp>
       <p:pic>
         <p:nvPicPr>
-          <p:cNvPr id="3" name="Imagem 2" descr="Diagrama&#10;&#10;Descrição gerada automaticamente">
-            <a:extLst>
-              <a:ext uri="{FF2B5EF4-FFF2-40B4-BE49-F238E27FC236}">
-                <a16:creationId xmlns:a16="http://schemas.microsoft.com/office/drawing/2014/main" id="{4FE60D26-DD44-07E2-43DA-87BDF9E6D51D}"/>
+          <p:cNvPr id="2" name="Imagem 1" descr="Celular com tela ligada&#10;&#10;Descrição gerada automaticamente">
+            <a:extLst>
+              <a:ext uri="{FF2B5EF4-FFF2-40B4-BE49-F238E27FC236}">
+                <a16:creationId xmlns:a16="http://schemas.microsoft.com/office/drawing/2014/main" id="{CD1F6E78-A466-CE50-938A-1D5BBA02C6AB}"/>
               </a:ext>
             </a:extLst>
           </p:cNvPr>
@@ -10302,7 +10493,7 @@
           <p:nvPr/>
         </p:nvPicPr>
         <p:blipFill>
-          <a:blip r:embed="rId2">
+          <a:blip r:embed="rId3">
             <a:extLst>
               <a:ext uri="{28A0092B-C50C-407E-A947-70E740481C1C}">
                 <a14:useLocalDpi xmlns:a14="http://schemas.microsoft.com/office/drawing/2010/main" val="0"/>
@@ -10315,8 +10506,44 @@
         </p:blipFill>
         <p:spPr>
           <a:xfrm>
-            <a:off x="1067246" y="476557"/>
-            <a:ext cx="10057507" cy="5904885"/>
+            <a:off x="0" y="22840"/>
+            <a:ext cx="2866785" cy="2150089"/>
+          </a:xfrm>
+          <a:prstGeom prst="rect">
+            <a:avLst/>
+          </a:prstGeom>
+        </p:spPr>
+      </p:pic>
+      <p:pic>
+        <p:nvPicPr>
+          <p:cNvPr id="7" name="Imagem 6" descr="Forma&#10;&#10;Descrição gerada automaticamente com confiança baixa">
+            <a:extLst>
+              <a:ext uri="{FF2B5EF4-FFF2-40B4-BE49-F238E27FC236}">
+                <a16:creationId xmlns:a16="http://schemas.microsoft.com/office/drawing/2014/main" id="{56D4DA1E-DED0-0DA1-F916-1A54444988B1}"/>
+              </a:ext>
+            </a:extLst>
+          </p:cNvPr>
+          <p:cNvPicPr>
+            <a:picLocks noChangeAspect="1"/>
+          </p:cNvPicPr>
+          <p:nvPr/>
+        </p:nvPicPr>
+        <p:blipFill>
+          <a:blip r:embed="rId4">
+            <a:extLst>
+              <a:ext uri="{28A0092B-C50C-407E-A947-70E740481C1C}">
+                <a14:useLocalDpi xmlns:a14="http://schemas.microsoft.com/office/drawing/2010/main" val="0"/>
+              </a:ext>
+            </a:extLst>
+          </a:blip>
+          <a:stretch>
+            <a:fillRect/>
+          </a:stretch>
+        </p:blipFill>
+        <p:spPr>
+          <a:xfrm>
+            <a:off x="10731312" y="5397312"/>
+            <a:ext cx="1460688" cy="1460688"/>
           </a:xfrm>
           <a:prstGeom prst="rect">
             <a:avLst/>
@@ -10326,7 +10553,7 @@
     </p:spTree>
     <p:extLst>
       <p:ext uri="{BB962C8B-B14F-4D97-AF65-F5344CB8AC3E}">
-        <p14:creationId xmlns:p14="http://schemas.microsoft.com/office/powerpoint/2010/main" val="1751714562"/>
+        <p14:creationId xmlns:p14="http://schemas.microsoft.com/office/powerpoint/2010/main" val="3735771082"/>
       </p:ext>
     </p:extLst>
   </p:cSld>
@@ -10649,50 +10876,12 @@
           <a:chExt cx="0" cy="0"/>
         </a:xfrm>
       </p:grpSpPr>
-      <p:sp>
-        <p:nvSpPr>
-          <p:cNvPr id="3" name="Espaço Reservado para Conteúdo 2">
-            <a:extLst>
-              <a:ext uri="{FF2B5EF4-FFF2-40B4-BE49-F238E27FC236}">
-                <a16:creationId xmlns:a16="http://schemas.microsoft.com/office/drawing/2014/main" id="{58FCE168-5451-49F3-82A9-B851BCEF6B1F}"/>
-              </a:ext>
-            </a:extLst>
-          </p:cNvPr>
-          <p:cNvSpPr>
-            <a:spLocks noGrp="1"/>
-          </p:cNvSpPr>
-          <p:nvPr>
-            <p:ph idx="1"/>
-          </p:nvPr>
-        </p:nvSpPr>
-        <p:spPr>
-          <a:xfrm>
-            <a:off x="2633126" y="2353955"/>
-            <a:ext cx="6925747" cy="2150089"/>
-          </a:xfrm>
-        </p:spPr>
-        <p:txBody>
-          <a:bodyPr>
-            <a:noAutofit/>
-          </a:bodyPr>
-          <a:lstStyle/>
-          <a:p>
-            <a:pPr marL="0" indent="0" algn="ctr">
-              <a:buNone/>
-            </a:pPr>
-            <a:r>
-              <a:rPr lang="pt-BR" sz="7200" dirty="0"/>
-              <a:t>Quando utilizar cada abordagem?</a:t>
-            </a:r>
-          </a:p>
-        </p:txBody>
-      </p:sp>
       <p:pic>
         <p:nvPicPr>
-          <p:cNvPr id="2" name="Imagem 1" descr="Celular com tela ligada&#10;&#10;Descrição gerada automaticamente">
-            <a:extLst>
-              <a:ext uri="{FF2B5EF4-FFF2-40B4-BE49-F238E27FC236}">
-                <a16:creationId xmlns:a16="http://schemas.microsoft.com/office/drawing/2014/main" id="{CD1F6E78-A466-CE50-938A-1D5BBA02C6AB}"/>
+          <p:cNvPr id="3" name="Imagem 2" descr="Diagrama&#10;&#10;Descrição gerada automaticamente">
+            <a:extLst>
+              <a:ext uri="{FF2B5EF4-FFF2-40B4-BE49-F238E27FC236}">
+                <a16:creationId xmlns:a16="http://schemas.microsoft.com/office/drawing/2014/main" id="{4FE60D26-DD44-07E2-43DA-87BDF9E6D51D}"/>
               </a:ext>
             </a:extLst>
           </p:cNvPr>
@@ -10715,105 +10904,18 @@
         </p:blipFill>
         <p:spPr>
           <a:xfrm>
-            <a:off x="0" y="22840"/>
-            <a:ext cx="2866785" cy="2150089"/>
+            <a:off x="1067246" y="476557"/>
+            <a:ext cx="10057507" cy="5904885"/>
           </a:xfrm>
           <a:prstGeom prst="rect">
             <a:avLst/>
           </a:prstGeom>
         </p:spPr>
       </p:pic>
-      <p:pic>
-        <p:nvPicPr>
-          <p:cNvPr id="7" name="Imagem 6" descr="Forma&#10;&#10;Descrição gerada automaticamente com confiança baixa">
-            <a:extLst>
-              <a:ext uri="{FF2B5EF4-FFF2-40B4-BE49-F238E27FC236}">
-                <a16:creationId xmlns:a16="http://schemas.microsoft.com/office/drawing/2014/main" id="{56D4DA1E-DED0-0DA1-F916-1A54444988B1}"/>
-              </a:ext>
-            </a:extLst>
-          </p:cNvPr>
-          <p:cNvPicPr>
-            <a:picLocks noChangeAspect="1"/>
-          </p:cNvPicPr>
-          <p:nvPr/>
-        </p:nvPicPr>
-        <p:blipFill>
-          <a:blip r:embed="rId3">
-            <a:extLst>
-              <a:ext uri="{28A0092B-C50C-407E-A947-70E740481C1C}">
-                <a14:useLocalDpi xmlns:a14="http://schemas.microsoft.com/office/drawing/2010/main" val="0"/>
-              </a:ext>
-            </a:extLst>
-          </a:blip>
-          <a:stretch>
-            <a:fillRect/>
-          </a:stretch>
-        </p:blipFill>
-        <p:spPr>
-          <a:xfrm>
-            <a:off x="10731312" y="5397312"/>
-            <a:ext cx="1460688" cy="1460688"/>
-          </a:xfrm>
-          <a:prstGeom prst="rect">
-            <a:avLst/>
-          </a:prstGeom>
-        </p:spPr>
-      </p:pic>
-      <p:sp>
-        <p:nvSpPr>
-          <p:cNvPr id="4" name="CaixaDeTexto 3">
-            <a:extLst>
-              <a:ext uri="{FF2B5EF4-FFF2-40B4-BE49-F238E27FC236}">
-                <a16:creationId xmlns:a16="http://schemas.microsoft.com/office/drawing/2014/main" id="{B5D95128-3BFD-6050-34FD-4F2E56B704FC}"/>
-              </a:ext>
-            </a:extLst>
-          </p:cNvPr>
-          <p:cNvSpPr txBox="1"/>
-          <p:nvPr/>
-        </p:nvSpPr>
-        <p:spPr>
-          <a:xfrm>
-            <a:off x="196646" y="5855139"/>
-            <a:ext cx="4596580" cy="815608"/>
-          </a:xfrm>
-          <a:prstGeom prst="rect">
-            <a:avLst/>
-          </a:prstGeom>
-          <a:noFill/>
-        </p:spPr>
-        <p:txBody>
-          <a:bodyPr wrap="square" rtlCol="0">
-            <a:spAutoFit/>
-          </a:bodyPr>
-          <a:lstStyle/>
-          <a:p>
-            <a:r>
-              <a:rPr lang="pt-BR" sz="2800" dirty="0"/>
-              <a:t>Victor Hugo </a:t>
-            </a:r>
-            <a:r>
-              <a:rPr lang="pt-BR" sz="2800" dirty="0" err="1"/>
-              <a:t>Negrisoli</a:t>
-            </a:r>
-            <a:endParaRPr lang="pt-BR" sz="2800" dirty="0"/>
-          </a:p>
-          <a:p>
-            <a:r>
-              <a:rPr lang="pt-BR" sz="1900" dirty="0"/>
-              <a:t>Desenvolvedor Back-</a:t>
-            </a:r>
-            <a:r>
-              <a:rPr lang="pt-BR" sz="1900" dirty="0" err="1"/>
-              <a:t>End</a:t>
-            </a:r>
-            <a:endParaRPr lang="pt-BR" sz="1900" dirty="0"/>
-          </a:p>
-        </p:txBody>
-      </p:sp>
     </p:spTree>
     <p:extLst>
       <p:ext uri="{BB962C8B-B14F-4D97-AF65-F5344CB8AC3E}">
-        <p14:creationId xmlns:p14="http://schemas.microsoft.com/office/powerpoint/2010/main" val="3659142090"/>
+        <p14:creationId xmlns:p14="http://schemas.microsoft.com/office/powerpoint/2010/main" val="1751714562"/>
       </p:ext>
     </p:extLst>
   </p:cSld>
@@ -10858,8 +10960,8 @@
         </p:nvSpPr>
         <p:spPr>
           <a:xfrm>
-            <a:off x="1162963" y="2424075"/>
-            <a:ext cx="9866073" cy="3795252"/>
+            <a:off x="2633126" y="2353955"/>
+            <a:ext cx="6925747" cy="2150089"/>
           </a:xfrm>
         </p:spPr>
         <p:txBody>
@@ -10868,147 +10970,58 @@
           </a:bodyPr>
           <a:lstStyle/>
           <a:p>
-            <a:pPr algn="just">
-              <a:spcBef>
-                <a:spcPts val="0"/>
-              </a:spcBef>
+            <a:pPr marL="0" indent="0" algn="ctr">
+              <a:buNone/>
             </a:pPr>
             <a:r>
-              <a:rPr lang="pt-BR" sz="3200" dirty="0">
-                <a:latin typeface="Calibri"/>
-                <a:ea typeface="Calibri"/>
-                <a:cs typeface="Calibri"/>
-                <a:sym typeface="Calibri"/>
-              </a:rPr>
-              <a:t>Preciso apenas identificar qual usuário está realizando uma determinada ação no sistema nos diferentes serviços.</a:t>
-            </a:r>
-          </a:p>
-          <a:p>
-            <a:pPr algn="just">
-              <a:spcBef>
-                <a:spcPts val="0"/>
-              </a:spcBef>
-            </a:pPr>
-            <a:endParaRPr lang="pt-BR" sz="3200" dirty="0">
-              <a:latin typeface="Calibri"/>
-              <a:ea typeface="Calibri"/>
-              <a:cs typeface="Calibri"/>
-              <a:sym typeface="Calibri"/>
-            </a:endParaRPr>
-          </a:p>
-          <a:p>
-            <a:pPr algn="just">
-              <a:spcBef>
-                <a:spcPts val="0"/>
-              </a:spcBef>
-            </a:pPr>
-            <a:r>
-              <a:rPr lang="pt-BR" sz="3200" dirty="0">
-                <a:latin typeface="Calibri"/>
-                <a:ea typeface="Calibri"/>
-                <a:cs typeface="Calibri"/>
-                <a:sym typeface="Calibri"/>
-              </a:rPr>
-              <a:t>Tenho várias comunicações distribuídas entre serviços.</a:t>
-            </a:r>
-          </a:p>
-          <a:p>
-            <a:pPr algn="just">
-              <a:spcBef>
-                <a:spcPts val="0"/>
-              </a:spcBef>
-            </a:pPr>
-            <a:endParaRPr lang="pt-BR" sz="3200" dirty="0">
-              <a:latin typeface="Calibri"/>
-              <a:ea typeface="Calibri"/>
-              <a:cs typeface="Calibri"/>
-              <a:sym typeface="Calibri"/>
-            </a:endParaRPr>
-          </a:p>
-          <a:p>
-            <a:pPr algn="just">
-              <a:spcBef>
-                <a:spcPts val="0"/>
-              </a:spcBef>
-            </a:pPr>
-            <a:r>
-              <a:rPr lang="pt-BR" sz="3200" dirty="0">
-                <a:latin typeface="Calibri"/>
-                <a:ea typeface="Calibri"/>
-                <a:cs typeface="Calibri"/>
-                <a:sym typeface="Calibri"/>
-              </a:rPr>
-              <a:t>Quero ter maior performance sem me preocupar com estresse na API por conta de técnicas de autenticação.</a:t>
-            </a:r>
-          </a:p>
-        </p:txBody>
-      </p:sp>
-      <p:sp>
-        <p:nvSpPr>
-          <p:cNvPr id="4" name="Título 1">
-            <a:extLst>
-              <a:ext uri="{FF2B5EF4-FFF2-40B4-BE49-F238E27FC236}">
-                <a16:creationId xmlns:a16="http://schemas.microsoft.com/office/drawing/2014/main" id="{22290A63-5ECE-488C-8F5A-240217BA6E32}"/>
-              </a:ext>
-            </a:extLst>
-          </p:cNvPr>
-          <p:cNvSpPr txBox="1">
-            <a:spLocks/>
-          </p:cNvSpPr>
+              <a:rPr lang="pt-BR" sz="7200" dirty="0"/>
+              <a:t>Quando utilizar cada abordagem?</a:t>
+            </a:r>
+          </a:p>
+        </p:txBody>
+      </p:sp>
+      <p:pic>
+        <p:nvPicPr>
+          <p:cNvPr id="2" name="Imagem 1" descr="Celular com tela ligada&#10;&#10;Descrição gerada automaticamente">
+            <a:extLst>
+              <a:ext uri="{FF2B5EF4-FFF2-40B4-BE49-F238E27FC236}">
+                <a16:creationId xmlns:a16="http://schemas.microsoft.com/office/drawing/2014/main" id="{CD1F6E78-A466-CE50-938A-1D5BBA02C6AB}"/>
+              </a:ext>
+            </a:extLst>
+          </p:cNvPr>
+          <p:cNvPicPr>
+            <a:picLocks noChangeAspect="1"/>
+          </p:cNvPicPr>
           <p:nvPr/>
-        </p:nvSpPr>
-        <p:spPr>
-          <a:xfrm>
-            <a:off x="2295832" y="273986"/>
-            <a:ext cx="9601200" cy="1599777"/>
+        </p:nvPicPr>
+        <p:blipFill>
+          <a:blip r:embed="rId2">
+            <a:extLst>
+              <a:ext uri="{28A0092B-C50C-407E-A947-70E740481C1C}">
+                <a14:useLocalDpi xmlns:a14="http://schemas.microsoft.com/office/drawing/2010/main" val="0"/>
+              </a:ext>
+            </a:extLst>
+          </a:blip>
+          <a:stretch>
+            <a:fillRect/>
+          </a:stretch>
+        </p:blipFill>
+        <p:spPr>
+          <a:xfrm>
+            <a:off x="0" y="22840"/>
+            <a:ext cx="2866785" cy="2150089"/>
           </a:xfrm>
           <a:prstGeom prst="rect">
             <a:avLst/>
           </a:prstGeom>
         </p:spPr>
-        <p:txBody>
-          <a:bodyPr vert="horz" lIns="91440" tIns="45720" rIns="91440" bIns="45720" rtlCol="0" anchor="ctr">
-            <a:normAutofit/>
-          </a:bodyPr>
-          <a:lstStyle>
-            <a:lvl1pPr algn="l" defTabSz="914400" rtl="0" eaLnBrk="1" latinLnBrk="0" hangingPunct="1">
-              <a:lnSpc>
-                <a:spcPct val="90000"/>
-              </a:lnSpc>
-              <a:spcBef>
-                <a:spcPct val="0"/>
-              </a:spcBef>
-              <a:buNone/>
-              <a:defRPr sz="4400" kern="1200">
-                <a:solidFill>
-                  <a:schemeClr val="tx1"/>
-                </a:solidFill>
-                <a:latin typeface="+mj-lt"/>
-                <a:ea typeface="+mj-ea"/>
-                <a:cs typeface="+mj-cs"/>
-              </a:defRPr>
-            </a:lvl1pPr>
-          </a:lstStyle>
-          <a:p>
-            <a:r>
-              <a:rPr lang="pt-BR" sz="4400" dirty="0">
-                <a:latin typeface="Trebuchet MS"/>
-                <a:ea typeface="Trebuchet MS"/>
-                <a:cs typeface="Trebuchet MS"/>
-                <a:sym typeface="Trebuchet MS"/>
-              </a:rPr>
-              <a:t>Quando utilizar Token JWT?</a:t>
-            </a:r>
-            <a:endParaRPr lang="pt-BR" dirty="0"/>
-          </a:p>
-        </p:txBody>
-      </p:sp>
+      </p:pic>
       <p:pic>
         <p:nvPicPr>
-          <p:cNvPr id="2" name="Imagem 1" descr="Celular com tela ligada&#10;&#10;Descrição gerada automaticamente">
-            <a:extLst>
-              <a:ext uri="{FF2B5EF4-FFF2-40B4-BE49-F238E27FC236}">
-                <a16:creationId xmlns:a16="http://schemas.microsoft.com/office/drawing/2014/main" id="{CD1F6E78-A466-CE50-938A-1D5BBA02C6AB}"/>
+          <p:cNvPr id="7" name="Imagem 6" descr="Forma&#10;&#10;Descrição gerada automaticamente com confiança baixa">
+            <a:extLst>
+              <a:ext uri="{FF2B5EF4-FFF2-40B4-BE49-F238E27FC236}">
+                <a16:creationId xmlns:a16="http://schemas.microsoft.com/office/drawing/2014/main" id="{56D4DA1E-DED0-0DA1-F916-1A54444988B1}"/>
               </a:ext>
             </a:extLst>
           </p:cNvPr>
@@ -11031,54 +11044,69 @@
         </p:blipFill>
         <p:spPr>
           <a:xfrm>
-            <a:off x="0" y="22840"/>
-            <a:ext cx="2866785" cy="2150089"/>
+            <a:off x="10731312" y="5397312"/>
+            <a:ext cx="1460688" cy="1460688"/>
           </a:xfrm>
           <a:prstGeom prst="rect">
             <a:avLst/>
           </a:prstGeom>
         </p:spPr>
       </p:pic>
-      <p:pic>
-        <p:nvPicPr>
-          <p:cNvPr id="7" name="Imagem 6" descr="Forma&#10;&#10;Descrição gerada automaticamente com confiança baixa">
-            <a:extLst>
-              <a:ext uri="{FF2B5EF4-FFF2-40B4-BE49-F238E27FC236}">
-                <a16:creationId xmlns:a16="http://schemas.microsoft.com/office/drawing/2014/main" id="{56D4DA1E-DED0-0DA1-F916-1A54444988B1}"/>
-              </a:ext>
-            </a:extLst>
-          </p:cNvPr>
-          <p:cNvPicPr>
-            <a:picLocks noChangeAspect="1"/>
-          </p:cNvPicPr>
+      <p:sp>
+        <p:nvSpPr>
+          <p:cNvPr id="4" name="CaixaDeTexto 3">
+            <a:extLst>
+              <a:ext uri="{FF2B5EF4-FFF2-40B4-BE49-F238E27FC236}">
+                <a16:creationId xmlns:a16="http://schemas.microsoft.com/office/drawing/2014/main" id="{B5D95128-3BFD-6050-34FD-4F2E56B704FC}"/>
+              </a:ext>
+            </a:extLst>
+          </p:cNvPr>
+          <p:cNvSpPr txBox="1"/>
           <p:nvPr/>
-        </p:nvPicPr>
-        <p:blipFill>
-          <a:blip r:embed="rId4">
-            <a:extLst>
-              <a:ext uri="{28A0092B-C50C-407E-A947-70E740481C1C}">
-                <a14:useLocalDpi xmlns:a14="http://schemas.microsoft.com/office/drawing/2010/main" val="0"/>
-              </a:ext>
-            </a:extLst>
-          </a:blip>
-          <a:stretch>
-            <a:fillRect/>
-          </a:stretch>
-        </p:blipFill>
-        <p:spPr>
-          <a:xfrm>
-            <a:off x="10731312" y="5397312"/>
-            <a:ext cx="1460688" cy="1460688"/>
+        </p:nvSpPr>
+        <p:spPr>
+          <a:xfrm>
+            <a:off x="196646" y="5855139"/>
+            <a:ext cx="4596580" cy="815608"/>
           </a:xfrm>
           <a:prstGeom prst="rect">
             <a:avLst/>
           </a:prstGeom>
-        </p:spPr>
-      </p:pic>
+          <a:noFill/>
+        </p:spPr>
+        <p:txBody>
+          <a:bodyPr wrap="square" rtlCol="0">
+            <a:spAutoFit/>
+          </a:bodyPr>
+          <a:lstStyle/>
+          <a:p>
+            <a:r>
+              <a:rPr lang="pt-BR" sz="2800" dirty="0"/>
+              <a:t>Victor Hugo </a:t>
+            </a:r>
+            <a:r>
+              <a:rPr lang="pt-BR" sz="2800" dirty="0" err="1"/>
+              <a:t>Negrisoli</a:t>
+            </a:r>
+            <a:endParaRPr lang="pt-BR" sz="2800" dirty="0"/>
+          </a:p>
+          <a:p>
+            <a:r>
+              <a:rPr lang="pt-BR" sz="1900" dirty="0"/>
+              <a:t>Desenvolvedor Back-</a:t>
+            </a:r>
+            <a:r>
+              <a:rPr lang="pt-BR" sz="1900" dirty="0" err="1"/>
+              <a:t>End</a:t>
+            </a:r>
+            <a:endParaRPr lang="pt-BR" sz="1900" dirty="0"/>
+          </a:p>
+        </p:txBody>
+      </p:sp>
     </p:spTree>
     <p:extLst>
       <p:ext uri="{BB962C8B-B14F-4D97-AF65-F5344CB8AC3E}">
-        <p14:creationId xmlns:p14="http://schemas.microsoft.com/office/powerpoint/2010/main" val="298381113"/>
+        <p14:creationId xmlns:p14="http://schemas.microsoft.com/office/powerpoint/2010/main" val="3659142090"/>
       </p:ext>
     </p:extLst>
   </p:cSld>
@@ -11123,8 +11151,8 @@
         </p:nvSpPr>
         <p:spPr>
           <a:xfrm>
-            <a:off x="1076632" y="2690441"/>
-            <a:ext cx="10038735" cy="3237814"/>
+            <a:off x="1162963" y="2424075"/>
+            <a:ext cx="9866073" cy="3795252"/>
           </a:xfrm>
         </p:spPr>
         <p:txBody>
@@ -11145,7 +11173,7 @@
                 <a:cs typeface="Calibri"/>
                 <a:sym typeface="Calibri"/>
               </a:rPr>
-              <a:t>Não pretendo nunca persistir informações relativas ao usuário, apenas seu registro inicial.</a:t>
+              <a:t>Preciso apenas identificar qual usuário está realizando uma determinada ação no sistema nos diferentes serviços.</a:t>
             </a:r>
           </a:p>
           <a:p>
@@ -11174,7 +11202,7 @@
                 <a:cs typeface="Calibri"/>
                 <a:sym typeface="Calibri"/>
               </a:rPr>
-              <a:t>Preciso gerar acessos externos a outros serviços.</a:t>
+              <a:t>Tenho várias comunicações distribuídas entre serviços.</a:t>
             </a:r>
           </a:p>
           <a:p>
@@ -11203,7 +11231,7 @@
                 <a:cs typeface="Calibri"/>
                 <a:sym typeface="Calibri"/>
               </a:rPr>
-              <a:t>Preciso de facilidade para manipular os dados de quem está realizando tal ação com o mínimo de impacto.</a:t>
+              <a:t>Quero ter maior performance sem me preocupar com estresse na API por conta de técnicas de autenticação.</a:t>
             </a:r>
           </a:p>
         </p:txBody>
@@ -11343,7 +11371,7 @@
     </p:spTree>
     <p:extLst>
       <p:ext uri="{BB962C8B-B14F-4D97-AF65-F5344CB8AC3E}">
-        <p14:creationId xmlns:p14="http://schemas.microsoft.com/office/powerpoint/2010/main" val="3483148887"/>
+        <p14:creationId xmlns:p14="http://schemas.microsoft.com/office/powerpoint/2010/main" val="298381113"/>
       </p:ext>
     </p:extLst>
   </p:cSld>
@@ -11388,8 +11416,8 @@
         </p:nvSpPr>
         <p:spPr>
           <a:xfrm>
-            <a:off x="1440426" y="2716706"/>
-            <a:ext cx="9311148" cy="2969342"/>
+            <a:off x="1076632" y="2690441"/>
+            <a:ext cx="10038735" cy="3237814"/>
           </a:xfrm>
         </p:spPr>
         <p:txBody>
@@ -11410,7 +11438,7 @@
                 <a:cs typeface="Calibri"/>
                 <a:sym typeface="Calibri"/>
               </a:rPr>
-              <a:t>Preciso ter total controle dos acessos dos meus usuários, principalmente definir hierarquia de acessos. Exemplo: Roles de Vendedor, Coordenador, Gerente, Diretor.</a:t>
+              <a:t>Não pretendo nunca persistir informações relativas ao usuário, apenas seu registro inicial.</a:t>
             </a:r>
           </a:p>
           <a:p>
@@ -11439,17 +11467,28 @@
                 <a:cs typeface="Calibri"/>
                 <a:sym typeface="Calibri"/>
               </a:rPr>
-              <a:t>Preciso, sempre que necessário, </a:t>
-            </a:r>
-            <a:r>
-              <a:rPr lang="pt-BR" sz="3200" dirty="0" err="1">
-                <a:latin typeface="Calibri"/>
-                <a:ea typeface="Calibri"/>
-                <a:cs typeface="Calibri"/>
-                <a:sym typeface="Calibri"/>
-              </a:rPr>
-              <a:t>deslogar</a:t>
-            </a:r>
+              <a:t>Preciso gerar acessos externos a outros serviços.</a:t>
+            </a:r>
+          </a:p>
+          <a:p>
+            <a:pPr algn="just">
+              <a:spcBef>
+                <a:spcPts val="0"/>
+              </a:spcBef>
+            </a:pPr>
+            <a:endParaRPr lang="pt-BR" sz="3200" dirty="0">
+              <a:latin typeface="Calibri"/>
+              <a:ea typeface="Calibri"/>
+              <a:cs typeface="Calibri"/>
+              <a:sym typeface="Calibri"/>
+            </a:endParaRPr>
+          </a:p>
+          <a:p>
+            <a:pPr algn="just">
+              <a:spcBef>
+                <a:spcPts val="0"/>
+              </a:spcBef>
+            </a:pPr>
             <a:r>
               <a:rPr lang="pt-BR" sz="3200" dirty="0">
                 <a:latin typeface="Calibri"/>
@@ -11457,7 +11496,7 @@
                 <a:cs typeface="Calibri"/>
                 <a:sym typeface="Calibri"/>
               </a:rPr>
-              <a:t> um usuário.</a:t>
+              <a:t>Preciso de facilidade para manipular os dados de quem está realizando tal ação com o mínimo de impacto.</a:t>
             </a:r>
           </a:p>
         </p:txBody>
@@ -11516,7 +11555,7 @@
                 <a:cs typeface="Trebuchet MS"/>
                 <a:sym typeface="Trebuchet MS"/>
               </a:rPr>
-              <a:t>Quando utilizar Token Opaco?</a:t>
+              <a:t>Quando utilizar Token JWT?</a:t>
             </a:r>
             <a:endParaRPr lang="pt-BR" dirty="0"/>
           </a:p>
@@ -11597,7 +11636,7 @@
     </p:spTree>
     <p:extLst>
       <p:ext uri="{BB962C8B-B14F-4D97-AF65-F5344CB8AC3E}">
-        <p14:creationId xmlns:p14="http://schemas.microsoft.com/office/powerpoint/2010/main" val="1751832921"/>
+        <p14:creationId xmlns:p14="http://schemas.microsoft.com/office/powerpoint/2010/main" val="3483148887"/>
       </p:ext>
     </p:extLst>
   </p:cSld>
@@ -11642,8 +11681,8 @@
         </p:nvSpPr>
         <p:spPr>
           <a:xfrm>
-            <a:off x="1162963" y="2424075"/>
-            <a:ext cx="9866073" cy="3224383"/>
+            <a:off x="1440426" y="2716706"/>
+            <a:ext cx="9311148" cy="2969342"/>
           </a:xfrm>
         </p:spPr>
         <p:txBody>
@@ -11664,43 +11703,7 @@
                 <a:cs typeface="Calibri"/>
                 <a:sym typeface="Calibri"/>
               </a:rPr>
-              <a:t>Minha aplicação é centralizada, apenas um </a:t>
-            </a:r>
-            <a:r>
-              <a:rPr lang="pt-BR" sz="3200" dirty="0" err="1">
-                <a:latin typeface="Calibri"/>
-                <a:ea typeface="Calibri"/>
-                <a:cs typeface="Calibri"/>
-                <a:sym typeface="Calibri"/>
-              </a:rPr>
-              <a:t>back-end</a:t>
-            </a:r>
-            <a:r>
-              <a:rPr lang="pt-BR" sz="3200" dirty="0">
-                <a:latin typeface="Calibri"/>
-                <a:ea typeface="Calibri"/>
-                <a:cs typeface="Calibri"/>
-                <a:sym typeface="Calibri"/>
-              </a:rPr>
-              <a:t> e um front-</a:t>
-            </a:r>
-            <a:r>
-              <a:rPr lang="pt-BR" sz="3200" dirty="0" err="1">
-                <a:latin typeface="Calibri"/>
-                <a:ea typeface="Calibri"/>
-                <a:cs typeface="Calibri"/>
-                <a:sym typeface="Calibri"/>
-              </a:rPr>
-              <a:t>end</a:t>
-            </a:r>
-            <a:r>
-              <a:rPr lang="pt-BR" sz="3200" dirty="0">
-                <a:latin typeface="Calibri"/>
-                <a:ea typeface="Calibri"/>
-                <a:cs typeface="Calibri"/>
-                <a:sym typeface="Calibri"/>
-              </a:rPr>
-              <a:t> se comunicando, sem serviços distribuídos e sem integrações terceiras.</a:t>
+              <a:t>Preciso ter total controle dos acessos dos meus usuários, principalmente definir hierarquia de acessos. Exemplo: Roles de Vendedor, Coordenador, Gerente, Diretor.</a:t>
             </a:r>
           </a:p>
           <a:p>
@@ -11729,7 +11732,25 @@
                 <a:cs typeface="Calibri"/>
                 <a:sym typeface="Calibri"/>
               </a:rPr>
-              <a:t>Estou desenvolvendo uma aplicação para acesso interno dos funcionários para definir o que cada um poderá acessar dos sistemas internos da organização.</a:t>
+              <a:t>Preciso, sempre que necessário, </a:t>
+            </a:r>
+            <a:r>
+              <a:rPr lang="pt-BR" sz="3200" dirty="0" err="1">
+                <a:latin typeface="Calibri"/>
+                <a:ea typeface="Calibri"/>
+                <a:cs typeface="Calibri"/>
+                <a:sym typeface="Calibri"/>
+              </a:rPr>
+              <a:t>deslogar</a:t>
+            </a:r>
+            <a:r>
+              <a:rPr lang="pt-BR" sz="3200" dirty="0">
+                <a:latin typeface="Calibri"/>
+                <a:ea typeface="Calibri"/>
+                <a:cs typeface="Calibri"/>
+                <a:sym typeface="Calibri"/>
+              </a:rPr>
+              <a:t> um usuário.</a:t>
             </a:r>
           </a:p>
         </p:txBody>
@@ -11869,7 +11890,7 @@
     </p:spTree>
     <p:extLst>
       <p:ext uri="{BB962C8B-B14F-4D97-AF65-F5344CB8AC3E}">
-        <p14:creationId xmlns:p14="http://schemas.microsoft.com/office/powerpoint/2010/main" val="1514263852"/>
+        <p14:creationId xmlns:p14="http://schemas.microsoft.com/office/powerpoint/2010/main" val="1751832921"/>
       </p:ext>
     </p:extLst>
   </p:cSld>
@@ -11914,8 +11935,8 @@
         </p:nvSpPr>
         <p:spPr>
           <a:xfrm>
-            <a:off x="1339645" y="2300749"/>
-            <a:ext cx="9512709" cy="3609404"/>
+            <a:off x="1162963" y="2424075"/>
+            <a:ext cx="9866073" cy="3224383"/>
           </a:xfrm>
         </p:spPr>
         <p:txBody>
@@ -11930,49 +11951,49 @@
               </a:spcBef>
             </a:pPr>
             <a:r>
-              <a:rPr lang="pt-BR" dirty="0">
+              <a:rPr lang="pt-BR" sz="3200" dirty="0">
                 <a:latin typeface="Calibri"/>
                 <a:ea typeface="Calibri"/>
                 <a:cs typeface="Calibri"/>
                 <a:sym typeface="Calibri"/>
               </a:rPr>
-              <a:t>Validar autenticação a cada </a:t>
-            </a:r>
-            <a:r>
-              <a:rPr lang="pt-BR" dirty="0" err="1">
+              <a:t>Minha aplicação é centralizada, apenas um </a:t>
+            </a:r>
+            <a:r>
+              <a:rPr lang="pt-BR" sz="3200" dirty="0" err="1">
                 <a:latin typeface="Calibri"/>
                 <a:ea typeface="Calibri"/>
                 <a:cs typeface="Calibri"/>
                 <a:sym typeface="Calibri"/>
               </a:rPr>
-              <a:t>request</a:t>
-            </a:r>
-            <a:r>
-              <a:rPr lang="pt-BR" dirty="0">
+              <a:t>back-end</a:t>
+            </a:r>
+            <a:r>
+              <a:rPr lang="pt-BR" sz="3200" dirty="0">
                 <a:latin typeface="Calibri"/>
                 <a:ea typeface="Calibri"/>
                 <a:cs typeface="Calibri"/>
                 <a:sym typeface="Calibri"/>
               </a:rPr>
-              <a:t> via </a:t>
-            </a:r>
-            <a:r>
-              <a:rPr lang="pt-BR" dirty="0" err="1">
+              <a:t> e um front-</a:t>
+            </a:r>
+            <a:r>
+              <a:rPr lang="pt-BR" sz="3200" dirty="0" err="1">
                 <a:latin typeface="Calibri"/>
                 <a:ea typeface="Calibri"/>
                 <a:cs typeface="Calibri"/>
                 <a:sym typeface="Calibri"/>
               </a:rPr>
-              <a:t>endpoint</a:t>
-            </a:r>
-            <a:r>
-              <a:rPr lang="pt-BR" dirty="0">
+              <a:t>end</a:t>
+            </a:r>
+            <a:r>
+              <a:rPr lang="pt-BR" sz="3200" dirty="0">
                 <a:latin typeface="Calibri"/>
                 <a:ea typeface="Calibri"/>
                 <a:cs typeface="Calibri"/>
                 <a:sym typeface="Calibri"/>
               </a:rPr>
-              <a:t> (stateful) ou na própria aplicação (stateless)?</a:t>
+              <a:t> se comunicando, sem serviços distribuídos e sem integrações terceiras.</a:t>
             </a:r>
           </a:p>
           <a:p>
@@ -11981,7 +12002,7 @@
                 <a:spcPts val="0"/>
               </a:spcBef>
             </a:pPr>
-            <a:endParaRPr lang="pt-BR" dirty="0">
+            <a:endParaRPr lang="pt-BR" sz="3200" dirty="0">
               <a:latin typeface="Calibri"/>
               <a:ea typeface="Calibri"/>
               <a:cs typeface="Calibri"/>
@@ -11995,42 +12016,13 @@
               </a:spcBef>
             </a:pPr>
             <a:r>
-              <a:rPr lang="pt-BR" dirty="0">
+              <a:rPr lang="pt-BR" sz="3200" dirty="0">
                 <a:latin typeface="Calibri"/>
                 <a:ea typeface="Calibri"/>
                 <a:cs typeface="Calibri"/>
                 <a:sym typeface="Calibri"/>
               </a:rPr>
-              <a:t>Quem deve assumir a responsabilidade de verificar os credenciais do token? Cada aplicação individual (ou biblioteca criada para isso) ou a própria API de autenticação?</a:t>
-            </a:r>
-          </a:p>
-          <a:p>
-            <a:pPr algn="just">
-              <a:spcBef>
-                <a:spcPts val="0"/>
-              </a:spcBef>
-            </a:pPr>
-            <a:endParaRPr lang="pt-BR" dirty="0">
-              <a:latin typeface="Calibri"/>
-              <a:ea typeface="Calibri"/>
-              <a:cs typeface="Calibri"/>
-              <a:sym typeface="Calibri"/>
-            </a:endParaRPr>
-          </a:p>
-          <a:p>
-            <a:pPr algn="just">
-              <a:spcBef>
-                <a:spcPts val="0"/>
-              </a:spcBef>
-            </a:pPr>
-            <a:r>
-              <a:rPr lang="pt-BR" dirty="0">
-                <a:latin typeface="Calibri"/>
-                <a:ea typeface="Calibri"/>
-                <a:cs typeface="Calibri"/>
-                <a:sym typeface="Calibri"/>
-              </a:rPr>
-              <a:t>Controle de sessão, login  e acessos com JWT é possível, mesmo que parcialmente?</a:t>
+              <a:t>Estou desenvolvendo uma aplicação para acesso interno dos funcionários para definir o que cada um poderá acessar dos sistemas internos da organização.</a:t>
             </a:r>
           </a:p>
         </p:txBody>
@@ -12089,7 +12081,7 @@
                 <a:cs typeface="Trebuchet MS"/>
                 <a:sym typeface="Trebuchet MS"/>
               </a:rPr>
-              <a:t>Questões discutidas na comunidade</a:t>
+              <a:t>Quando utilizar Token Opaco?</a:t>
             </a:r>
             <a:endParaRPr lang="pt-BR" dirty="0"/>
           </a:p>
@@ -12170,7 +12162,7 @@
     </p:spTree>
     <p:extLst>
       <p:ext uri="{BB962C8B-B14F-4D97-AF65-F5344CB8AC3E}">
-        <p14:creationId xmlns:p14="http://schemas.microsoft.com/office/powerpoint/2010/main" val="201929897"/>
+        <p14:creationId xmlns:p14="http://schemas.microsoft.com/office/powerpoint/2010/main" val="1514263852"/>
       </p:ext>
     </p:extLst>
   </p:cSld>
@@ -12215,8 +12207,8 @@
         </p:nvSpPr>
         <p:spPr>
           <a:xfrm>
-            <a:off x="889819" y="2424075"/>
-            <a:ext cx="10038735" cy="3621869"/>
+            <a:off x="1339645" y="2300749"/>
+            <a:ext cx="9512709" cy="3609404"/>
           </a:xfrm>
         </p:spPr>
         <p:txBody>
@@ -12231,63 +12223,16 @@
               </a:spcBef>
             </a:pPr>
             <a:r>
-              <a:rPr lang="pt-BR" sz="3200" dirty="0">
+              <a:rPr lang="pt-BR" dirty="0">
                 <a:latin typeface="Calibri"/>
                 <a:ea typeface="Calibri"/>
                 <a:cs typeface="Calibri"/>
                 <a:sym typeface="Calibri"/>
               </a:rPr>
-              <a:t>Vemos muitas pessoas implementando </a:t>
-            </a:r>
-            <a:r>
-              <a:rPr lang="pt-BR" sz="3200" dirty="0" err="1">
-                <a:latin typeface="Calibri"/>
-                <a:ea typeface="Calibri"/>
-                <a:cs typeface="Calibri"/>
-                <a:sym typeface="Calibri"/>
-              </a:rPr>
-              <a:t>block-lists</a:t>
-            </a:r>
-            <a:r>
-              <a:rPr lang="pt-BR" sz="3200" dirty="0">
-                <a:latin typeface="Calibri"/>
-                <a:ea typeface="Calibri"/>
-                <a:cs typeface="Calibri"/>
-                <a:sym typeface="Calibri"/>
-              </a:rPr>
-              <a:t> com JWT (eu já fiz isso) para bloquear alguma ação. Isso não estaria quebrando o conceito de stateless? Nesse caso, por que utilizar o JWT?</a:t>
-            </a:r>
-          </a:p>
-          <a:p>
-            <a:pPr algn="just">
-              <a:spcBef>
-                <a:spcPts val="0"/>
-              </a:spcBef>
-            </a:pPr>
-            <a:endParaRPr lang="pt-BR" sz="3200" dirty="0">
-              <a:latin typeface="Calibri"/>
-              <a:ea typeface="Calibri"/>
-              <a:cs typeface="Calibri"/>
-              <a:sym typeface="Calibri"/>
-            </a:endParaRPr>
-          </a:p>
-          <a:p>
-            <a:pPr algn="just">
-              <a:spcBef>
-                <a:spcPts val="0"/>
-              </a:spcBef>
-            </a:pPr>
-            <a:r>
-              <a:rPr lang="pt-BR" sz="3200" dirty="0">
-                <a:latin typeface="Calibri"/>
-                <a:ea typeface="Calibri"/>
-                <a:cs typeface="Calibri"/>
-                <a:sym typeface="Calibri"/>
-              </a:rPr>
-              <a:t>Tenho uma aplicação distribuída que, a cada </a:t>
-            </a:r>
-            <a:r>
-              <a:rPr lang="pt-BR" sz="3200" dirty="0" err="1">
+              <a:t>Validar autenticação a cada </a:t>
+            </a:r>
+            <a:r>
+              <a:rPr lang="pt-BR" dirty="0" err="1">
                 <a:latin typeface="Calibri"/>
                 <a:ea typeface="Calibri"/>
                 <a:cs typeface="Calibri"/>
@@ -12296,13 +12241,89 @@
               <a:t>request</a:t>
             </a:r>
             <a:r>
-              <a:rPr lang="pt-BR" sz="3200" dirty="0">
+              <a:rPr lang="pt-BR" dirty="0">
                 <a:latin typeface="Calibri"/>
                 <a:ea typeface="Calibri"/>
                 <a:cs typeface="Calibri"/>
                 <a:sym typeface="Calibri"/>
               </a:rPr>
-              <a:t>, valida o token na API de autenticação. Terei problemas por isso? Estou ferindo o conceito do REST?</a:t>
+              <a:t> via </a:t>
+            </a:r>
+            <a:r>
+              <a:rPr lang="pt-BR" dirty="0" err="1">
+                <a:latin typeface="Calibri"/>
+                <a:ea typeface="Calibri"/>
+                <a:cs typeface="Calibri"/>
+                <a:sym typeface="Calibri"/>
+              </a:rPr>
+              <a:t>endpoint</a:t>
+            </a:r>
+            <a:r>
+              <a:rPr lang="pt-BR" dirty="0">
+                <a:latin typeface="Calibri"/>
+                <a:ea typeface="Calibri"/>
+                <a:cs typeface="Calibri"/>
+                <a:sym typeface="Calibri"/>
+              </a:rPr>
+              <a:t> (stateful) ou na própria aplicação (stateless)?</a:t>
+            </a:r>
+          </a:p>
+          <a:p>
+            <a:pPr algn="just">
+              <a:spcBef>
+                <a:spcPts val="0"/>
+              </a:spcBef>
+            </a:pPr>
+            <a:endParaRPr lang="pt-BR" dirty="0">
+              <a:latin typeface="Calibri"/>
+              <a:ea typeface="Calibri"/>
+              <a:cs typeface="Calibri"/>
+              <a:sym typeface="Calibri"/>
+            </a:endParaRPr>
+          </a:p>
+          <a:p>
+            <a:pPr algn="just">
+              <a:spcBef>
+                <a:spcPts val="0"/>
+              </a:spcBef>
+            </a:pPr>
+            <a:r>
+              <a:rPr lang="pt-BR" dirty="0">
+                <a:latin typeface="Calibri"/>
+                <a:ea typeface="Calibri"/>
+                <a:cs typeface="Calibri"/>
+                <a:sym typeface="Calibri"/>
+              </a:rPr>
+              <a:t>Quem deve assumir a responsabilidade de verificar os credenciais do token? Cada aplicação individual (ou biblioteca criada para isso) ou a própria API de autenticação?</a:t>
+            </a:r>
+          </a:p>
+          <a:p>
+            <a:pPr algn="just">
+              <a:spcBef>
+                <a:spcPts val="0"/>
+              </a:spcBef>
+            </a:pPr>
+            <a:endParaRPr lang="pt-BR" dirty="0">
+              <a:latin typeface="Calibri"/>
+              <a:ea typeface="Calibri"/>
+              <a:cs typeface="Calibri"/>
+              <a:sym typeface="Calibri"/>
+            </a:endParaRPr>
+          </a:p>
+          <a:p>
+            <a:pPr algn="just">
+              <a:spcBef>
+                <a:spcPts val="0"/>
+              </a:spcBef>
+            </a:pPr>
+            <a:r>
+              <a:rPr lang="pt-BR" dirty="0">
+                <a:latin typeface="Calibri"/>
+                <a:ea typeface="Calibri"/>
+                <a:cs typeface="Calibri"/>
+                <a:sym typeface="Calibri"/>
+              </a:rPr>
+              <a:t>Controle de sessão, login  e acessos com JWT é possível, mesmo que parcialmente?</a:t>
             </a:r>
           </a:p>
         </p:txBody>
@@ -12442,7 +12463,7 @@
     </p:spTree>
     <p:extLst>
       <p:ext uri="{BB962C8B-B14F-4D97-AF65-F5344CB8AC3E}">
-        <p14:creationId xmlns:p14="http://schemas.microsoft.com/office/powerpoint/2010/main" val="1239270291"/>
+        <p14:creationId xmlns:p14="http://schemas.microsoft.com/office/powerpoint/2010/main" val="201929897"/>
       </p:ext>
     </p:extLst>
   </p:cSld>
@@ -12471,6 +12492,116 @@
       </p:grpSpPr>
       <p:sp>
         <p:nvSpPr>
+          <p:cNvPr id="3" name="Espaço Reservado para Conteúdo 2">
+            <a:extLst>
+              <a:ext uri="{FF2B5EF4-FFF2-40B4-BE49-F238E27FC236}">
+                <a16:creationId xmlns:a16="http://schemas.microsoft.com/office/drawing/2014/main" id="{58FCE168-5451-49F3-82A9-B851BCEF6B1F}"/>
+              </a:ext>
+            </a:extLst>
+          </p:cNvPr>
+          <p:cNvSpPr>
+            <a:spLocks noGrp="1"/>
+          </p:cNvSpPr>
+          <p:nvPr>
+            <p:ph idx="1"/>
+          </p:nvPr>
+        </p:nvSpPr>
+        <p:spPr>
+          <a:xfrm>
+            <a:off x="889819" y="2424075"/>
+            <a:ext cx="10038735" cy="3621869"/>
+          </a:xfrm>
+        </p:spPr>
+        <p:txBody>
+          <a:bodyPr>
+            <a:noAutofit/>
+          </a:bodyPr>
+          <a:lstStyle/>
+          <a:p>
+            <a:pPr algn="just">
+              <a:spcBef>
+                <a:spcPts val="0"/>
+              </a:spcBef>
+            </a:pPr>
+            <a:r>
+              <a:rPr lang="pt-BR" sz="3200" dirty="0">
+                <a:latin typeface="Calibri"/>
+                <a:ea typeface="Calibri"/>
+                <a:cs typeface="Calibri"/>
+                <a:sym typeface="Calibri"/>
+              </a:rPr>
+              <a:t>Vemos muitas pessoas implementando </a:t>
+            </a:r>
+            <a:r>
+              <a:rPr lang="pt-BR" sz="3200" dirty="0" err="1">
+                <a:latin typeface="Calibri"/>
+                <a:ea typeface="Calibri"/>
+                <a:cs typeface="Calibri"/>
+                <a:sym typeface="Calibri"/>
+              </a:rPr>
+              <a:t>block-lists</a:t>
+            </a:r>
+            <a:r>
+              <a:rPr lang="pt-BR" sz="3200" dirty="0">
+                <a:latin typeface="Calibri"/>
+                <a:ea typeface="Calibri"/>
+                <a:cs typeface="Calibri"/>
+                <a:sym typeface="Calibri"/>
+              </a:rPr>
+              <a:t> com JWT (eu já fiz isso) para bloquear alguma ação. Isso não estaria quebrando o conceito de stateless? Nesse caso, por que utilizar o JWT?</a:t>
+            </a:r>
+          </a:p>
+          <a:p>
+            <a:pPr algn="just">
+              <a:spcBef>
+                <a:spcPts val="0"/>
+              </a:spcBef>
+            </a:pPr>
+            <a:endParaRPr lang="pt-BR" sz="3200" dirty="0">
+              <a:latin typeface="Calibri"/>
+              <a:ea typeface="Calibri"/>
+              <a:cs typeface="Calibri"/>
+              <a:sym typeface="Calibri"/>
+            </a:endParaRPr>
+          </a:p>
+          <a:p>
+            <a:pPr algn="just">
+              <a:spcBef>
+                <a:spcPts val="0"/>
+              </a:spcBef>
+            </a:pPr>
+            <a:r>
+              <a:rPr lang="pt-BR" sz="3200" dirty="0">
+                <a:latin typeface="Calibri"/>
+                <a:ea typeface="Calibri"/>
+                <a:cs typeface="Calibri"/>
+                <a:sym typeface="Calibri"/>
+              </a:rPr>
+              <a:t>Tenho uma aplicação distribuída que, a cada </a:t>
+            </a:r>
+            <a:r>
+              <a:rPr lang="pt-BR" sz="3200" dirty="0" err="1">
+                <a:latin typeface="Calibri"/>
+                <a:ea typeface="Calibri"/>
+                <a:cs typeface="Calibri"/>
+                <a:sym typeface="Calibri"/>
+              </a:rPr>
+              <a:t>request</a:t>
+            </a:r>
+            <a:r>
+              <a:rPr lang="pt-BR" sz="3200" dirty="0">
+                <a:latin typeface="Calibri"/>
+                <a:ea typeface="Calibri"/>
+                <a:cs typeface="Calibri"/>
+                <a:sym typeface="Calibri"/>
+              </a:rPr>
+              <a:t>, valida o token na API de autenticação. Terei problemas por isso? Estou ferindo o conceito do REST?</a:t>
+            </a:r>
+          </a:p>
+        </p:txBody>
+      </p:sp>
+      <p:sp>
+        <p:nvSpPr>
           <p:cNvPr id="4" name="Título 1">
             <a:extLst>
               <a:ext uri="{FF2B5EF4-FFF2-40B4-BE49-F238E27FC236}">
@@ -12494,7 +12625,7 @@
         </p:spPr>
         <p:txBody>
           <a:bodyPr vert="horz" lIns="91440" tIns="45720" rIns="91440" bIns="45720" rtlCol="0" anchor="ctr">
-            <a:normAutofit fontScale="92500"/>
+            <a:normAutofit/>
           </a:bodyPr>
           <a:lstStyle>
             <a:lvl1pPr algn="l" defTabSz="914400" rtl="0" eaLnBrk="1" latinLnBrk="0" hangingPunct="1">
@@ -12523,24 +12654,7 @@
                 <a:cs typeface="Trebuchet MS"/>
                 <a:sym typeface="Trebuchet MS"/>
               </a:rPr>
-              <a:t>Resumindo: </a:t>
-            </a:r>
-            <a:br>
-              <a:rPr lang="pt-BR" sz="4400" dirty="0">
-                <a:latin typeface="Trebuchet MS"/>
-                <a:ea typeface="Trebuchet MS"/>
-                <a:cs typeface="Trebuchet MS"/>
-                <a:sym typeface="Trebuchet MS"/>
-              </a:rPr>
-            </a:br>
-            <a:r>
-              <a:rPr lang="pt-BR" sz="4400" dirty="0">
-                <a:latin typeface="Trebuchet MS"/>
-                <a:ea typeface="Trebuchet MS"/>
-                <a:cs typeface="Trebuchet MS"/>
-                <a:sym typeface="Trebuchet MS"/>
-              </a:rPr>
-              <a:t>Existe um jeito melhor ou mais correto?</a:t>
+              <a:t>Questões discutidas na comunidade</a:t>
             </a:r>
             <a:endParaRPr lang="pt-BR" dirty="0"/>
           </a:p>
@@ -12618,85 +12732,10 @@
           </a:prstGeom>
         </p:spPr>
       </p:pic>
-      <p:sp>
-        <p:nvSpPr>
-          <p:cNvPr id="6" name="Espaço Reservado para Conteúdo 5">
-            <a:extLst>
-              <a:ext uri="{FF2B5EF4-FFF2-40B4-BE49-F238E27FC236}">
-                <a16:creationId xmlns:a16="http://schemas.microsoft.com/office/drawing/2014/main" id="{B371EE64-5E8E-7948-0FE0-9969F5CDEB28}"/>
-              </a:ext>
-            </a:extLst>
-          </p:cNvPr>
-          <p:cNvSpPr>
-            <a:spLocks noGrp="1"/>
-          </p:cNvSpPr>
-          <p:nvPr>
-            <p:ph idx="1"/>
-          </p:nvPr>
-        </p:nvSpPr>
-        <p:spPr>
-          <a:xfrm>
-            <a:off x="1535061" y="5367098"/>
-            <a:ext cx="9121877" cy="1192725"/>
-          </a:xfrm>
-        </p:spPr>
-        <p:txBody>
-          <a:bodyPr/>
-          <a:lstStyle/>
-          <a:p>
-            <a:pPr marL="0" indent="0" algn="ctr">
-              <a:buNone/>
-            </a:pPr>
-            <a:r>
-              <a:rPr lang="pt-BR" dirty="0"/>
-              <a:t>Existe apenas o que vai te atender no momento da maneira mais segura, performática e de fácil manutenção!</a:t>
-            </a:r>
-          </a:p>
-          <a:p>
-            <a:pPr marL="0" indent="0">
-              <a:buNone/>
-            </a:pPr>
-            <a:endParaRPr lang="pt-BR" dirty="0"/>
-          </a:p>
-        </p:txBody>
-      </p:sp>
-      <p:pic>
-        <p:nvPicPr>
-          <p:cNvPr id="9" name="Google Shape;216;p19" descr="data:image/jpeg;base64,/9j/4AAQSkZJRgABAQAAAQABAAD/2wCEAAoHCBIVFRgSFRIYGBgYGhgaGRkYGBgcHBgYGhoZGhgZHBgcIS4lHB4rIRoZJzgmKy8xNTU1GiQ7QDs0Py40NTEBDAwMEA8QHhISGjQrJCs0MTQ0NDY0MTQ0NDE0NDQ0NDQ2NDQ0MTExNDQ0NDQ0NDQ0NDQ0NDE0MTE0NDE0NDE0Mf/AABEIALcBEwMBIgACEQEDEQH/xAAcAAABBAMBAAAAAAAAAAAAAAAABAUGBwECAwj/xABOEAACAQMBBAYFBwYLBgcAAAABAgADBBEhBRIxQQYHUWFxgRMiMpGhQlJicrHB0RSCg6LC0iMkM0RTVHSSs9PwJWOUo7ThFRYXNUNkk//EABkBAQADAQEAAAAAAAAAAAAAAAABAwQCBf/EACIRAQEAAwACAgIDAQAAAAAAAAABAgMRITESIjJRExRxBP/aAAwDAQACEQMRAD8AteEIQCEIQCEIQCEhnSvrCoWdRqC02rVFGXAYKiEjKqzaknUEgDQGVftXp/tKuT/GDTQ59Sl6gA7N4euffAvbam17e3Xfr1kpj6bYJ7gvEnwEg21etm0TIt6L1TyZ8U0+OW/VEpypUZiWZizHizEknxJ1M5MTxHKBN9qdY+0q+QtRaCHlSXDY7C7ZbzGJE7i4d2LO7Ox4szFifMnM4JWB04Hs/CZaSNGacszdpyqNoYF+9A03bSiv0E+IE5NZmm7Y0wxI8CciRPpHf3dslrSo1Wpp6Mb5TAJYbo1bGQPCSbo5fPXoL6Ri1RMgseLqfZbxHCU7cexdqy5f9S7Z9XfQHuncjEQ7KXdUrFVxUwDKZ6XWfZrVrbqljK/6U31SqVopks7AADnmS7bNUrT8pHdgWBd2uXGeKp+033e+McfllxOV+ONrew2lZWVNKL1wGJ1IVyXbn7Kn/Qh02uKF1YO1GormkyVCBneUA4bKnUeqzSI9YFylO5oncyFJZl57nA6dupx4R4S0pshqoQ1J6bqxHNGQhv8AXaJqk4yW9VwjYM1ZiGyGKtyIJBB8phCCB5TFy6jifKduUy6O9Y17bYSt/GKfAb7euvhU1J8GB8ZOtldZ1hVIWpv0SebjeT+8mceYEokVd7w5TdTIHqa1uqdRBUp1FdDwZGDA+YnWeY9l7Vr27b9Gq9M9qMRnxHA+cm+xOtK6p4W4Ray9owj+8DdPu85AuWEauje36N7R9NSyMEq6NjeRhrg47iCDzzHWAQhCAQhCAQhCAQhCAQhCAThe3Ip03qkZCI7kDiQqliPhO8ZOmlz6Owunzg+hcD6zjcX4sIHnq6vGrPUqt7dRmdvFiWx4DOPKJFEzT4zbEkanQZmo4nyMxXPKZHHyEAamDrAA8znxgzQzAwROFURQZjdzAtmui3O4eJNvTcfnjMcujVqVRCOOuVPFe3B5jujd0XTFK1qnUNRWmx7NzIX7JLrejuDeXkTkfEke+c2OpSy2Yzd9TCivETpuzLY2Sz2ZtuAuFpr7TkKPPnHOnRVFCKAAoAHkOM4UkDVDU5JlV+sfaPu08zOe2bncRiOODLtWPJ1Ruz7Zj+lQ9P3V7lmBzy49mPxjVs3bNWjSq266pVRlwSfULaMy+IyMefj16Q59JrxIyfMk/hGoiXT0pvtjEyKY7ILNu+ShqVA5TkJ3rH1fhOQEDAm5XUTdEGMQRcnwECw+qHaSpcVKDvj0yruA83QscDvKk/3ZcM8wpcMjo6HDIVcH6SkMPiJ6atqwdEqDg6qw/OAP3yKOkIQkAhCEAhCEAhCEAhCEAkH63NopTsDSLevWdFVeZCMHc+AAHmRJxKL647p2vxTJ9VKKbo7C5LMfPT3CBBEfXE7kziVBE621N3ZKaDed2VFA4szEBRrzJIEkcKx1nRh63lJH/wCnu1yc/kL+b0h+3FY6uNrlgfyTGmuatEftwIjuwAk2HVltY/zdB41af3NOi9Vm1f6OkPGqPuBgQWZWTwdVO1Pm0B+lP7k3Xqm2nzNuP0rf5cCU9FLbFjQRuIUE9xb1vvkjoMOBPIcPdDZPR6ulMU2KaKo0JIyAAeUVJsKqDnfX3n8PGQlii41GZvcVQiFjyBM7U9kONSy/H8JptDYtSohQVFXPPBMoyxvbyNGOeMklpLZ6IoB1xk+J1PxMQbU9cFeXEnlHyjsZwoDVATgAkKRy15zS92AzoUWqFyOO5n75dJyM9vb15+2+QbioQcgtn4DTwjaRLhrdUYZixvjqc/yI/fmB1O0+d6/lTUfaxnUqKp2brLiXqctud3W8lpj7VM6p1P2g43Vwf/y/ck9FKuvAec2CS7V6orDia1wfzqY/YncdVGzvn1z+en7kdFIKJqo48dZaPTzoNZ2do1ej6TfDovrPkYY4OgAlXFuQgdKdMCW51UbaepTe0dt40gGQn+jJwV8FOMdzAcpUKk+/4CTbqg32v3YewlBwx5ZZ03ffun3GKLphCE5BCEIBCEIBCEIBCEIBKE63K9N9oN6NstTREfs313iQDzwGXPfnsly9KNuJZWz3L67owi83dtFX38e4GeZbi5Z2LsxLMSzHtZjkn3wNFqY4iO/RjH5Zakf1m3/xUjSH5kef4xx6PEC7tmHD09A/8xJI9XTMxMiQCEIQMwhCAQhCAQhCAQhCAQhCAQhCAQhCBCOtw/7NqHsqUv8AEUffKDDnyl/9bI/2ZV7nof4qTz85B458OUmDZq3yVGp+EuTqcs6SWbujb1R6hFTT2d0DcXww29+eZTdM47u4SX9COl4sC+/TZ6dTdyEI3lZc+sA2h0JyO4SaL1hONndJVRKqNvI6q6HtVhkGdpyCEIQCEIQCEIQCEJpXrIitUdgqICzMeCqBkk+AgVH13bWLNRswuQg9Mx723kQY8Ax85VQTs08Y69Lttte3dW41CscIOymvqoPHGviTGgUe+BvnHERZsggXFFhyq0j+usQqhHAxVZECrTPPfQ/rLJHriEIQMwhCQCZiW9vaVJQ9R1VSyqCxwN5juqM95OIpgZhMThb3SPvbjBtxijY+S64yp7xkQO8MxPeI5R1psFcqwRiMhXIO6xXmAcHEiq7Gr0XWjb7WqCq6F2S5AuN4LhWqoGKsh3mGgO7r7MCZZhEthb+jppSLs5RFUu5yzlVALM3NjjJPfFMDaEbNo7btqDBKlUB2GVpqGeow7VpoCxHgIlpdKrIsEaqaZYhQK9KrQ3mPBVNZVDHuEB9hCEAmITnUqqvE4g9op1qf+2V+40j7qtOeeDk+tw7z+E9EdYzh9m3AU7xwhwupOKiHQDWedF9c+scAcvxkypssZLqdM/b92IoXA14nl/27JqKK8hNKr4wBxPDwk9Q9BdXVUPs63I5B1/u1HH3SSxi6EWgpWFqgIP8ABq5I4Fqn8I2PNjH2cghCEAhCEAhCEAkF639oNTsfRqcGvUVCc49UAuw890Dzk6lc9dFsz21sqjJa5CAd7o4H2QKRVMTrQoszbqKzN81FLH3CWVsXq7ophrh/Stj2QCqr8ct548JK7WypUV3VRUXsVQo+Ery2yemjD/nyvvwqmw6G39XhSCDtqMF/VGT8I8WvVldhldq9EYYHALngc/NEn9vdIrEKd7PJQWx440EcFrVW9hAPrtj4DMr/AJqt/r4xIKe2QxChDk94jhQq7wzjHdIWUrKRvOoPLdB07dT+Ec7C7ZQT6TGpyDgnSTjtvfLnPROfVKITnRqZAPaMzpL2RGendFHoUqboHR7q1RlPAq9VUb4NMdFb+orVNn3Db1e3xuueNe3OlKt3tgbrccMO+dOmv8nb/wBtsf8AqKc16XbNqsEvLYZubYlkGcempn+VoN2hgNOxgOHGBJYw9Fv51/a6/wCxF+xdp0rmhTuKTZR1yO0HgynsYEEEdoMQdFv51/a6/wCxAfpXl5VJaptkaihcrTUjXNlR36Ffy36ld+/0a9klfSi/ejbO1P8AlX3adEdtaqwp0/IMwJ7gZ2tNkUktls93epLSFIg/KXd3Gz4jOfGA4gxk6T7SqUaaJRANeu60aO9qFdgS1RhzVEV2Pbugc5p0OrsbcUKhzUtma2cnixp4COc/OplG/OnC/UPtO1U8KdvdVF+sz0KefHdZh+cYDlsbY1K2UhMs7a1Kr61Krc2duJPYOAGgAEW3NulRGpuiurDDKwDKwPIg6ETtCSIlsQvZ3R2czM1B0araMxyUCFRVtyxOWC7yspPBSRnQSXyMdKwFr7PqAesLvcB+jUt64YfAe6SeQEl1dqmM840161TeJVlbOsdNohdwkjOJHzSUao7Ak8GGfOV7LZPDRpmNapXI9pGGupC5H6uZtXo21VcmnTf6yq32iKbd2XQrnvXX4cZyuKdNzndGe3GCPMaiUTw0XlvmIxtXoHZ1s7imi3bTxu570OnuxIFtToLd2zNUZRVQZO/TzoB2p7S+WR3y5kpuo0O8OxuPgG/GdKdTPFSD3/iJ3jsyirLVjfSP9Ve0fSWfoycmi5QfUb10+1h5SaRm2fZW1vVYooRrggEDIDuodwQvAHG/w4x5l+OXZ1mynxvBCEJLkQhCAQhCASounfSwXF7QsaADrRrozONd6ouQVX6Kgtk9vcNZ30/2q9tYV6yEht0IpHyWdgm94jeJ8hKD6I3YpXdN+OSVPmOPvxIy9V1j+UXjRR8DK4ONczk9gjNlwG7jqPdwiihcl1DHnrpE9dGJwX3R3aH3/hiZXoy10bcUgBlXsHb4CKPSOBhKZY92APMtiJAiJ6ygDtOdfMnjNhtdfZpo1RvoDKj6zn1R7890iFdK1OuxAZ1QdijePvOg90U7LoUwVOrPng2vvHCc6e+5BqOFGM7q6+W8fwEk9jRVVBCBSRrpr5md4Y9vVezZ8ceFazMBCamBHemn8nb/ANtsf+opyRRn6R7PeulJUxlLm2qtk49SnVV2x2nCnAjxIENx/wCH3uRpaXz69lC7PA9y1cY+sOWY69Fv51/a6/7EcNrbNpXNF7equ8lRd1hzHMEHkwIBB5ECNvRDZ1zQpOly6vUaq7F10DrhVVyPkswXJHaTASbYtlu7ynalnFO3Q3FQo7I3pam9TtwHQhl9UV20PzeUW/8Alah/S3f/AB15/mTp0f2e9M16tXHpK9Z3ODkLTUCnRTPPFNVJ+kzR5kiJWNktlfBFZzTvKZ1qVKlRvymgM6u7EnepHhn/AOH3b9Kav5Pc2d6TimrVLeseSrcBdxyeSioiAn6Ucekuz3q0lNHd9NSqU61LeOAXRvWUnkGQuhP04vvrOnWptRqqGR1KsrcCDxGnA944SAqhIxZ0b+0X0QX8sorohNRUuEUcEbewlXAwN7eU9oPGKHvtoVBu07MUCdN+5q02Cj5y06DPvnuLJ4wE+039PtC2t11Fsr3NXsBZGo0FJ+cd+o2OxO+SmNWw9kLbqw3mqVKh36tV8b1SoRjJxoAAAAo0AAAjrA51VBGDItdIodg2V10ZeI8joZLDG6/sVcd8jKdnHeGXxy6Y6NSogyw317UB3h4r+GYoF5TcbwII7ez8IirVTbZd2wijJLHAUdpPITatToVcuvqMRnfUgE9hI4N5zNcbj4bJlMr2HBHPLUd83R0bPb8R5RtWrUQAVN3d5Ovsns3gfY+I74tQgj75EqbEW6yGrUrend0XG9QrI+GHig056sMjszF3Qbpol+ppuoSui7xUH1XXOC6Z10OMjlkSH9a+0yq07ZDnecuRnTCDA+LfCIOqBg9+S2AyUXIB4kkopx26EzRr/Fj2/ku6EITtWIQhAIQhArjrr2oUtEtlx/Dv63bu091tPzivulWdFNnGpUFU6LTIOR8puIX7z/3j10/2ncbQvnoqmFt2emg4YAbDux7yPdiL9m2opItNdd3ifnMfaMrzy5PC7Vh8su30m2xr3fQJg5XjFdwp4DGe08B5czIrsu/9AxZsgHsj0m1EqaK2SeEobI6m0powdyX1+WcqvgvAe7M5bY6YWlqMM4LY0RPWY+Q0XPfiQ7rC2pXohKaViu+CW3dCR48QPCQXYmzKl3cU7dCN+o2AWOg0JZj4AE+Usww75qjbu5eR6e2LZoUSrqxZFcb3yd5QwAHbrxjwBE+z7cU6VOkDkIiICee6oXPwimXySTkZssrle1mEISXIhCEAhCEAmJmEAEwRMwgaibCEzAzCYmZAJgiZhAjXTu3BsLs44W9U+5CfulE9EulVW3dKbEvTOgB4r9X6PdL/AOmgzs+8H/1q/wDhtPLuzqoV1Y8OGezIInOU7PLvDKzKWPRNhtJaihgRw4TF/cFRhMd+OUgvR7aYxu5IzxGZKqL7+g/0O2Zb+m+GDphsL8po+kRc1aYJTtdflJ39o7/Eyutg7VqW1wlzSYFkPsk+0pGGRtOBGRLsuKe7jHZpK66YdGcFruiND61RAOB5uuPeR5yzTs59ao36+/aLp2RtBbihTuFBVaiK4B4jPEHwiuV71P7Yarb1Ld3DGgy+jB9oU2GgI5gMCAe+WFNDIIQhAI3dIdrJaW1S6cZFNcgfOY4CL5sQI4yvOuyuy2CIPl10B8Ajt9oECDbJdmVq7Y367vUcjtZicDu1jhRqYMadlN/Ap9QRWXmTK/at+E5jCu7qqeBzG19q/k6lwuSOABxzxrMV6mOcY9o1N5X8NPeJOE7TZlydhs2ttSpcOalQ68AOQHYJJ+qW1d9pUnVSVpiozkcFBpuoJPLJIEhTDWekOrHZbW+zqSuu6z71RgRggM2Vz37u775qk56Ybe+01p8BN5pT4CbSUMzMxCBmEIQCEIQCEIQCEIQCZmIQMwmJmQMwmIQEu0LZatKpScEq6MjAaEqykEA9uDPI95u777isq7zBVb2lXJ3VP0gNDPYD8D4Sq+sboFavRrXtIGlVpo9Rwo9Spj1mLL8lsZO8PMGBVGwr51yMnTGM8hwOvull7BvdA2hlUbHU7zHsX7xJz0eq8Jm3Tz1t0XuPKnlS4L8sTXHbE9B9BrN2cazNa0cRjorXp2W1jTYYWoDTRs4CioVZM9o3lC+cuSeeOnr/AMZyDgrSXJHI7zkecv8A2fUZqVNn9oohb6xUFvjmehhe4yvN2TmVkKIQhOnAkA66bcts8N8ytTY+BV0+1hJ/G3pHshLu2q2rHAqLgNjO6wIZGx3MBA8+dH7wFfRk6rnHep/D8I8EyKbS2ZcWldqNVSlRD5EcmU/KU8jHG120pGHGD2gZB8uUozwvexq1bZz40urLmNe1sKm7zYgDwGpP+u2Ka+16YGmWPZjHxM7dF+jlxtOvjVaa49JUx6qJ81c8WI4DvydJOGN75NuePOQ9dWHQt7iql9UC+gp1DhGBJqso0wOG6Gxkn5pEvScLG0p0aaUaahURQqgcgPvneXMpRTOghUqqvtMo8SB9sTzzv1o9IBd3rKhzToA00PJmB9dx4tp4KI6PQ77Utl9q4pDxqIPvnFukNkON5bj9NT/enkubAR0eq36W7NHG/th+mp/jNF6Y7M4C/tz4VUP3zyvHPYi5dtOA++Oj0yelVh/W6fk2fsgOlFkeFwp8Ax/ZlHUn7o7WtzjGFzI664txuk9mNfTfqP8AuzlcdLrJFLNUbA44puf2ZWQugdCMHl36zbaNRWouADnTl3iOnE7q9Y2zF41X8qVT92I6nWrspTjfqnHZRf75T9+pyNIxXA9dvL7BEqLF7nrc2X/vz+i/Fpqet7ZnJLg/o1+95QjTZJKF6t1w7P5Ubk/mU/8AMnM9cdlytbk+VL9+UfibqYF1Hrks/wCqXH/K/fkn6I9MKO0Kb1KdN03HClXK51UMD6pOh19082sJOOp3afor5qJbC16ZUDtdPWT9Xf8AfAvpq/dE7KCCCAQRgg8CDxBmYQPN/SPZiWd/XtUJ3FYbu9xwyK4HlkjPdF+xqmDJh1y9HN9Ev6a+smEq4+Zn+DY/VOhPYw7JWmy9rBcBtDwzKtmNvpfpzmPirRtKuRN7isFBOcDt7O+Ry121SC+1nwBjTtrb/pM0x6qY9cni3Yo7B2zPNWVvpqy24yd6R26m92nTpfJeoikf7tfWb9UMfOejZSHVLslqt+13u/wdBXw2uDUcboUHtCsx7sDtl3zZJycjz8rbe0QhCSgQhCAx9KujFvf0vRVRusPYqBVLocgnBI9k41HP4yob7qp2ilTcp7lRDnFQNugYGfWVtVPLTI1GsvqECmeh/VU75qX29TCsQtJSu8wHyi4JCr4a6cRLd2fYUqCLSo01RF4KowO8957zrFMIBCEIDR0s2oLazr1ycFEYJ3uw3UH94ieWwJevXbeBbKnSzrUqg4+iisSfeVlFQATaYEIGY89Hl1Y8sqPtjLJj0NRPRvvYyX+AUfiZFTDkicBHrZdEHuM5CwzgiOFnQKnWHTtXtQVPqjt8CNcic7+gm4xGhx6yg94ii9tWKNg4ODzie7tm3QzEruqcYA00CEA/KBJ3jnsECFbcqKhAAJPhI1WbLEnTh9gkn2xQGQck+MjV0pLlQNSQB44kRFcSJhZ2uKITTe3u8DAPbjnOazpy2EyDjjNADBzgSRl28pi0vHpVErIcMjq6+KkEfZODtNJA9YWN0lWmlZDlHRXU9zAEfbO8hXVJf+l2cik5NJ3pnwB31/VcDyk1ga1EDAqwBBBBBGQQdCCOYlV9MOqqmVe4sn3GALGixyhAySEbivcDkcsiWtCB5StrOo4ARHbJwNxGbLYzu6c+6WT0W6qHcCpeu1Nc6U0xvsO1mI9Qd2CfCXDRpIihERUUcFUAAeAE3gJdm7PpW9NaNGmERB6qr8SSdSTxJOpiqEIBCEIBCEIBCEIBCEIBCEIFH9dt8Wu6VAcKVLP5zsSfgqytN09kzCBncMwR3TMIAAY/bJQ+jHeT9sISKmJPsi/qU23X9ZfHlJjaXdNwCPiIQh07VaigazhtW7HoGYcRu8u0zEIFfbUvi+ARrmR26J3ywHAj3EYmISIilBrUTRYFWNUuN0ggIqnVsjiWJ8gPcUS5hCduXULNaqndPdj8PvhCAlIMCphCQLS6kNoMKte2LHDoKiry3lIUnPI4ZfdLjhCAQhCAQhCAQhCAQhCB/9k=">
-            <a:extLst>
-              <a:ext uri="{FF2B5EF4-FFF2-40B4-BE49-F238E27FC236}">
-                <a16:creationId xmlns:a16="http://schemas.microsoft.com/office/drawing/2014/main" id="{11A89CFE-3324-65D4-62B1-CCEB1E5972A1}"/>
-              </a:ext>
-            </a:extLst>
-          </p:cNvPr>
-          <p:cNvPicPr preferRelativeResize="0"/>
-          <p:nvPr/>
-        </p:nvPicPr>
-        <p:blipFill rotWithShape="1">
-          <a:blip r:embed="rId5">
-            <a:alphaModFix/>
-          </a:blip>
-          <a:srcRect/>
-          <a:stretch/>
-        </p:blipFill>
-        <p:spPr>
-          <a:xfrm>
-            <a:off x="3940378" y="1959401"/>
-            <a:ext cx="4311244" cy="2939198"/>
-          </a:xfrm>
-          <a:prstGeom prst="rect">
-            <a:avLst/>
-          </a:prstGeom>
-          <a:noFill/>
-          <a:ln>
-            <a:noFill/>
-          </a:ln>
-        </p:spPr>
-      </p:pic>
     </p:spTree>
     <p:extLst>
       <p:ext uri="{BB962C8B-B14F-4D97-AF65-F5344CB8AC3E}">
-        <p14:creationId xmlns:p14="http://schemas.microsoft.com/office/powerpoint/2010/main" val="2893937714"/>
+        <p14:creationId xmlns:p14="http://schemas.microsoft.com/office/powerpoint/2010/main" val="1239270291"/>
       </p:ext>
     </p:extLst>
   </p:cSld>
@@ -12748,7 +12787,7 @@
         </p:spPr>
         <p:txBody>
           <a:bodyPr vert="horz" lIns="91440" tIns="45720" rIns="91440" bIns="45720" rtlCol="0" anchor="ctr">
-            <a:normAutofit/>
+            <a:normAutofit fontScale="92500"/>
           </a:bodyPr>
           <a:lstStyle>
             <a:lvl1pPr algn="l" defTabSz="914400" rtl="0" eaLnBrk="1" latinLnBrk="0" hangingPunct="1">
@@ -12777,7 +12816,24 @@
                 <a:cs typeface="Trebuchet MS"/>
                 <a:sym typeface="Trebuchet MS"/>
               </a:rPr>
-              <a:t>Referências</a:t>
+              <a:t>Resumindo: </a:t>
+            </a:r>
+            <a:br>
+              <a:rPr lang="pt-BR" sz="4400" dirty="0">
+                <a:latin typeface="Trebuchet MS"/>
+                <a:ea typeface="Trebuchet MS"/>
+                <a:cs typeface="Trebuchet MS"/>
+                <a:sym typeface="Trebuchet MS"/>
+              </a:rPr>
+            </a:br>
+            <a:r>
+              <a:rPr lang="pt-BR" sz="4400" dirty="0">
+                <a:latin typeface="Trebuchet MS"/>
+                <a:ea typeface="Trebuchet MS"/>
+                <a:cs typeface="Trebuchet MS"/>
+                <a:sym typeface="Trebuchet MS"/>
+              </a:rPr>
+              <a:t>Existe um jeito melhor ou mais correto?</a:t>
             </a:r>
             <a:endParaRPr lang="pt-BR" dirty="0"/>
           </a:p>
@@ -12873,108 +12929,67 @@
         </p:nvSpPr>
         <p:spPr>
           <a:xfrm>
-            <a:off x="1535061" y="2251588"/>
-            <a:ext cx="9290255" cy="4308236"/>
-          </a:xfrm>
-        </p:spPr>
-        <p:txBody>
-          <a:bodyPr>
-            <a:normAutofit fontScale="77500" lnSpcReduction="20000"/>
-          </a:bodyPr>
+            <a:off x="1535061" y="5367098"/>
+            <a:ext cx="9121877" cy="1192725"/>
+          </a:xfrm>
+        </p:spPr>
+        <p:txBody>
+          <a:bodyPr/>
           <a:lstStyle/>
           <a:p>
-            <a:r>
-              <a:rPr lang="pt-BR" dirty="0">
-                <a:hlinkClick r:id="rId5"/>
-              </a:rPr>
-              <a:t>https://auth0.com/docs/tokens/access-tokens</a:t>
-            </a:r>
+            <a:pPr marL="0" indent="0" algn="ctr">
+              <a:buNone/>
+            </a:pPr>
+            <a:r>
+              <a:rPr lang="pt-BR" dirty="0"/>
+              <a:t>Existe apenas o que vai te atender no momento da maneira mais segura, performática e de fácil manutenção!</a:t>
+            </a:r>
+          </a:p>
+          <a:p>
+            <a:pPr marL="0" indent="0">
+              <a:buNone/>
+            </a:pPr>
             <a:endParaRPr lang="pt-BR" dirty="0"/>
           </a:p>
-          <a:p>
-            <a:r>
-              <a:rPr lang="pt-BR" dirty="0">
-                <a:hlinkClick r:id="rId6"/>
-              </a:rPr>
-              <a:t>https://tools.ietf.org/html/rfc7519</a:t>
-            </a:r>
-            <a:endParaRPr lang="pt-BR" dirty="0"/>
-          </a:p>
-          <a:p>
-            <a:r>
-              <a:rPr lang="pt-BR" dirty="0">
-                <a:hlinkClick r:id="rId7"/>
-              </a:rPr>
-              <a:t>https://jwt.io/introduction</a:t>
-            </a:r>
-            <a:endParaRPr lang="pt-BR" dirty="0"/>
-          </a:p>
-          <a:p>
-            <a:r>
-              <a:rPr lang="pt-BR" dirty="0">
-                <a:hlinkClick r:id="rId8"/>
-              </a:rPr>
-              <a:t>https://docs.mashery.com/connectorsguide/GUID-3812EE8B-3770-445C-83F2-FB6D1D54C18A.html</a:t>
-            </a:r>
-            <a:endParaRPr lang="pt-BR" dirty="0"/>
-          </a:p>
-          <a:p>
-            <a:r>
-              <a:rPr lang="pt-BR" dirty="0">
-                <a:hlinkClick r:id="rId9"/>
-              </a:rPr>
-              <a:t>https://medium.com/@piyumimdasanayaka/json-web-token-jwt-vs-opaque-token-984791a3e715</a:t>
-            </a:r>
-            <a:endParaRPr lang="pt-BR" dirty="0"/>
-          </a:p>
-          <a:p>
-            <a:r>
-              <a:rPr lang="pt-BR" dirty="0">
-                <a:hlinkClick r:id="rId10"/>
-              </a:rPr>
-              <a:t>https://fusionauth.io/learn/expert-advice/tokens/pros-and-cons-of-jwts/</a:t>
-            </a:r>
-            <a:endParaRPr lang="pt-BR" dirty="0"/>
-          </a:p>
-          <a:p>
-            <a:r>
-              <a:rPr lang="pt-BR" dirty="0">
-                <a:hlinkClick r:id="rId11"/>
-              </a:rPr>
-              <a:t>https://www.redhat.com/pt-br/topics/cloud-native-apps/stateful-vs-stateless</a:t>
-            </a:r>
-            <a:endParaRPr lang="pt-BR" dirty="0"/>
-          </a:p>
-          <a:p>
-            <a:r>
-              <a:rPr lang="pt-BR" dirty="0">
-                <a:hlinkClick r:id="rId12"/>
-              </a:rPr>
-              <a:t>https://github.com/facg3/Stateless-vs-stateful-authentication</a:t>
-            </a:r>
-            <a:endParaRPr lang="pt-BR" dirty="0"/>
-          </a:p>
-          <a:p>
-            <a:r>
-              <a:rPr lang="pt-BR" dirty="0">
-                <a:hlinkClick r:id="rId13"/>
-              </a:rPr>
-              <a:t>https://medium.com/@kennch</a:t>
-            </a:r>
-            <a:r>
-              <a:rPr lang="pt-BR">
-                <a:hlinkClick r:id="rId13"/>
-              </a:rPr>
-              <a:t>/stateful-and-stateless-authentication-10aa3e3d4986</a:t>
-            </a:r>
-            <a:endParaRPr lang="pt-BR"/>
-          </a:p>
-        </p:txBody>
-      </p:sp>
+        </p:txBody>
+      </p:sp>
+      <p:pic>
+        <p:nvPicPr>
+          <p:cNvPr id="9" name="Google Shape;216;p19" descr="data:image/jpeg;base64,/9j/4AAQSkZJRgABAQAAAQABAAD/2wCEAAoHCBIVFRgSFRIYGBgYGhgaGRkYGBgcHBgYGhoZGhgZHBgcIS4lHB4rIRoZJzgmKy8xNTU1GiQ7QDs0Py40NTEBDAwMEA8QHhISGjQrJCs0MTQ0NDY0MTQ0NDE0NDQ0NDQ2NDQ0MTExNDQ0NDQ0NDQ0NDQ0NDE0MTE0NDE0NDE0Mf/AABEIALcBEwMBIgACEQEDEQH/xAAcAAABBAMBAAAAAAAAAAAAAAAABAUGBwECAwj/xABOEAACAQMBBAYFBwYLBgcAAAABAgADBBEhBRIxQQYHUWFxgRMiMpGhQlJicrHB0RSCg6LC0iMkM0RTVHSSs9PwJWOUo7ThFRYXNUNkk//EABkBAQADAQEAAAAAAAAAAAAAAAABAwQCBf/EACIRAQEAAwACAgIDAQAAAAAAAAABAgMRITESIjJRExRxBP/aAAwDAQACEQMRAD8AteEIQCEIQCEIQCEhnSvrCoWdRqC02rVFGXAYKiEjKqzaknUEgDQGVftXp/tKuT/GDTQ59Sl6gA7N4euffAvbam17e3Xfr1kpj6bYJ7gvEnwEg21etm0TIt6L1TyZ8U0+OW/VEpypUZiWZizHizEknxJ1M5MTxHKBN9qdY+0q+QtRaCHlSXDY7C7ZbzGJE7i4d2LO7Ox4szFifMnM4JWB04Hs/CZaSNGacszdpyqNoYF+9A03bSiv0E+IE5NZmm7Y0wxI8CciRPpHf3dslrSo1Wpp6Mb5TAJYbo1bGQPCSbo5fPXoL6Ri1RMgseLqfZbxHCU7cexdqy5f9S7Z9XfQHuncjEQ7KXdUrFVxUwDKZ6XWfZrVrbqljK/6U31SqVopks7AADnmS7bNUrT8pHdgWBd2uXGeKp+033e+McfllxOV+ONrew2lZWVNKL1wGJ1IVyXbn7Kn/Qh02uKF1YO1GormkyVCBneUA4bKnUeqzSI9YFylO5oncyFJZl57nA6dupx4R4S0pshqoQ1J6bqxHNGQhv8AXaJqk4yW9VwjYM1ZiGyGKtyIJBB8phCCB5TFy6jifKduUy6O9Y17bYSt/GKfAb7euvhU1J8GB8ZOtldZ1hVIWpv0SebjeT+8mceYEokVd7w5TdTIHqa1uqdRBUp1FdDwZGDA+YnWeY9l7Vr27b9Gq9M9qMRnxHA+cm+xOtK6p4W4Ray9owj+8DdPu85AuWEauje36N7R9NSyMEq6NjeRhrg47iCDzzHWAQhCAQhCAQhCAQhCAQhCAThe3Ip03qkZCI7kDiQqliPhO8ZOmlz6Owunzg+hcD6zjcX4sIHnq6vGrPUqt7dRmdvFiWx4DOPKJFEzT4zbEkanQZmo4nyMxXPKZHHyEAamDrAA8znxgzQzAwROFURQZjdzAtmui3O4eJNvTcfnjMcujVqVRCOOuVPFe3B5jujd0XTFK1qnUNRWmx7NzIX7JLrejuDeXkTkfEke+c2OpSy2Yzd9TCivETpuzLY2Sz2ZtuAuFpr7TkKPPnHOnRVFCKAAoAHkOM4UkDVDU5JlV+sfaPu08zOe2bncRiOODLtWPJ1Ruz7Zj+lQ9P3V7lmBzy49mPxjVs3bNWjSq266pVRlwSfULaMy+IyMefj16Q59JrxIyfMk/hGoiXT0pvtjEyKY7ILNu+ShqVA5TkJ3rH1fhOQEDAm5XUTdEGMQRcnwECw+qHaSpcVKDvj0yruA83QscDvKk/3ZcM8wpcMjo6HDIVcH6SkMPiJ6atqwdEqDg6qw/OAP3yKOkIQkAhCEAhCEAhCEAhCEAkH63NopTsDSLevWdFVeZCMHc+AAHmRJxKL647p2vxTJ9VKKbo7C5LMfPT3CBBEfXE7kziVBE621N3ZKaDed2VFA4szEBRrzJIEkcKx1nRh63lJH/wCnu1yc/kL+b0h+3FY6uNrlgfyTGmuatEftwIjuwAk2HVltY/zdB41af3NOi9Vm1f6OkPGqPuBgQWZWTwdVO1Pm0B+lP7k3Xqm2nzNuP0rf5cCU9FLbFjQRuIUE9xb1vvkjoMOBPIcPdDZPR6ulMU2KaKo0JIyAAeUVJsKqDnfX3n8PGQlii41GZvcVQiFjyBM7U9kONSy/H8JptDYtSohQVFXPPBMoyxvbyNGOeMklpLZ6IoB1xk+J1PxMQbU9cFeXEnlHyjsZwoDVATgAkKRy15zS92AzoUWqFyOO5n75dJyM9vb15+2+QbioQcgtn4DTwjaRLhrdUYZixvjqc/yI/fmB1O0+d6/lTUfaxnUqKp2brLiXqctud3W8lpj7VM6p1P2g43Vwf/y/ck9FKuvAec2CS7V6orDia1wfzqY/YncdVGzvn1z+en7kdFIKJqo48dZaPTzoNZ2do1ej6TfDovrPkYY4OgAlXFuQgdKdMCW51UbaepTe0dt40gGQn+jJwV8FOMdzAcpUKk+/4CTbqg32v3YewlBwx5ZZ03ffun3GKLphCE5BCEIBCEIBCEIBCEIBKE63K9N9oN6NstTREfs313iQDzwGXPfnsly9KNuJZWz3L67owi83dtFX38e4GeZbi5Z2LsxLMSzHtZjkn3wNFqY4iO/RjH5Zakf1m3/xUjSH5kef4xx6PEC7tmHD09A/8xJI9XTMxMiQCEIQMwhCAQhCAQhCAQhCAQhCAQhCAQhCBCOtw/7NqHsqUv8AEUffKDDnyl/9bI/2ZV7nof4qTz85B458OUmDZq3yVGp+EuTqcs6SWbujb1R6hFTT2d0DcXww29+eZTdM47u4SX9COl4sC+/TZ6dTdyEI3lZc+sA2h0JyO4SaL1hONndJVRKqNvI6q6HtVhkGdpyCEIQCEIQCEIQCEJpXrIitUdgqICzMeCqBkk+AgVH13bWLNRswuQg9Mx723kQY8Ax85VQTs08Y69Lttte3dW41CscIOymvqoPHGviTGgUe+BvnHERZsggXFFhyq0j+usQqhHAxVZECrTPPfQ/rLJHriEIQMwhCQCZiW9vaVJQ9R1VSyqCxwN5juqM95OIpgZhMThb3SPvbjBtxijY+S64yp7xkQO8MxPeI5R1psFcqwRiMhXIO6xXmAcHEiq7Gr0XWjb7WqCq6F2S5AuN4LhWqoGKsh3mGgO7r7MCZZhEthb+jppSLs5RFUu5yzlVALM3NjjJPfFMDaEbNo7btqDBKlUB2GVpqGeow7VpoCxHgIlpdKrIsEaqaZYhQK9KrQ3mPBVNZVDHuEB9hCEAmITnUqqvE4g9op1qf+2V+40j7qtOeeDk+tw7z+E9EdYzh9m3AU7xwhwupOKiHQDWedF9c+scAcvxkypssZLqdM/b92IoXA14nl/27JqKK8hNKr4wBxPDwk9Q9BdXVUPs63I5B1/u1HH3SSxi6EWgpWFqgIP8ABq5I4Fqn8I2PNjH2cghCEAhCEAhCEAkF639oNTsfRqcGvUVCc49UAuw890Dzk6lc9dFsz21sqjJa5CAd7o4H2QKRVMTrQoszbqKzN81FLH3CWVsXq7ophrh/Stj2QCqr8ct548JK7WypUV3VRUXsVQo+Ery2yemjD/nyvvwqmw6G39XhSCDtqMF/VGT8I8WvVldhldq9EYYHALngc/NEn9vdIrEKd7PJQWx440EcFrVW9hAPrtj4DMr/AJqt/r4xIKe2QxChDk94jhQq7wzjHdIWUrKRvOoPLdB07dT+Ec7C7ZQT6TGpyDgnSTjtvfLnPROfVKITnRqZAPaMzpL2RGendFHoUqboHR7q1RlPAq9VUb4NMdFb+orVNn3Db1e3xuueNe3OlKt3tgbrccMO+dOmv8nb/wBtsf8AqKc16XbNqsEvLYZubYlkGcempn+VoN2hgNOxgOHGBJYw9Fv51/a6/wCxF+xdp0rmhTuKTZR1yO0HgynsYEEEdoMQdFv51/a6/wCxAfpXl5VJaptkaihcrTUjXNlR36Ffy36ld+/0a9klfSi/ejbO1P8AlX3adEdtaqwp0/IMwJ7gZ2tNkUktls93epLSFIg/KXd3Gz4jOfGA4gxk6T7SqUaaJRANeu60aO9qFdgS1RhzVEV2Pbugc5p0OrsbcUKhzUtma2cnixp4COc/OplG/OnC/UPtO1U8KdvdVF+sz0KefHdZh+cYDlsbY1K2UhMs7a1Kr61Krc2duJPYOAGgAEW3NulRGpuiurDDKwDKwPIg6ETtCSIlsQvZ3R2czM1B0araMxyUCFRVtyxOWC7yspPBSRnQSXyMdKwFr7PqAesLvcB+jUt64YfAe6SeQEl1dqmM840161TeJVlbOsdNohdwkjOJHzSUao7Ak8GGfOV7LZPDRpmNapXI9pGGupC5H6uZtXo21VcmnTf6yq32iKbd2XQrnvXX4cZyuKdNzndGe3GCPMaiUTw0XlvmIxtXoHZ1s7imi3bTxu570OnuxIFtToLd2zNUZRVQZO/TzoB2p7S+WR3y5kpuo0O8OxuPgG/GdKdTPFSD3/iJ3jsyirLVjfSP9Ve0fSWfoycmi5QfUb10+1h5SaRm2fZW1vVYooRrggEDIDuodwQvAHG/w4x5l+OXZ1mynxvBCEJLkQhCAQhCASounfSwXF7QsaADrRrozONd6ouQVX6Kgtk9vcNZ30/2q9tYV6yEht0IpHyWdgm94jeJ8hKD6I3YpXdN+OSVPmOPvxIy9V1j+UXjRR8DK4ONczk9gjNlwG7jqPdwiihcl1DHnrpE9dGJwX3R3aH3/hiZXoy10bcUgBlXsHb4CKPSOBhKZY92APMtiJAiJ6ygDtOdfMnjNhtdfZpo1RvoDKj6zn1R7890iFdK1OuxAZ1QdijePvOg90U7LoUwVOrPng2vvHCc6e+5BqOFGM7q6+W8fwEk9jRVVBCBSRrpr5md4Y9vVezZ8ceFazMBCamBHemn8nb/ANtsf+opyRRn6R7PeulJUxlLm2qtk49SnVV2x2nCnAjxIENx/wCH3uRpaXz69lC7PA9y1cY+sOWY69Fv51/a6/7EcNrbNpXNF7equ8lRd1hzHMEHkwIBB5ECNvRDZ1zQpOly6vUaq7F10DrhVVyPkswXJHaTASbYtlu7ynalnFO3Q3FQo7I3pam9TtwHQhl9UV20PzeUW/8Alah/S3f/AB15/mTp0f2e9M16tXHpK9Z3ODkLTUCnRTPPFNVJ+kzR5kiJWNktlfBFZzTvKZ1qVKlRvymgM6u7EnepHhn/AOH3b9Kav5Pc2d6TimrVLeseSrcBdxyeSioiAn6Ucekuz3q0lNHd9NSqU61LeOAXRvWUnkGQuhP04vvrOnWptRqqGR1KsrcCDxGnA944SAqhIxZ0b+0X0QX8sorohNRUuEUcEbewlXAwN7eU9oPGKHvtoVBu07MUCdN+5q02Cj5y06DPvnuLJ4wE+039PtC2t11Fsr3NXsBZGo0FJ+cd+o2OxO+SmNWw9kLbqw3mqVKh36tV8b1SoRjJxoAAAAo0AAAjrA51VBGDItdIodg2V10ZeI8joZLDG6/sVcd8jKdnHeGXxy6Y6NSogyw317UB3h4r+GYoF5TcbwII7ez8IirVTbZd2wijJLHAUdpPITatToVcuvqMRnfUgE9hI4N5zNcbj4bJlMr2HBHPLUd83R0bPb8R5RtWrUQAVN3d5Ovsns3gfY+I74tQgj75EqbEW6yGrUrend0XG9QrI+GHig056sMjszF3Qbpol+ppuoSui7xUH1XXOC6Z10OMjlkSH9a+0yq07ZDnecuRnTCDA+LfCIOqBg9+S2AyUXIB4kkopx26EzRr/Fj2/ku6EITtWIQhAIQhArjrr2oUtEtlx/Dv63bu091tPzivulWdFNnGpUFU6LTIOR8puIX7z/3j10/2ncbQvnoqmFt2emg4YAbDux7yPdiL9m2opItNdd3ifnMfaMrzy5PC7Vh8su30m2xr3fQJg5XjFdwp4DGe08B5czIrsu/9AxZsgHsj0m1EqaK2SeEobI6m0powdyX1+WcqvgvAe7M5bY6YWlqMM4LY0RPWY+Q0XPfiQ7rC2pXohKaViu+CW3dCR48QPCQXYmzKl3cU7dCN+o2AWOg0JZj4AE+Usww75qjbu5eR6e2LZoUSrqxZFcb3yd5QwAHbrxjwBE+z7cU6VOkDkIiICee6oXPwimXySTkZssrle1mEISXIhCEAhCEAmJmEAEwRMwgaibCEzAzCYmZAJgiZhAjXTu3BsLs44W9U+5CfulE9EulVW3dKbEvTOgB4r9X6PdL/AOmgzs+8H/1q/wDhtPLuzqoV1Y8OGezIInOU7PLvDKzKWPRNhtJaihgRw4TF/cFRhMd+OUgvR7aYxu5IzxGZKqL7+g/0O2Zb+m+GDphsL8po+kRc1aYJTtdflJ39o7/Eyutg7VqW1wlzSYFkPsk+0pGGRtOBGRLsuKe7jHZpK66YdGcFruiND61RAOB5uuPeR5yzTs59ao36+/aLp2RtBbihTuFBVaiK4B4jPEHwiuV71P7Yarb1Ld3DGgy+jB9oU2GgI5gMCAe+WFNDIIQhAI3dIdrJaW1S6cZFNcgfOY4CL5sQI4yvOuyuy2CIPl10B8Ajt9oECDbJdmVq7Y367vUcjtZicDu1jhRqYMadlN/Ap9QRWXmTK/at+E5jCu7qqeBzG19q/k6lwuSOABxzxrMV6mOcY9o1N5X8NPeJOE7TZlydhs2ttSpcOalQ68AOQHYJJ+qW1d9pUnVSVpiozkcFBpuoJPLJIEhTDWekOrHZbW+zqSuu6z71RgRggM2Vz37u775qk56Ybe+01p8BN5pT4CbSUMzMxCBmEIQCEIQCEIQCEIQCZmIQMwmJmQMwmIQEu0LZatKpScEq6MjAaEqykEA9uDPI95u777isq7zBVb2lXJ3VP0gNDPYD8D4Sq+sboFavRrXtIGlVpo9Rwo9Spj1mLL8lsZO8PMGBVGwr51yMnTGM8hwOvull7BvdA2hlUbHU7zHsX7xJz0eq8Jm3Tz1t0XuPKnlS4L8sTXHbE9B9BrN2cazNa0cRjorXp2W1jTYYWoDTRs4CioVZM9o3lC+cuSeeOnr/AMZyDgrSXJHI7zkecv8A2fUZqVNn9oohb6xUFvjmehhe4yvN2TmVkKIQhOnAkA66bcts8N8ytTY+BV0+1hJ/G3pHshLu2q2rHAqLgNjO6wIZGx3MBA8+dH7wFfRk6rnHep/D8I8EyKbS2ZcWldqNVSlRD5EcmU/KU8jHG120pGHGD2gZB8uUozwvexq1bZz40urLmNe1sKm7zYgDwGpP+u2Ka+16YGmWPZjHxM7dF+jlxtOvjVaa49JUx6qJ81c8WI4DvydJOGN75NuePOQ9dWHQt7iql9UC+gp1DhGBJqso0wOG6Gxkn5pEvScLG0p0aaUaahURQqgcgPvneXMpRTOghUqqvtMo8SB9sTzzv1o9IBd3rKhzToA00PJmB9dx4tp4KI6PQ77Utl9q4pDxqIPvnFukNkON5bj9NT/enkubAR0eq36W7NHG/th+mp/jNF6Y7M4C/tz4VUP3zyvHPYi5dtOA++Oj0yelVh/W6fk2fsgOlFkeFwp8Ax/ZlHUn7o7WtzjGFzI664txuk9mNfTfqP8AuzlcdLrJFLNUbA44puf2ZWQugdCMHl36zbaNRWouADnTl3iOnE7q9Y2zF41X8qVT92I6nWrspTjfqnHZRf75T9+pyNIxXA9dvL7BEqLF7nrc2X/vz+i/Fpqet7ZnJLg/o1+95QjTZJKF6t1w7P5Ubk/mU/8AMnM9cdlytbk+VL9+UfibqYF1Hrks/wCqXH/K/fkn6I9MKO0Kb1KdN03HClXK51UMD6pOh19082sJOOp3afor5qJbC16ZUDtdPWT9Xf8AfAvpq/dE7KCCCAQRgg8CDxBmYQPN/SPZiWd/XtUJ3FYbu9xwyK4HlkjPdF+xqmDJh1y9HN9Ev6a+smEq4+Zn+DY/VOhPYw7JWmy9rBcBtDwzKtmNvpfpzmPirRtKuRN7isFBOcDt7O+Ry121SC+1nwBjTtrb/pM0x6qY9cni3Yo7B2zPNWVvpqy24yd6R26m92nTpfJeoikf7tfWb9UMfOejZSHVLslqt+13u/wdBXw2uDUcboUHtCsx7sDtl3zZJycjz8rbe0QhCSgQhCAx9KujFvf0vRVRusPYqBVLocgnBI9k41HP4yob7qp2ilTcp7lRDnFQNugYGfWVtVPLTI1GsvqECmeh/VU75qX29TCsQtJSu8wHyi4JCr4a6cRLd2fYUqCLSo01RF4KowO8957zrFMIBCEIDR0s2oLazr1ycFEYJ3uw3UH94ieWwJevXbeBbKnSzrUqg4+iisSfeVlFQATaYEIGY89Hl1Y8sqPtjLJj0NRPRvvYyX+AUfiZFTDkicBHrZdEHuM5CwzgiOFnQKnWHTtXtQVPqjt8CNcic7+gm4xGhx6yg94ii9tWKNg4ODzie7tm3QzEruqcYA00CEA/KBJ3jnsECFbcqKhAAJPhI1WbLEnTh9gkn2xQGQck+MjV0pLlQNSQB44kRFcSJhZ2uKITTe3u8DAPbjnOazpy2EyDjjNADBzgSRl28pi0vHpVErIcMjq6+KkEfZODtNJA9YWN0lWmlZDlHRXU9zAEfbO8hXVJf+l2cik5NJ3pnwB31/VcDyk1ga1EDAqwBBBBBGQQdCCOYlV9MOqqmVe4sn3GALGixyhAySEbivcDkcsiWtCB5StrOo4ARHbJwNxGbLYzu6c+6WT0W6qHcCpeu1Nc6U0xvsO1mI9Qd2CfCXDRpIihERUUcFUAAeAE3gJdm7PpW9NaNGmERB6qr8SSdSTxJOpiqEIBCEIBCEIBCEIBCEIBCEIFH9dt8Wu6VAcKVLP5zsSfgqytN09kzCBncMwR3TMIAAY/bJQ+jHeT9sISKmJPsi/qU23X9ZfHlJjaXdNwCPiIQh07VaigazhtW7HoGYcRu8u0zEIFfbUvi+ARrmR26J3ywHAj3EYmISIilBrUTRYFWNUuN0ggIqnVsjiWJ8gPcUS5hCduXULNaqndPdj8PvhCAlIMCphCQLS6kNoMKte2LHDoKiry3lIUnPI4ZfdLjhCAQhCAQhCAQhCAQhCB/9k=">
+            <a:extLst>
+              <a:ext uri="{FF2B5EF4-FFF2-40B4-BE49-F238E27FC236}">
+                <a16:creationId xmlns:a16="http://schemas.microsoft.com/office/drawing/2014/main" id="{11A89CFE-3324-65D4-62B1-CCEB1E5972A1}"/>
+              </a:ext>
+            </a:extLst>
+          </p:cNvPr>
+          <p:cNvPicPr preferRelativeResize="0"/>
+          <p:nvPr/>
+        </p:nvPicPr>
+        <p:blipFill rotWithShape="1">
+          <a:blip r:embed="rId5">
+            <a:alphaModFix/>
+          </a:blip>
+          <a:srcRect/>
+          <a:stretch/>
+        </p:blipFill>
+        <p:spPr>
+          <a:xfrm>
+            <a:off x="3940378" y="1959401"/>
+            <a:ext cx="4311244" cy="2939198"/>
+          </a:xfrm>
+          <a:prstGeom prst="rect">
+            <a:avLst/>
+          </a:prstGeom>
+          <a:noFill/>
+          <a:ln>
+            <a:noFill/>
+          </a:ln>
+        </p:spPr>
+      </p:pic>
     </p:spTree>
     <p:extLst>
       <p:ext uri="{BB962C8B-B14F-4D97-AF65-F5344CB8AC3E}">
-        <p14:creationId xmlns:p14="http://schemas.microsoft.com/office/powerpoint/2010/main" val="745631216"/>
+        <p14:creationId xmlns:p14="http://schemas.microsoft.com/office/powerpoint/2010/main" val="2893937714"/>
       </p:ext>
     </p:extLst>
   </p:cSld>
@@ -13001,6 +13016,66 @@
           <a:chExt cx="0" cy="0"/>
         </a:xfrm>
       </p:grpSpPr>
+      <p:sp>
+        <p:nvSpPr>
+          <p:cNvPr id="4" name="Título 1">
+            <a:extLst>
+              <a:ext uri="{FF2B5EF4-FFF2-40B4-BE49-F238E27FC236}">
+                <a16:creationId xmlns:a16="http://schemas.microsoft.com/office/drawing/2014/main" id="{22290A63-5ECE-488C-8F5A-240217BA6E32}"/>
+              </a:ext>
+            </a:extLst>
+          </p:cNvPr>
+          <p:cNvSpPr txBox="1">
+            <a:spLocks/>
+          </p:cNvSpPr>
+          <p:nvPr/>
+        </p:nvSpPr>
+        <p:spPr>
+          <a:xfrm>
+            <a:off x="2295832" y="273986"/>
+            <a:ext cx="9601200" cy="1599777"/>
+          </a:xfrm>
+          <a:prstGeom prst="rect">
+            <a:avLst/>
+          </a:prstGeom>
+        </p:spPr>
+        <p:txBody>
+          <a:bodyPr vert="horz" lIns="91440" tIns="45720" rIns="91440" bIns="45720" rtlCol="0" anchor="ctr">
+            <a:normAutofit/>
+          </a:bodyPr>
+          <a:lstStyle>
+            <a:lvl1pPr algn="l" defTabSz="914400" rtl="0" eaLnBrk="1" latinLnBrk="0" hangingPunct="1">
+              <a:lnSpc>
+                <a:spcPct val="90000"/>
+              </a:lnSpc>
+              <a:spcBef>
+                <a:spcPct val="0"/>
+              </a:spcBef>
+              <a:buNone/>
+              <a:defRPr sz="4400" kern="1200">
+                <a:solidFill>
+                  <a:schemeClr val="tx1"/>
+                </a:solidFill>
+                <a:latin typeface="+mj-lt"/>
+                <a:ea typeface="+mj-ea"/>
+                <a:cs typeface="+mj-cs"/>
+              </a:defRPr>
+            </a:lvl1pPr>
+          </a:lstStyle>
+          <a:p>
+            <a:r>
+              <a:rPr lang="pt-BR" sz="4400" dirty="0">
+                <a:latin typeface="Trebuchet MS"/>
+                <a:ea typeface="Trebuchet MS"/>
+                <a:cs typeface="Trebuchet MS"/>
+                <a:sym typeface="Trebuchet MS"/>
+              </a:rPr>
+              <a:t>Referências</a:t>
+            </a:r>
+            <a:endParaRPr lang="pt-BR" dirty="0"/>
+          </a:p>
+        </p:txBody>
+      </p:sp>
       <p:pic>
         <p:nvPicPr>
           <p:cNvPr id="2" name="Imagem 1" descr="Celular com tela ligada&#10;&#10;Descrição gerada automaticamente">
@@ -13075,10 +13150,10 @@
       </p:pic>
       <p:sp>
         <p:nvSpPr>
-          <p:cNvPr id="5" name="Espaço Reservado para Conteúdo 4">
-            <a:extLst>
-              <a:ext uri="{FF2B5EF4-FFF2-40B4-BE49-F238E27FC236}">
-                <a16:creationId xmlns:a16="http://schemas.microsoft.com/office/drawing/2014/main" id="{E4185074-C7FB-6389-01EC-ED738E673BDF}"/>
+          <p:cNvPr id="6" name="Espaço Reservado para Conteúdo 5">
+            <a:extLst>
+              <a:ext uri="{FF2B5EF4-FFF2-40B4-BE49-F238E27FC236}">
+                <a16:creationId xmlns:a16="http://schemas.microsoft.com/office/drawing/2014/main" id="{B371EE64-5E8E-7948-0FE0-9969F5CDEB28}"/>
               </a:ext>
             </a:extLst>
           </p:cNvPr>
@@ -13091,90 +13166,108 @@
         </p:nvSpPr>
         <p:spPr>
           <a:xfrm>
-            <a:off x="2623369" y="2965296"/>
-            <a:ext cx="6945261" cy="927407"/>
+            <a:off x="1535061" y="2251588"/>
+            <a:ext cx="9290255" cy="4308236"/>
           </a:xfrm>
         </p:spPr>
         <p:txBody>
           <a:bodyPr>
-            <a:noAutofit/>
+            <a:normAutofit fontScale="77500" lnSpcReduction="20000"/>
           </a:bodyPr>
           <a:lstStyle/>
           <a:p>
-            <a:pPr marL="0" indent="0">
-              <a:buNone/>
-            </a:pPr>
-            <a:r>
-              <a:rPr lang="pt-BR" sz="7200" dirty="0">
-                <a:latin typeface="Trebuchet MS"/>
-                <a:ea typeface="Trebuchet MS"/>
-                <a:cs typeface="Trebuchet MS"/>
-                <a:sym typeface="Trebuchet MS"/>
+            <a:r>
+              <a:rPr lang="pt-BR" dirty="0">
+                <a:hlinkClick r:id="rId5"/>
               </a:rPr>
-              <a:t>Muito obrigado!</a:t>
-            </a:r>
-            <a:endParaRPr lang="pt-BR" sz="7200" dirty="0"/>
-          </a:p>
-          <a:p>
-            <a:endParaRPr lang="pt-BR" sz="7200" dirty="0"/>
-          </a:p>
-        </p:txBody>
-      </p:sp>
-      <p:sp>
-        <p:nvSpPr>
-          <p:cNvPr id="8" name="CaixaDeTexto 7">
-            <a:extLst>
-              <a:ext uri="{FF2B5EF4-FFF2-40B4-BE49-F238E27FC236}">
-                <a16:creationId xmlns:a16="http://schemas.microsoft.com/office/drawing/2014/main" id="{B79B60C6-E6DE-51D2-EFE7-3A9C6359B669}"/>
-              </a:ext>
-            </a:extLst>
-          </p:cNvPr>
-          <p:cNvSpPr txBox="1"/>
-          <p:nvPr/>
-        </p:nvSpPr>
-        <p:spPr>
-          <a:xfrm>
-            <a:off x="196646" y="5855139"/>
-            <a:ext cx="4596580" cy="815608"/>
-          </a:xfrm>
-          <a:prstGeom prst="rect">
-            <a:avLst/>
-          </a:prstGeom>
-          <a:noFill/>
-        </p:spPr>
-        <p:txBody>
-          <a:bodyPr wrap="square" rtlCol="0">
-            <a:spAutoFit/>
-          </a:bodyPr>
-          <a:lstStyle/>
-          <a:p>
-            <a:r>
-              <a:rPr lang="pt-BR" sz="2800" dirty="0"/>
-              <a:t>Victor Hugo </a:t>
-            </a:r>
-            <a:r>
-              <a:rPr lang="pt-BR" sz="2800" dirty="0" err="1"/>
-              <a:t>Negrisoli</a:t>
-            </a:r>
-            <a:endParaRPr lang="pt-BR" sz="2800" dirty="0"/>
-          </a:p>
-          <a:p>
-            <a:r>
-              <a:rPr lang="pt-BR" sz="1900" dirty="0"/>
-              <a:t>Desenvolvedor Back-</a:t>
-            </a:r>
-            <a:r>
-              <a:rPr lang="pt-BR" sz="1900" dirty="0" err="1"/>
-              <a:t>End</a:t>
-            </a:r>
-            <a:endParaRPr lang="pt-BR" sz="1900" dirty="0"/>
+              <a:t>https://auth0.com/docs/tokens/access-tokens</a:t>
+            </a:r>
+            <a:endParaRPr lang="pt-BR" dirty="0"/>
+          </a:p>
+          <a:p>
+            <a:r>
+              <a:rPr lang="pt-BR" dirty="0">
+                <a:hlinkClick r:id="rId6"/>
+              </a:rPr>
+              <a:t>https://tools.ietf.org/html/rfc7519</a:t>
+            </a:r>
+            <a:endParaRPr lang="pt-BR" dirty="0"/>
+          </a:p>
+          <a:p>
+            <a:r>
+              <a:rPr lang="pt-BR" dirty="0">
+                <a:hlinkClick r:id="rId7"/>
+              </a:rPr>
+              <a:t>https://jwt.io/introduction</a:t>
+            </a:r>
+            <a:endParaRPr lang="pt-BR" dirty="0"/>
+          </a:p>
+          <a:p>
+            <a:r>
+              <a:rPr lang="pt-BR" dirty="0">
+                <a:hlinkClick r:id="rId8"/>
+              </a:rPr>
+              <a:t>https://docs.mashery.com/connectorsguide/GUID-3812EE8B-3770-445C-83F2-FB6D1D54C18A.html</a:t>
+            </a:r>
+            <a:endParaRPr lang="pt-BR" dirty="0"/>
+          </a:p>
+          <a:p>
+            <a:r>
+              <a:rPr lang="pt-BR" dirty="0">
+                <a:hlinkClick r:id="rId9"/>
+              </a:rPr>
+              <a:t>https://medium.com/@piyumimdasanayaka/json-web-token-jwt-vs-opaque-token-984791a3e715</a:t>
+            </a:r>
+            <a:endParaRPr lang="pt-BR" dirty="0"/>
+          </a:p>
+          <a:p>
+            <a:r>
+              <a:rPr lang="pt-BR" dirty="0">
+                <a:hlinkClick r:id="rId10"/>
+              </a:rPr>
+              <a:t>https://fusionauth.io/learn/expert-advice/tokens/pros-and-cons-of-jwts/</a:t>
+            </a:r>
+            <a:endParaRPr lang="pt-BR" dirty="0"/>
+          </a:p>
+          <a:p>
+            <a:r>
+              <a:rPr lang="pt-BR" dirty="0">
+                <a:hlinkClick r:id="rId11"/>
+              </a:rPr>
+              <a:t>https://www.redhat.com/pt-br/topics/cloud-native-apps/stateful-vs-stateless</a:t>
+            </a:r>
+            <a:endParaRPr lang="pt-BR" dirty="0"/>
+          </a:p>
+          <a:p>
+            <a:r>
+              <a:rPr lang="pt-BR" dirty="0">
+                <a:hlinkClick r:id="rId12"/>
+              </a:rPr>
+              <a:t>https://github.com/facg3/Stateless-vs-stateful-authentication</a:t>
+            </a:r>
+            <a:endParaRPr lang="pt-BR" dirty="0"/>
+          </a:p>
+          <a:p>
+            <a:r>
+              <a:rPr lang="pt-BR" dirty="0">
+                <a:hlinkClick r:id="rId13"/>
+              </a:rPr>
+              <a:t>https://medium.com/@kennch</a:t>
+            </a:r>
+            <a:r>
+              <a:rPr lang="pt-BR">
+                <a:hlinkClick r:id="rId13"/>
+              </a:rPr>
+              <a:t>/stateful-and-stateless-authentication-10aa3e3d4986</a:t>
+            </a:r>
+            <a:endParaRPr lang="pt-BR"/>
           </a:p>
         </p:txBody>
       </p:sp>
     </p:spTree>
     <p:extLst>
       <p:ext uri="{BB962C8B-B14F-4D97-AF65-F5344CB8AC3E}">
-        <p14:creationId xmlns:p14="http://schemas.microsoft.com/office/powerpoint/2010/main" val="1907975413"/>
+        <p14:creationId xmlns:p14="http://schemas.microsoft.com/office/powerpoint/2010/main" val="745631216"/>
       </p:ext>
     </p:extLst>
   </p:cSld>
@@ -13444,6 +13537,206 @@
     <p:extLst>
       <p:ext uri="{BB962C8B-B14F-4D97-AF65-F5344CB8AC3E}">
         <p14:creationId xmlns:p14="http://schemas.microsoft.com/office/powerpoint/2010/main" val="3272664504"/>
+      </p:ext>
+    </p:extLst>
+  </p:cSld>
+  <p:clrMapOvr>
+    <a:masterClrMapping/>
+  </p:clrMapOvr>
+</p:sld>
+</file>
+
+<file path=ppt/slides/slide40.xml><?xml version="1.0" encoding="utf-8"?>
+<p:sld xmlns:a="http://schemas.openxmlformats.org/drawingml/2006/main" xmlns:r="http://schemas.openxmlformats.org/officeDocument/2006/relationships" xmlns:p="http://schemas.openxmlformats.org/presentationml/2006/main">
+  <p:cSld>
+    <p:spTree>
+      <p:nvGrpSpPr>
+        <p:cNvPr id="1" name=""/>
+        <p:cNvGrpSpPr/>
+        <p:nvPr/>
+      </p:nvGrpSpPr>
+      <p:grpSpPr>
+        <a:xfrm>
+          <a:off x="0" y="0"/>
+          <a:ext cx="0" cy="0"/>
+          <a:chOff x="0" y="0"/>
+          <a:chExt cx="0" cy="0"/>
+        </a:xfrm>
+      </p:grpSpPr>
+      <p:pic>
+        <p:nvPicPr>
+          <p:cNvPr id="2" name="Imagem 1" descr="Celular com tela ligada&#10;&#10;Descrição gerada automaticamente">
+            <a:extLst>
+              <a:ext uri="{FF2B5EF4-FFF2-40B4-BE49-F238E27FC236}">
+                <a16:creationId xmlns:a16="http://schemas.microsoft.com/office/drawing/2014/main" id="{CD1F6E78-A466-CE50-938A-1D5BBA02C6AB}"/>
+              </a:ext>
+            </a:extLst>
+          </p:cNvPr>
+          <p:cNvPicPr>
+            <a:picLocks noChangeAspect="1"/>
+          </p:cNvPicPr>
+          <p:nvPr/>
+        </p:nvPicPr>
+        <p:blipFill>
+          <a:blip r:embed="rId3">
+            <a:extLst>
+              <a:ext uri="{28A0092B-C50C-407E-A947-70E740481C1C}">
+                <a14:useLocalDpi xmlns:a14="http://schemas.microsoft.com/office/drawing/2010/main" val="0"/>
+              </a:ext>
+            </a:extLst>
+          </a:blip>
+          <a:stretch>
+            <a:fillRect/>
+          </a:stretch>
+        </p:blipFill>
+        <p:spPr>
+          <a:xfrm>
+            <a:off x="0" y="22840"/>
+            <a:ext cx="2866785" cy="2150089"/>
+          </a:xfrm>
+          <a:prstGeom prst="rect">
+            <a:avLst/>
+          </a:prstGeom>
+        </p:spPr>
+      </p:pic>
+      <p:pic>
+        <p:nvPicPr>
+          <p:cNvPr id="7" name="Imagem 6" descr="Forma&#10;&#10;Descrição gerada automaticamente com confiança baixa">
+            <a:extLst>
+              <a:ext uri="{FF2B5EF4-FFF2-40B4-BE49-F238E27FC236}">
+                <a16:creationId xmlns:a16="http://schemas.microsoft.com/office/drawing/2014/main" id="{56D4DA1E-DED0-0DA1-F916-1A54444988B1}"/>
+              </a:ext>
+            </a:extLst>
+          </p:cNvPr>
+          <p:cNvPicPr>
+            <a:picLocks noChangeAspect="1"/>
+          </p:cNvPicPr>
+          <p:nvPr/>
+        </p:nvPicPr>
+        <p:blipFill>
+          <a:blip r:embed="rId4">
+            <a:extLst>
+              <a:ext uri="{28A0092B-C50C-407E-A947-70E740481C1C}">
+                <a14:useLocalDpi xmlns:a14="http://schemas.microsoft.com/office/drawing/2010/main" val="0"/>
+              </a:ext>
+            </a:extLst>
+          </a:blip>
+          <a:stretch>
+            <a:fillRect/>
+          </a:stretch>
+        </p:blipFill>
+        <p:spPr>
+          <a:xfrm>
+            <a:off x="10731312" y="5397312"/>
+            <a:ext cx="1460688" cy="1460688"/>
+          </a:xfrm>
+          <a:prstGeom prst="rect">
+            <a:avLst/>
+          </a:prstGeom>
+        </p:spPr>
+      </p:pic>
+      <p:sp>
+        <p:nvSpPr>
+          <p:cNvPr id="5" name="Espaço Reservado para Conteúdo 4">
+            <a:extLst>
+              <a:ext uri="{FF2B5EF4-FFF2-40B4-BE49-F238E27FC236}">
+                <a16:creationId xmlns:a16="http://schemas.microsoft.com/office/drawing/2014/main" id="{E4185074-C7FB-6389-01EC-ED738E673BDF}"/>
+              </a:ext>
+            </a:extLst>
+          </p:cNvPr>
+          <p:cNvSpPr>
+            <a:spLocks noGrp="1"/>
+          </p:cNvSpPr>
+          <p:nvPr>
+            <p:ph idx="1"/>
+          </p:nvPr>
+        </p:nvSpPr>
+        <p:spPr>
+          <a:xfrm>
+            <a:off x="2623369" y="2965296"/>
+            <a:ext cx="6945261" cy="927407"/>
+          </a:xfrm>
+        </p:spPr>
+        <p:txBody>
+          <a:bodyPr>
+            <a:noAutofit/>
+          </a:bodyPr>
+          <a:lstStyle/>
+          <a:p>
+            <a:pPr marL="0" indent="0">
+              <a:buNone/>
+            </a:pPr>
+            <a:r>
+              <a:rPr lang="pt-BR" sz="7200" dirty="0">
+                <a:latin typeface="Trebuchet MS"/>
+                <a:ea typeface="Trebuchet MS"/>
+                <a:cs typeface="Trebuchet MS"/>
+                <a:sym typeface="Trebuchet MS"/>
+              </a:rPr>
+              <a:t>Muito obrigado!</a:t>
+            </a:r>
+            <a:endParaRPr lang="pt-BR" sz="7200" dirty="0"/>
+          </a:p>
+          <a:p>
+            <a:endParaRPr lang="pt-BR" sz="7200" dirty="0"/>
+          </a:p>
+        </p:txBody>
+      </p:sp>
+      <p:sp>
+        <p:nvSpPr>
+          <p:cNvPr id="8" name="CaixaDeTexto 7">
+            <a:extLst>
+              <a:ext uri="{FF2B5EF4-FFF2-40B4-BE49-F238E27FC236}">
+                <a16:creationId xmlns:a16="http://schemas.microsoft.com/office/drawing/2014/main" id="{B79B60C6-E6DE-51D2-EFE7-3A9C6359B669}"/>
+              </a:ext>
+            </a:extLst>
+          </p:cNvPr>
+          <p:cNvSpPr txBox="1"/>
+          <p:nvPr/>
+        </p:nvSpPr>
+        <p:spPr>
+          <a:xfrm>
+            <a:off x="196646" y="5855139"/>
+            <a:ext cx="4596580" cy="815608"/>
+          </a:xfrm>
+          <a:prstGeom prst="rect">
+            <a:avLst/>
+          </a:prstGeom>
+          <a:noFill/>
+        </p:spPr>
+        <p:txBody>
+          <a:bodyPr wrap="square" rtlCol="0">
+            <a:spAutoFit/>
+          </a:bodyPr>
+          <a:lstStyle/>
+          <a:p>
+            <a:r>
+              <a:rPr lang="pt-BR" sz="2800" dirty="0"/>
+              <a:t>Victor Hugo </a:t>
+            </a:r>
+            <a:r>
+              <a:rPr lang="pt-BR" sz="2800" dirty="0" err="1"/>
+              <a:t>Negrisoli</a:t>
+            </a:r>
+            <a:endParaRPr lang="pt-BR" sz="2800" dirty="0"/>
+          </a:p>
+          <a:p>
+            <a:r>
+              <a:rPr lang="pt-BR" sz="1900" dirty="0"/>
+              <a:t>Desenvolvedor Back-</a:t>
+            </a:r>
+            <a:r>
+              <a:rPr lang="pt-BR" sz="1900" dirty="0" err="1"/>
+              <a:t>End</a:t>
+            </a:r>
+            <a:endParaRPr lang="pt-BR" sz="1900" dirty="0"/>
+          </a:p>
+        </p:txBody>
+      </p:sp>
+    </p:spTree>
+    <p:extLst>
+      <p:ext uri="{BB962C8B-B14F-4D97-AF65-F5344CB8AC3E}">
+        <p14:creationId xmlns:p14="http://schemas.microsoft.com/office/powerpoint/2010/main" val="1907975413"/>
       </p:ext>
     </p:extLst>
   </p:cSld>
@@ -13661,6 +13954,42 @@
           <a:chExt cx="0" cy="0"/>
         </a:xfrm>
       </p:grpSpPr>
+      <p:pic>
+        <p:nvPicPr>
+          <p:cNvPr id="6" name="Imagem 5" descr="Diagrama&#10;&#10;Descrição gerada automaticamente">
+            <a:extLst>
+              <a:ext uri="{FF2B5EF4-FFF2-40B4-BE49-F238E27FC236}">
+                <a16:creationId xmlns:a16="http://schemas.microsoft.com/office/drawing/2014/main" id="{E555E4E5-542C-816C-2606-84EFC773C153}"/>
+              </a:ext>
+            </a:extLst>
+          </p:cNvPr>
+          <p:cNvPicPr>
+            <a:picLocks noChangeAspect="1"/>
+          </p:cNvPicPr>
+          <p:nvPr/>
+        </p:nvPicPr>
+        <p:blipFill>
+          <a:blip r:embed="rId2">
+            <a:extLst>
+              <a:ext uri="{28A0092B-C50C-407E-A947-70E740481C1C}">
+                <a14:useLocalDpi xmlns:a14="http://schemas.microsoft.com/office/drawing/2010/main" val="0"/>
+              </a:ext>
+            </a:extLst>
+          </a:blip>
+          <a:stretch>
+            <a:fillRect/>
+          </a:stretch>
+        </p:blipFill>
+        <p:spPr>
+          <a:xfrm>
+            <a:off x="6937257" y="2781260"/>
+            <a:ext cx="5022748" cy="2650465"/>
+          </a:xfrm>
+          <a:prstGeom prst="rect">
+            <a:avLst/>
+          </a:prstGeom>
+        </p:spPr>
+      </p:pic>
       <p:sp>
         <p:nvSpPr>
           <p:cNvPr id="3" name="Espaço Reservado para Conteúdo 2">
@@ -13679,13 +14008,13 @@
         </p:nvSpPr>
         <p:spPr>
           <a:xfrm>
-            <a:off x="1056369" y="2565562"/>
-            <a:ext cx="9674943" cy="3097820"/>
+            <a:off x="692576" y="2424075"/>
+            <a:ext cx="6386649" cy="3786734"/>
           </a:xfrm>
         </p:spPr>
         <p:txBody>
           <a:bodyPr>
-            <a:normAutofit/>
+            <a:normAutofit fontScale="92500" lnSpcReduction="10000"/>
           </a:bodyPr>
           <a:lstStyle/>
           <a:p>
@@ -13895,7 +14224,7 @@
           <p:nvPr/>
         </p:nvPicPr>
         <p:blipFill>
-          <a:blip r:embed="rId2">
+          <a:blip r:embed="rId3">
             <a:extLst>
               <a:ext uri="{28A0092B-C50C-407E-A947-70E740481C1C}">
                 <a14:useLocalDpi xmlns:a14="http://schemas.microsoft.com/office/drawing/2010/main" val="0"/>
@@ -13931,7 +14260,7 @@
           <p:nvPr/>
         </p:nvPicPr>
         <p:blipFill>
-          <a:blip r:embed="rId3">
+          <a:blip r:embed="rId4">
             <a:extLst>
               <a:ext uri="{28A0092B-C50C-407E-A947-70E740481C1C}">
                 <a14:useLocalDpi xmlns:a14="http://schemas.microsoft.com/office/drawing/2010/main" val="0"/>
@@ -14290,7 +14619,7 @@
           <p:nvPr/>
         </p:nvPicPr>
         <p:blipFill>
-          <a:blip r:embed="rId2">
+          <a:blip r:embed="rId3">
             <a:extLst>
               <a:ext uri="{28A0092B-C50C-407E-A947-70E740481C1C}">
                 <a14:useLocalDpi xmlns:a14="http://schemas.microsoft.com/office/drawing/2010/main" val="0"/>
@@ -14326,7 +14655,7 @@
           <p:nvPr/>
         </p:nvPicPr>
         <p:blipFill>
-          <a:blip r:embed="rId3">
+          <a:blip r:embed="rId4">
             <a:extLst>
               <a:ext uri="{28A0092B-C50C-407E-A947-70E740481C1C}">
                 <a14:useLocalDpi xmlns:a14="http://schemas.microsoft.com/office/drawing/2010/main" val="0"/>
@@ -14572,8 +14901,8 @@
         </p:nvSpPr>
         <p:spPr>
           <a:xfrm>
-            <a:off x="838199" y="2172929"/>
-            <a:ext cx="10515600" cy="3957060"/>
+            <a:off x="838199" y="2191570"/>
+            <a:ext cx="10050429" cy="3957060"/>
           </a:xfrm>
         </p:spPr>
         <p:txBody>
@@ -14582,26 +14911,29 @@
           </a:bodyPr>
           <a:lstStyle/>
           <a:p>
-            <a:r>
-              <a:rPr lang="pt-BR" sz="3200" dirty="0"/>
-              <a:t>A autenticação stateless armazena os dados no lado do cliente (navegador). Os dados são assinados por uma chave para garantir a integridade e autoridade dos dados da sessão.</a:t>
-            </a:r>
-          </a:p>
-          <a:p>
-            <a:endParaRPr lang="pt-BR" sz="3200" dirty="0"/>
-          </a:p>
-          <a:p>
-            <a:r>
-              <a:rPr lang="pt-BR" sz="3200" dirty="0"/>
-              <a:t>Como a sessão do usuário é armazenada no lado do cliente, o servidor só tem a capacidade de verificar sua validade verificando se o </a:t>
-            </a:r>
-            <a:r>
-              <a:rPr lang="pt-BR" sz="3200" dirty="0" err="1"/>
-              <a:t>payload</a:t>
-            </a:r>
-            <a:r>
-              <a:rPr lang="pt-BR" sz="3200" dirty="0"/>
-              <a:t> e a assinatura correspondem.</a:t>
+            <a:pPr algn="just"/>
+            <a:r>
+              <a:rPr lang="pt-BR" sz="3000" dirty="0"/>
+              <a:t>A autenticação com abordagem </a:t>
+            </a:r>
+            <a:r>
+              <a:rPr lang="pt-BR" sz="3000" dirty="0" err="1"/>
+              <a:t>Stateless</a:t>
+            </a:r>
+            <a:r>
+              <a:rPr lang="pt-BR" sz="3000" dirty="0"/>
+              <a:t> consiste em uma estratégia de autenticação na qual você, após informar credenciais, recebe um token de acesso.</a:t>
+            </a:r>
+          </a:p>
+          <a:p>
+            <a:pPr algn="just"/>
+            <a:endParaRPr lang="pt-BR" sz="3000" dirty="0"/>
+          </a:p>
+          <a:p>
+            <a:pPr algn="just"/>
+            <a:r>
+              <a:rPr lang="pt-BR" sz="3000" dirty="0"/>
+              <a:t>Este token contém as informações necessárias para identificar o usuário que o gerou, caso o sistema que receba o token tenha a chave necessária para acessar essas informações, sem a necessidade de sempre consultar a aplicação que gerou o token.</a:t>
             </a:r>
           </a:p>
         </p:txBody>
@@ -14609,7 +14941,7 @@
     </p:spTree>
     <p:extLst>
       <p:ext uri="{BB962C8B-B14F-4D97-AF65-F5344CB8AC3E}">
-        <p14:creationId xmlns:p14="http://schemas.microsoft.com/office/powerpoint/2010/main" val="2270963523"/>
+        <p14:creationId xmlns:p14="http://schemas.microsoft.com/office/powerpoint/2010/main" val="2202687802"/>
       </p:ext>
     </p:extLst>
   </p:cSld>
